--- a/bachelorarbeit_vortrag.pptx
+++ b/bachelorarbeit_vortrag.pptx
@@ -5,7 +5,7 @@
     <p:sldMasterId id="2147483648" r:id="rId1"/>
   </p:sldMasterIdLst>
   <p:notesMasterIdLst>
-    <p:notesMasterId r:id="rId20"/>
+    <p:notesMasterId r:id="rId19"/>
   </p:notesMasterIdLst>
   <p:sldIdLst>
     <p:sldId id="256" r:id="rId2"/>
@@ -14,18 +14,17 @@
     <p:sldId id="297" r:id="rId5"/>
     <p:sldId id="298" r:id="rId6"/>
     <p:sldId id="293" r:id="rId7"/>
-    <p:sldId id="307" r:id="rId8"/>
+    <p:sldId id="309" r:id="rId8"/>
     <p:sldId id="296" r:id="rId9"/>
     <p:sldId id="299" r:id="rId10"/>
-    <p:sldId id="300" r:id="rId11"/>
-    <p:sldId id="290" r:id="rId12"/>
-    <p:sldId id="301" r:id="rId13"/>
-    <p:sldId id="302" r:id="rId14"/>
-    <p:sldId id="304" r:id="rId15"/>
-    <p:sldId id="308" r:id="rId16"/>
-    <p:sldId id="305" r:id="rId17"/>
-    <p:sldId id="286" r:id="rId18"/>
-    <p:sldId id="281" r:id="rId19"/>
+    <p:sldId id="290" r:id="rId11"/>
+    <p:sldId id="301" r:id="rId12"/>
+    <p:sldId id="302" r:id="rId13"/>
+    <p:sldId id="304" r:id="rId14"/>
+    <p:sldId id="308" r:id="rId15"/>
+    <p:sldId id="305" r:id="rId16"/>
+    <p:sldId id="286" r:id="rId17"/>
+    <p:sldId id="281" r:id="rId18"/>
   </p:sldIdLst>
   <p:sldSz cx="9144000" cy="5143500" type="screen16x9"/>
   <p:notesSz cx="6858000" cy="9144000"/>
@@ -647,7 +646,7 @@
           <a:p>
             <a:fld id="{71B447C5-C700-4F5B-9345-511A8F286BAC}" type="datetimeFigureOut">
               <a:rPr lang="de-DE" smtClean="0"/>
-              <a:t>19.01.2020</a:t>
+              <a:t>22.01.2020</a:t>
             </a:fld>
             <a:endParaRPr lang="de-DE"/>
           </a:p>
@@ -915,6 +914,90 @@
 </p:notesMaster>
 </file>
 
+<file path=ppt/notesSlides/notesSlide1.xml><?xml version="1.0" encoding="utf-8"?>
+<p:notes xmlns:a="http://schemas.openxmlformats.org/drawingml/2006/main" xmlns:r="http://schemas.openxmlformats.org/officeDocument/2006/relationships" xmlns:p="http://schemas.openxmlformats.org/presentationml/2006/main">
+  <p:cSld>
+    <p:spTree>
+      <p:nvGrpSpPr>
+        <p:cNvPr id="1" name=""/>
+        <p:cNvGrpSpPr/>
+        <p:nvPr/>
+      </p:nvGrpSpPr>
+      <p:grpSpPr>
+        <a:xfrm>
+          <a:off x="0" y="0"/>
+          <a:ext cx="0" cy="0"/>
+          <a:chOff x="0" y="0"/>
+          <a:chExt cx="0" cy="0"/>
+        </a:xfrm>
+      </p:grpSpPr>
+      <p:sp>
+        <p:nvSpPr>
+          <p:cNvPr id="2" name="Folienbildplatzhalter 1"/>
+          <p:cNvSpPr>
+            <a:spLocks noGrp="1" noRot="1" noChangeAspect="1"/>
+          </p:cNvSpPr>
+          <p:nvPr>
+            <p:ph type="sldImg"/>
+          </p:nvPr>
+        </p:nvSpPr>
+        <p:spPr/>
+      </p:sp>
+      <p:sp>
+        <p:nvSpPr>
+          <p:cNvPr id="3" name="Notizenplatzhalter 2"/>
+          <p:cNvSpPr>
+            <a:spLocks noGrp="1"/>
+          </p:cNvSpPr>
+          <p:nvPr>
+            <p:ph type="body" idx="1"/>
+          </p:nvPr>
+        </p:nvSpPr>
+        <p:spPr/>
+        <p:txBody>
+          <a:bodyPr/>
+          <a:lstStyle/>
+          <a:p>
+            <a:endParaRPr lang="de-DE" dirty="0"/>
+          </a:p>
+        </p:txBody>
+      </p:sp>
+      <p:sp>
+        <p:nvSpPr>
+          <p:cNvPr id="4" name="Foliennummernplatzhalter 3"/>
+          <p:cNvSpPr>
+            <a:spLocks noGrp="1"/>
+          </p:cNvSpPr>
+          <p:nvPr>
+            <p:ph type="sldNum" sz="quarter" idx="10"/>
+          </p:nvPr>
+        </p:nvSpPr>
+        <p:spPr/>
+        <p:txBody>
+          <a:bodyPr/>
+          <a:lstStyle/>
+          <a:p>
+            <a:fld id="{391C129D-F878-4A6D-8876-B401C292B48D}" type="slidenum">
+              <a:rPr lang="de-DE" smtClean="0"/>
+              <a:t>4</a:t>
+            </a:fld>
+            <a:endParaRPr lang="de-DE"/>
+          </a:p>
+        </p:txBody>
+      </p:sp>
+    </p:spTree>
+    <p:extLst>
+      <p:ext uri="{BB962C8B-B14F-4D97-AF65-F5344CB8AC3E}">
+        <p14:creationId xmlns:p14="http://schemas.microsoft.com/office/powerpoint/2010/main" val="3879380565"/>
+      </p:ext>
+    </p:extLst>
+  </p:cSld>
+  <p:clrMapOvr>
+    <a:masterClrMapping/>
+  </p:clrMapOvr>
+</p:notes>
+</file>
+
 <file path=ppt/slideLayouts/slideLayout1.xml><?xml version="1.0" encoding="utf-8"?>
 <p:sldLayout xmlns:a="http://schemas.openxmlformats.org/drawingml/2006/main" xmlns:r="http://schemas.openxmlformats.org/officeDocument/2006/relationships" xmlns:p="http://schemas.openxmlformats.org/presentationml/2006/main" preserve="1" userDrawn="1">
   <p:cSld name="Titelfolie (schmales Bild)">
@@ -1081,7 +1164,7 @@
           <a:p>
             <a:fld id="{DF05D659-B0F7-4274-A934-35075C6F75E5}" type="datetime1">
               <a:rPr lang="de-DE" smtClean="0"/>
-              <a:t>19.01.2020</a:t>
+              <a:t>22.01.2020</a:t>
             </a:fld>
             <a:endParaRPr lang="de-DE" dirty="0"/>
           </a:p>
@@ -1656,7 +1739,7 @@
           <a:p>
             <a:fld id="{FB08A6CD-A36F-4045-B348-0FB6791599F6}" type="datetime1">
               <a:rPr lang="de-DE" smtClean="0"/>
-              <a:t>19.01.2020</a:t>
+              <a:t>22.01.2020</a:t>
             </a:fld>
             <a:endParaRPr lang="de-DE" dirty="0"/>
           </a:p>
@@ -2131,7 +2214,7 @@
           <a:p>
             <a:fld id="{C84BC43A-6602-41DC-A720-BFFEAE4C2479}" type="datetime1">
               <a:rPr lang="de-DE" smtClean="0"/>
-              <a:t>19.01.2020</a:t>
+              <a:t>22.01.2020</a:t>
             </a:fld>
             <a:endParaRPr lang="de-DE" dirty="0"/>
           </a:p>
@@ -3062,7 +3145,7 @@
           <a:p>
             <a:fld id="{C8AABD6E-6A54-49BD-B163-8A92DD781D3A}" type="datetime1">
               <a:rPr lang="de-DE" smtClean="0"/>
-              <a:t>19.01.2020</a:t>
+              <a:t>22.01.2020</a:t>
             </a:fld>
             <a:endParaRPr lang="de-DE" dirty="0"/>
           </a:p>
@@ -3533,7 +3616,7 @@
           <a:p>
             <a:fld id="{900E1722-EB2B-41FD-9A6A-5D35C0D8A55A}" type="datetime1">
               <a:rPr lang="de-DE" smtClean="0"/>
-              <a:t>19.01.2020</a:t>
+              <a:t>22.01.2020</a:t>
             </a:fld>
             <a:endParaRPr lang="de-DE" dirty="0"/>
           </a:p>
@@ -4001,7 +4084,7 @@
           <a:p>
             <a:fld id="{0363C09C-E81E-43C9-BFE5-B9D869729B7C}" type="datetime1">
               <a:rPr lang="de-DE" smtClean="0"/>
-              <a:t>19.01.2020</a:t>
+              <a:t>22.01.2020</a:t>
             </a:fld>
             <a:endParaRPr lang="de-DE" dirty="0"/>
           </a:p>
@@ -4404,7 +4487,7 @@
           <a:p>
             <a:fld id="{DDFBC688-05C2-439C-BB93-C79EFF97A0DF}" type="datetime1">
               <a:rPr lang="de-DE" smtClean="0"/>
-              <a:t>19.01.2020</a:t>
+              <a:t>22.01.2020</a:t>
             </a:fld>
             <a:endParaRPr lang="de-DE" dirty="0"/>
           </a:p>
@@ -4816,7 +4899,7 @@
           <a:p>
             <a:fld id="{97E5D9B3-C7D8-43E0-8634-4806503FF549}" type="datetime1">
               <a:rPr lang="de-DE" smtClean="0"/>
-              <a:t>19.01.2020</a:t>
+              <a:t>22.01.2020</a:t>
             </a:fld>
             <a:endParaRPr lang="de-DE" dirty="0"/>
           </a:p>
@@ -5124,7 +5207,7 @@
           <a:p>
             <a:fld id="{5B9BD0A6-E0A0-441C-B6A1-0F5307E4A299}" type="datetime1">
               <a:rPr lang="de-DE" smtClean="0"/>
-              <a:t>19.01.2020</a:t>
+              <a:t>22.01.2020</a:t>
             </a:fld>
             <a:endParaRPr lang="de-DE" dirty="0"/>
           </a:p>
@@ -5679,7 +5762,7 @@
           <a:p>
             <a:fld id="{20038A33-E9C4-43C5-98CA-7E37261A07F1}" type="datetime1">
               <a:rPr lang="de-DE" smtClean="0"/>
-              <a:t>19.01.2020</a:t>
+              <a:t>22.01.2020</a:t>
             </a:fld>
             <a:endParaRPr lang="de-DE" dirty="0"/>
           </a:p>
@@ -6058,7 +6141,7 @@
           <a:p>
             <a:fld id="{78B0DDB8-05FA-4D0F-A320-276D002A9BEF}" type="datetime1">
               <a:rPr lang="de-DE" smtClean="0"/>
-              <a:t>19.01.2020</a:t>
+              <a:t>22.01.2020</a:t>
             </a:fld>
             <a:endParaRPr lang="de-DE" dirty="0"/>
           </a:p>
@@ -6533,7 +6616,7 @@
           <a:p>
             <a:fld id="{A63F7BFC-E547-4D43-A8A9-941127D76F70}" type="datetime1">
               <a:rPr lang="de-DE" smtClean="0"/>
-              <a:t>19.01.2020</a:t>
+              <a:t>22.01.2020</a:t>
             </a:fld>
             <a:endParaRPr lang="de-DE" dirty="0"/>
           </a:p>
@@ -7008,7 +7091,7 @@
           <a:p>
             <a:fld id="{32EF2F15-5D0C-413F-9DF3-8A1A07FAFCA3}" type="datetime1">
               <a:rPr lang="de-DE" smtClean="0"/>
-              <a:t>19.01.2020</a:t>
+              <a:t>22.01.2020</a:t>
             </a:fld>
             <a:endParaRPr lang="de-DE" dirty="0"/>
           </a:p>
@@ -7483,7 +7566,7 @@
           <a:p>
             <a:fld id="{C74FA2B8-B14D-4F30-8D01-D652602F2B2B}" type="datetime1">
               <a:rPr lang="de-DE" smtClean="0"/>
-              <a:t>19.01.2020</a:t>
+              <a:t>22.01.2020</a:t>
             </a:fld>
             <a:endParaRPr lang="de-DE" dirty="0"/>
           </a:p>
@@ -7675,7 +7758,7 @@
           <a:p>
             <a:fld id="{2E116F13-CAB3-4358-A242-8B78CB8A4391}" type="datetime1">
               <a:rPr lang="de-DE" smtClean="0"/>
-              <a:t>19.01.2020</a:t>
+              <a:t>22.01.2020</a:t>
             </a:fld>
             <a:endParaRPr lang="de-DE" dirty="0"/>
           </a:p>
@@ -8283,103 +8366,12 @@
           <a:lstStyle/>
           <a:p>
             <a:r>
-              <a:rPr lang="de-DE" dirty="0" smtClean="0"/>
-              <a:t>Grundlagen </a:t>
-            </a:r>
-            <a:r>
               <a:rPr lang="de-DE" dirty="0"/>
-              <a:t>– </a:t>
-            </a:r>
-            <a:r>
-              <a:rPr lang="de-DE" dirty="0" smtClean="0"/>
-              <a:t>Time </a:t>
-            </a:r>
-            <a:r>
-              <a:rPr lang="de-DE" dirty="0" err="1" smtClean="0"/>
-              <a:t>Difference</a:t>
-            </a:r>
-            <a:r>
-              <a:rPr lang="de-DE" dirty="0" smtClean="0"/>
-              <a:t> </a:t>
-            </a:r>
-            <a:r>
-              <a:rPr lang="de-DE" dirty="0" err="1" smtClean="0"/>
-              <a:t>of</a:t>
-            </a:r>
-            <a:r>
-              <a:rPr lang="de-DE" dirty="0" smtClean="0"/>
-              <a:t> Arrival</a:t>
-            </a:r>
-            <a:endParaRPr lang="de-DE" dirty="0"/>
-          </a:p>
-        </p:txBody>
-      </p:sp>
-      <p:sp>
-        <p:nvSpPr>
-          <p:cNvPr id="3" name="Textplatzhalter 2"/>
-          <p:cNvSpPr>
-            <a:spLocks noGrp="1"/>
-          </p:cNvSpPr>
-          <p:nvPr>
-            <p:ph type="body" sz="quarter" idx="14"/>
-          </p:nvPr>
-        </p:nvSpPr>
-        <p:spPr>
-          <a:xfrm>
-            <a:off x="3059832" y="4847158"/>
-            <a:ext cx="4752527" cy="215900"/>
-          </a:xfrm>
-        </p:spPr>
-        <p:txBody>
-          <a:bodyPr/>
-          <a:lstStyle/>
-          <a:p>
-            <a:r>
-              <a:rPr lang="de-DE" dirty="0"/>
-              <a:t>Positionsbestimmung drahtloser mobiler eingebetteter Systeme mittels Time </a:t>
-            </a:r>
-            <a:r>
-              <a:rPr lang="de-DE" dirty="0" err="1"/>
-              <a:t>Difference</a:t>
-            </a:r>
-            <a:r>
-              <a:rPr lang="de-DE" dirty="0"/>
-              <a:t> </a:t>
-            </a:r>
-            <a:r>
-              <a:rPr lang="de-DE" dirty="0" err="1"/>
-              <a:t>of</a:t>
-            </a:r>
-            <a:r>
-              <a:rPr lang="de-DE" dirty="0"/>
-              <a:t> Arrival</a:t>
-            </a:r>
-          </a:p>
-        </p:txBody>
-      </p:sp>
-      <p:sp>
-        <p:nvSpPr>
-          <p:cNvPr id="15" name="Fußzeilenplatzhalter 14"/>
-          <p:cNvSpPr>
-            <a:spLocks noGrp="1"/>
-          </p:cNvSpPr>
-          <p:nvPr>
-            <p:ph type="ftr" sz="quarter" idx="28"/>
-          </p:nvPr>
-        </p:nvSpPr>
-        <p:spPr>
-          <a:xfrm>
-            <a:off x="1965072" y="4812372"/>
-            <a:ext cx="2304256" cy="273844"/>
-          </a:xfrm>
-        </p:spPr>
-        <p:txBody>
-          <a:bodyPr/>
-          <a:lstStyle/>
-          <a:p>
-            <a:r>
-              <a:rPr lang="de-DE" dirty="0" smtClean="0"/>
-              <a:t>Oliver Koepp</a:t>
+              <a:t>Grundlagen – </a:t>
+            </a:r>
+            <a:r>
+              <a:rPr lang="de-DE" dirty="0" smtClean="0"/>
+              <a:t>Mathematik</a:t>
             </a:r>
             <a:endParaRPr lang="de-DE" dirty="0"/>
           </a:p>
@@ -8394,7 +8386,7 @@
         <p:spPr>
           <a:xfrm>
             <a:off x="683568" y="1273791"/>
-            <a:ext cx="8460432" cy="2585323"/>
+            <a:ext cx="8460432" cy="646331"/>
           </a:xfrm>
           <a:prstGeom prst="rect">
             <a:avLst/>
@@ -8407,16 +8399,13 @@
           </a:bodyPr>
           <a:lstStyle/>
           <a:p>
-            <a:endParaRPr lang="de-DE" dirty="0" smtClean="0"/>
-          </a:p>
-          <a:p>
             <a:pPr marL="285750" indent="-285750">
               <a:buFont typeface="Arial" panose="020B0604020202020204" pitchFamily="34" charset="0"/>
               <a:buChar char="•"/>
             </a:pPr>
             <a:r>
               <a:rPr lang="de-DE" dirty="0" smtClean="0"/>
-              <a:t>Verfahren zur Laufzeitmessung</a:t>
+              <a:t>Schall breitet sich Kreisförmig in 2D aus</a:t>
             </a:r>
           </a:p>
           <a:p>
@@ -8426,59 +8415,24 @@
             </a:pPr>
             <a:r>
               <a:rPr lang="de-DE" dirty="0" smtClean="0"/>
-              <a:t>Laufzeitunterschied von zwei Zeitstempel</a:t>
-            </a:r>
-          </a:p>
-          <a:p>
-            <a:pPr marL="285750" indent="-285750">
-              <a:buFont typeface="Arial" panose="020B0604020202020204" pitchFamily="34" charset="0"/>
-              <a:buChar char="•"/>
-            </a:pPr>
-            <a:r>
-              <a:rPr lang="de-DE" dirty="0" smtClean="0"/>
-              <a:t>Art des Signals ist irrelevant</a:t>
-            </a:r>
-          </a:p>
-          <a:p>
-            <a:pPr marL="285750" indent="-285750">
-              <a:buFont typeface="Arial" panose="020B0604020202020204" pitchFamily="34" charset="0"/>
-              <a:buChar char="•"/>
-            </a:pPr>
-            <a:endParaRPr lang="de-DE" dirty="0"/>
-          </a:p>
-          <a:p>
-            <a:pPr marL="285750" indent="-285750">
-              <a:buFont typeface="Arial" panose="020B0604020202020204" pitchFamily="34" charset="0"/>
-              <a:buChar char="•"/>
-            </a:pPr>
-            <a:endParaRPr lang="de-DE" dirty="0" smtClean="0"/>
-          </a:p>
-          <a:p>
-            <a:pPr marL="742950" lvl="1" indent="-285750">
-              <a:buFont typeface="Arial" panose="020B0604020202020204" pitchFamily="34" charset="0"/>
-              <a:buChar char="•"/>
-            </a:pPr>
-            <a:endParaRPr lang="de-DE" dirty="0" smtClean="0"/>
-          </a:p>
-          <a:p>
-            <a:pPr marL="742950" lvl="1" indent="-285750">
-              <a:buFont typeface="Arial" panose="020B0604020202020204" pitchFamily="34" charset="0"/>
-              <a:buChar char="•"/>
-            </a:pPr>
-            <a:endParaRPr lang="de-DE" dirty="0" smtClean="0"/>
-          </a:p>
-          <a:p>
-            <a:pPr marL="742950" lvl="1" indent="-285750">
-              <a:buFont typeface="Arial" panose="020B0604020202020204" pitchFamily="34" charset="0"/>
-              <a:buChar char="•"/>
-            </a:pPr>
-            <a:endParaRPr lang="de-DE" dirty="0"/>
+              <a:t>Schnittpunkt von drei Kreisen </a:t>
+            </a:r>
+            <a:r>
+              <a:rPr lang="de-DE" dirty="0" smtClean="0">
+                <a:sym typeface="Wingdings" panose="05000000000000000000" pitchFamily="2" charset="2"/>
+              </a:rPr>
+              <a:t> eindeutige Punktiden</a:t>
+            </a:r>
+            <a:r>
+              <a:rPr lang="de-DE" dirty="0" smtClean="0"/>
+              <a:t>tifizierung</a:t>
+            </a:r>
           </a:p>
         </p:txBody>
       </p:sp>
       <p:pic>
         <p:nvPicPr>
-          <p:cNvPr id="5" name="Grafik 4"/>
+          <p:cNvPr id="4" name="Grafik 3"/>
           <p:cNvPicPr>
             <a:picLocks noChangeAspect="1"/>
           </p:cNvPicPr>
@@ -8498,8 +8452,8 @@
         </p:blipFill>
         <p:spPr>
           <a:xfrm>
-            <a:off x="683568" y="3147814"/>
-            <a:ext cx="1550527" cy="997517"/>
+            <a:off x="5006908" y="1969498"/>
+            <a:ext cx="3638316" cy="2808312"/>
           </a:xfrm>
           <a:prstGeom prst="rect">
             <a:avLst/>
@@ -8515,7 +8469,7 @@
           <p:nvPr/>
         </p:nvPicPr>
         <p:blipFill>
-          <a:blip r:embed="rId2" cstate="print">
+          <a:blip r:embed="rId3" cstate="print">
             <a:extLst>
               <a:ext uri="{28A0092B-C50C-407E-A947-70E740481C1C}">
                 <a14:useLocalDpi xmlns:a14="http://schemas.microsoft.com/office/drawing/2010/main" val="0"/>
@@ -8528,478 +8482,203 @@
         </p:blipFill>
         <p:spPr>
           <a:xfrm>
-            <a:off x="6261832" y="3143986"/>
-            <a:ext cx="1550527" cy="997517"/>
+            <a:off x="755576" y="2474120"/>
+            <a:ext cx="3566379" cy="2202435"/>
           </a:xfrm>
           <a:prstGeom prst="rect">
             <a:avLst/>
           </a:prstGeom>
         </p:spPr>
       </p:pic>
-      <p:cxnSp>
-        <p:nvCxnSpPr>
-          <p:cNvPr id="22" name="Gerade Verbindung mit Pfeil 21"/>
-          <p:cNvCxnSpPr/>
+      <p:sp>
+        <p:nvSpPr>
+          <p:cNvPr id="11" name="Textplatzhalter 2"/>
+          <p:cNvSpPr>
+            <a:spLocks noGrp="1"/>
+          </p:cNvSpPr>
+          <p:nvPr>
+            <p:ph type="body" sz="quarter" idx="14"/>
+          </p:nvPr>
+        </p:nvSpPr>
+        <p:spPr>
+          <a:xfrm>
+            <a:off x="1619672" y="4818186"/>
+            <a:ext cx="4752527" cy="215900"/>
+          </a:xfrm>
+        </p:spPr>
+        <p:txBody>
+          <a:bodyPr/>
+          <a:lstStyle/>
+          <a:p>
+            <a:r>
+              <a:rPr lang="de-DE" dirty="0"/>
+              <a:t>Positionsbestimmung drahtloser mobiler eingebetteter Systeme mittels Time </a:t>
+            </a:r>
+            <a:r>
+              <a:rPr lang="de-DE" dirty="0" err="1"/>
+              <a:t>Difference</a:t>
+            </a:r>
+            <a:r>
+              <a:rPr lang="de-DE" dirty="0"/>
+              <a:t> </a:t>
+            </a:r>
+            <a:r>
+              <a:rPr lang="de-DE" dirty="0" err="1"/>
+              <a:t>of</a:t>
+            </a:r>
+            <a:r>
+              <a:rPr lang="de-DE" dirty="0"/>
+              <a:t> Arrival</a:t>
+            </a:r>
+          </a:p>
+        </p:txBody>
+      </p:sp>
+      <p:sp>
+        <p:nvSpPr>
+          <p:cNvPr id="12" name="Datumsplatzhalter 13"/>
+          <p:cNvSpPr>
+            <a:spLocks noGrp="1"/>
+          </p:cNvSpPr>
+          <p:nvPr>
+            <p:ph type="dt" sz="half" idx="27"/>
+          </p:nvPr>
+        </p:nvSpPr>
+        <p:spPr>
+          <a:xfrm>
+            <a:off x="881608" y="4818186"/>
+            <a:ext cx="1098104" cy="273844"/>
+          </a:xfrm>
+        </p:spPr>
+        <p:txBody>
+          <a:bodyPr/>
+          <a:lstStyle/>
+          <a:p>
+            <a:r>
+              <a:rPr lang="de-DE" dirty="0" smtClean="0"/>
+              <a:t>24.01.2020</a:t>
+            </a:r>
+            <a:endParaRPr lang="de-DE" dirty="0"/>
+          </a:p>
+        </p:txBody>
+      </p:sp>
+      <p:sp>
+        <p:nvSpPr>
+          <p:cNvPr id="13" name="Datumsplatzhalter 13"/>
+          <p:cNvSpPr txBox="1">
+            <a:spLocks/>
+          </p:cNvSpPr>
           <p:nvPr/>
-        </p:nvCxnSpPr>
-        <p:spPr>
-          <a:xfrm>
-            <a:off x="2416299" y="3291830"/>
-            <a:ext cx="3706057" cy="0"/>
-          </a:xfrm>
-          <a:prstGeom prst="straightConnector1">
+        </p:nvSpPr>
+        <p:spPr>
+          <a:xfrm>
+            <a:off x="7020272" y="4818186"/>
+            <a:ext cx="792088" cy="273844"/>
+          </a:xfrm>
+          <a:prstGeom prst="rect">
             <a:avLst/>
           </a:prstGeom>
-          <a:ln>
-            <a:tailEnd type="triangle"/>
-          </a:ln>
-          <a:effectLst/>
-        </p:spPr>
-        <p:style>
-          <a:lnRef idx="3">
-            <a:schemeClr val="dk1"/>
-          </a:lnRef>
-          <a:fillRef idx="0">
-            <a:schemeClr val="dk1"/>
-          </a:fillRef>
-          <a:effectRef idx="2">
-            <a:schemeClr val="dk1"/>
-          </a:effectRef>
-          <a:fontRef idx="minor">
-            <a:schemeClr val="tx1"/>
-          </a:fontRef>
-        </p:style>
-      </p:cxnSp>
-      <p:cxnSp>
-        <p:nvCxnSpPr>
-          <p:cNvPr id="25" name="Gerade Verbindung mit Pfeil 24"/>
-          <p:cNvCxnSpPr/>
-          <p:nvPr/>
-        </p:nvCxnSpPr>
-        <p:spPr>
-          <a:xfrm flipH="1" flipV="1">
-            <a:off x="2399486" y="3858117"/>
-            <a:ext cx="3696955" cy="8384"/>
-          </a:xfrm>
-          <a:prstGeom prst="straightConnector1">
-            <a:avLst/>
-          </a:prstGeom>
-          <a:ln>
-            <a:tailEnd type="triangle"/>
-          </a:ln>
-          <a:effectLst/>
-        </p:spPr>
-        <p:style>
-          <a:lnRef idx="3">
-            <a:schemeClr val="dk1"/>
-          </a:lnRef>
-          <a:fillRef idx="0">
-            <a:schemeClr val="dk1"/>
-          </a:fillRef>
-          <a:effectRef idx="2">
-            <a:schemeClr val="dk1"/>
-          </a:effectRef>
-          <a:fontRef idx="minor">
-            <a:schemeClr val="tx1"/>
-          </a:fontRef>
-        </p:style>
-      </p:cxnSp>
-      <mc:AlternateContent xmlns:mc="http://schemas.openxmlformats.org/markup-compatibility/2006" xmlns:a14="http://schemas.microsoft.com/office/drawing/2010/main">
-        <mc:Choice Requires="a14">
-          <p:sp>
-            <p:nvSpPr>
-              <p:cNvPr id="28" name="Textfeld 27"/>
-              <p:cNvSpPr txBox="1"/>
-              <p:nvPr/>
-            </p:nvSpPr>
-            <p:spPr>
-              <a:xfrm>
-                <a:off x="2056259" y="2895818"/>
-                <a:ext cx="360040" cy="369332"/>
-              </a:xfrm>
-              <a:prstGeom prst="rect">
-                <a:avLst/>
-              </a:prstGeom>
-              <a:noFill/>
-            </p:spPr>
-            <p:txBody>
-              <a:bodyPr wrap="square" rtlCol="0">
-                <a:spAutoFit/>
-              </a:bodyPr>
-              <a:lstStyle/>
-              <a:p>
-                <a:pPr/>
-                <a14:m>
-                  <m:oMathPara xmlns:m="http://schemas.openxmlformats.org/officeDocument/2006/math">
-                    <m:oMathParaPr>
-                      <m:jc m:val="centerGroup"/>
-                    </m:oMathParaPr>
-                    <m:oMath xmlns:m="http://schemas.openxmlformats.org/officeDocument/2006/math">
-                      <m:sSub>
-                        <m:sSubPr>
-                          <m:ctrlPr>
-                            <a:rPr lang="de-DE" i="1" smtClean="0">
-                              <a:latin typeface="Cambria Math" panose="02040503050406030204" pitchFamily="18" charset="0"/>
-                            </a:rPr>
-                          </m:ctrlPr>
-                        </m:sSubPr>
-                        <m:e>
-                          <m:r>
-                            <a:rPr lang="de-DE" b="0" i="1" smtClean="0">
-                              <a:latin typeface="Cambria Math" panose="02040503050406030204" pitchFamily="18" charset="0"/>
-                            </a:rPr>
-                            <m:t>𝑡</m:t>
-                          </m:r>
-                        </m:e>
-                        <m:sub>
-                          <m:r>
-                            <a:rPr lang="de-DE" b="0" i="1" smtClean="0">
-                              <a:latin typeface="Cambria Math" panose="02040503050406030204" pitchFamily="18" charset="0"/>
-                            </a:rPr>
-                            <m:t>0</m:t>
-                          </m:r>
-                        </m:sub>
-                      </m:sSub>
-                    </m:oMath>
-                  </m:oMathPara>
-                </a14:m>
-                <a:endParaRPr lang="de-DE" dirty="0"/>
-              </a:p>
-            </p:txBody>
-          </p:sp>
-        </mc:Choice>
-        <mc:Fallback xmlns="">
-          <p:sp>
-            <p:nvSpPr>
-              <p:cNvPr id="28" name="Textfeld 27"/>
-              <p:cNvSpPr txBox="1">
-                <a:spLocks noRot="1" noChangeAspect="1" noMove="1" noResize="1" noEditPoints="1" noAdjustHandles="1" noChangeArrowheads="1" noChangeShapeType="1" noTextEdit="1"/>
-              </p:cNvSpPr>
-              <p:nvPr/>
-            </p:nvSpPr>
-            <p:spPr>
-              <a:xfrm>
-                <a:off x="2056259" y="2895818"/>
-                <a:ext cx="360040" cy="369332"/>
-              </a:xfrm>
-              <a:prstGeom prst="rect">
-                <a:avLst/>
-              </a:prstGeom>
-              <a:blipFill>
-                <a:blip r:embed="rId3"/>
-                <a:stretch>
-                  <a:fillRect b="-1639"/>
-                </a:stretch>
-              </a:blipFill>
-            </p:spPr>
-            <p:txBody>
-              <a:bodyPr/>
-              <a:lstStyle/>
-              <a:p>
-                <a:r>
-                  <a:rPr lang="de-DE">
-                    <a:noFill/>
-                  </a:rPr>
-                  <a:t> </a:t>
-                </a:r>
-              </a:p>
-            </p:txBody>
-          </p:sp>
-        </mc:Fallback>
-      </mc:AlternateContent>
-      <mc:AlternateContent xmlns:mc="http://schemas.openxmlformats.org/markup-compatibility/2006" xmlns:a14="http://schemas.microsoft.com/office/drawing/2010/main">
-        <mc:Choice Requires="a14">
-          <p:sp>
-            <p:nvSpPr>
-              <p:cNvPr id="29" name="Textfeld 28"/>
-              <p:cNvSpPr txBox="1"/>
-              <p:nvPr/>
-            </p:nvSpPr>
-            <p:spPr>
-              <a:xfrm>
-                <a:off x="2154000" y="3841689"/>
-                <a:ext cx="360040" cy="369332"/>
-              </a:xfrm>
-              <a:prstGeom prst="rect">
-                <a:avLst/>
-              </a:prstGeom>
-              <a:noFill/>
-            </p:spPr>
-            <p:txBody>
-              <a:bodyPr wrap="square" rtlCol="0">
-                <a:spAutoFit/>
-              </a:bodyPr>
-              <a:lstStyle/>
-              <a:p>
-                <a:pPr/>
-                <a14:m>
-                  <m:oMathPara xmlns:m="http://schemas.openxmlformats.org/officeDocument/2006/math">
-                    <m:oMathParaPr>
-                      <m:jc m:val="centerGroup"/>
-                    </m:oMathParaPr>
-                    <m:oMath xmlns:m="http://schemas.openxmlformats.org/officeDocument/2006/math">
-                      <m:sSub>
-                        <m:sSubPr>
-                          <m:ctrlPr>
-                            <a:rPr lang="de-DE" i="1" smtClean="0">
-                              <a:latin typeface="Cambria Math" panose="02040503050406030204" pitchFamily="18" charset="0"/>
-                            </a:rPr>
-                          </m:ctrlPr>
-                        </m:sSubPr>
-                        <m:e>
-                          <m:r>
-                            <a:rPr lang="de-DE" b="0" i="1" smtClean="0">
-                              <a:latin typeface="Cambria Math" panose="02040503050406030204" pitchFamily="18" charset="0"/>
-                            </a:rPr>
-                            <m:t>𝑡</m:t>
-                          </m:r>
-                        </m:e>
-                        <m:sub>
-                          <m:r>
-                            <a:rPr lang="de-DE" b="0" i="1" smtClean="0">
-                              <a:latin typeface="Cambria Math" panose="02040503050406030204" pitchFamily="18" charset="0"/>
-                            </a:rPr>
-                            <m:t>1</m:t>
-                          </m:r>
-                        </m:sub>
-                      </m:sSub>
-                    </m:oMath>
-                  </m:oMathPara>
-                </a14:m>
-                <a:endParaRPr lang="de-DE" dirty="0"/>
-              </a:p>
-            </p:txBody>
-          </p:sp>
-        </mc:Choice>
-        <mc:Fallback xmlns="">
-          <p:sp>
-            <p:nvSpPr>
-              <p:cNvPr id="29" name="Textfeld 28"/>
-              <p:cNvSpPr txBox="1">
-                <a:spLocks noRot="1" noChangeAspect="1" noMove="1" noResize="1" noEditPoints="1" noAdjustHandles="1" noChangeArrowheads="1" noChangeShapeType="1" noTextEdit="1"/>
-              </p:cNvSpPr>
-              <p:nvPr/>
-            </p:nvSpPr>
-            <p:spPr>
-              <a:xfrm>
-                <a:off x="2154000" y="3841689"/>
-                <a:ext cx="360040" cy="369332"/>
-              </a:xfrm>
-              <a:prstGeom prst="rect">
-                <a:avLst/>
-              </a:prstGeom>
-              <a:blipFill>
-                <a:blip r:embed="rId4"/>
-                <a:stretch>
-                  <a:fillRect b="-1639"/>
-                </a:stretch>
-              </a:blipFill>
-            </p:spPr>
-            <p:txBody>
-              <a:bodyPr/>
-              <a:lstStyle/>
-              <a:p>
-                <a:r>
-                  <a:rPr lang="de-DE">
-                    <a:noFill/>
-                  </a:rPr>
-                  <a:t> </a:t>
-                </a:r>
-              </a:p>
-            </p:txBody>
-          </p:sp>
-        </mc:Fallback>
-      </mc:AlternateContent>
-      <mc:AlternateContent xmlns:mc="http://schemas.openxmlformats.org/markup-compatibility/2006" xmlns:a14="http://schemas.microsoft.com/office/drawing/2010/main">
-        <mc:Choice Requires="a14">
-          <p:sp>
-            <p:nvSpPr>
-              <p:cNvPr id="30" name="Textfeld 29"/>
-              <p:cNvSpPr txBox="1"/>
-              <p:nvPr/>
-            </p:nvSpPr>
-            <p:spPr>
-              <a:xfrm>
-                <a:off x="657298" y="4151145"/>
-                <a:ext cx="1496702" cy="391582"/>
-              </a:xfrm>
-              <a:prstGeom prst="rect">
-                <a:avLst/>
-              </a:prstGeom>
-              <a:noFill/>
-            </p:spPr>
-            <p:txBody>
-              <a:bodyPr wrap="square" rtlCol="0">
-                <a:spAutoFit/>
-              </a:bodyPr>
-              <a:lstStyle/>
-              <a:p>
-                <a14:m>
-                  <m:oMath xmlns:m="http://schemas.openxmlformats.org/officeDocument/2006/math">
-                    <m:sSub>
-                      <m:sSubPr>
-                        <m:ctrlPr>
-                          <a:rPr lang="de-DE" i="1" smtClean="0">
-                            <a:latin typeface="Cambria Math" panose="02040503050406030204" pitchFamily="18" charset="0"/>
-                          </a:rPr>
-                        </m:ctrlPr>
-                      </m:sSubPr>
-                      <m:e>
-                        <m:r>
-                          <a:rPr lang="de-DE" i="1">
-                            <a:latin typeface="Cambria Math" panose="02040503050406030204" pitchFamily="18" charset="0"/>
-                          </a:rPr>
-                          <m:t>𝑡</m:t>
-                        </m:r>
-                      </m:e>
-                      <m:sub>
-                        <m:r>
-                          <a:rPr lang="de-DE" b="0" i="1" smtClean="0">
-                            <a:latin typeface="Cambria Math" panose="02040503050406030204" pitchFamily="18" charset="0"/>
-                          </a:rPr>
-                          <m:t>𝑑𝑖𝑓𝑓</m:t>
-                        </m:r>
-                      </m:sub>
-                    </m:sSub>
-                    <m:r>
-                      <a:rPr lang="de-DE" b="0" i="1" smtClean="0">
-                        <a:latin typeface="Cambria Math" panose="02040503050406030204" pitchFamily="18" charset="0"/>
-                      </a:rPr>
-                      <m:t>=</m:t>
-                    </m:r>
-                    <m:sSub>
-                      <m:sSubPr>
-                        <m:ctrlPr>
-                          <a:rPr lang="de-DE" i="1" smtClean="0">
-                            <a:latin typeface="Cambria Math" panose="02040503050406030204" pitchFamily="18" charset="0"/>
-                          </a:rPr>
-                        </m:ctrlPr>
-                      </m:sSubPr>
-                      <m:e>
-                        <m:r>
-                          <a:rPr lang="de-DE" b="0" i="1" smtClean="0">
-                            <a:latin typeface="Cambria Math" panose="02040503050406030204" pitchFamily="18" charset="0"/>
-                          </a:rPr>
-                          <m:t>𝑡</m:t>
-                        </m:r>
-                      </m:e>
-                      <m:sub>
-                        <m:r>
-                          <a:rPr lang="de-DE" b="0" i="1" smtClean="0">
-                            <a:latin typeface="Cambria Math" panose="02040503050406030204" pitchFamily="18" charset="0"/>
-                          </a:rPr>
-                          <m:t>0</m:t>
-                        </m:r>
-                      </m:sub>
-                    </m:sSub>
-                  </m:oMath>
-                </a14:m>
-                <a:r>
-                  <a:rPr lang="de-DE" dirty="0" smtClean="0"/>
-                  <a:t>-</a:t>
-                </a:r>
-                <a14:m>
-                  <m:oMath xmlns:m="http://schemas.openxmlformats.org/officeDocument/2006/math">
-                    <m:sSub>
-                      <m:sSubPr>
-                        <m:ctrlPr>
-                          <a:rPr lang="de-DE" i="1" dirty="0" smtClean="0">
-                            <a:latin typeface="Cambria Math" panose="02040503050406030204" pitchFamily="18" charset="0"/>
-                          </a:rPr>
-                        </m:ctrlPr>
-                      </m:sSubPr>
-                      <m:e>
-                        <m:r>
-                          <a:rPr lang="de-DE" b="0" i="1" dirty="0" smtClean="0">
-                            <a:latin typeface="Cambria Math" panose="02040503050406030204" pitchFamily="18" charset="0"/>
-                          </a:rPr>
-                          <m:t> </m:t>
-                        </m:r>
-                        <m:r>
-                          <a:rPr lang="de-DE" b="0" i="1" dirty="0" smtClean="0">
-                            <a:latin typeface="Cambria Math" panose="02040503050406030204" pitchFamily="18" charset="0"/>
-                          </a:rPr>
-                          <m:t>𝑡</m:t>
-                        </m:r>
-                      </m:e>
-                      <m:sub>
-                        <m:r>
-                          <a:rPr lang="de-DE" b="0" i="1" dirty="0" smtClean="0">
-                            <a:latin typeface="Cambria Math" panose="02040503050406030204" pitchFamily="18" charset="0"/>
-                          </a:rPr>
-                          <m:t>1</m:t>
-                        </m:r>
-                      </m:sub>
-                    </m:sSub>
-                  </m:oMath>
-                </a14:m>
-                <a:endParaRPr lang="de-DE" dirty="0"/>
-              </a:p>
-            </p:txBody>
-          </p:sp>
-        </mc:Choice>
-        <mc:Fallback xmlns="">
-          <p:sp>
-            <p:nvSpPr>
-              <p:cNvPr id="30" name="Textfeld 29"/>
-              <p:cNvSpPr txBox="1">
-                <a:spLocks noRot="1" noChangeAspect="1" noMove="1" noResize="1" noEditPoints="1" noAdjustHandles="1" noChangeArrowheads="1" noChangeShapeType="1" noTextEdit="1"/>
-              </p:cNvSpPr>
-              <p:nvPr/>
-            </p:nvSpPr>
-            <p:spPr>
-              <a:xfrm>
-                <a:off x="657298" y="4151145"/>
-                <a:ext cx="1496702" cy="391582"/>
-              </a:xfrm>
-              <a:prstGeom prst="rect">
-                <a:avLst/>
-              </a:prstGeom>
-              <a:blipFill>
-                <a:blip r:embed="rId5"/>
-                <a:stretch>
-                  <a:fillRect t="-10938" b="-17188"/>
-                </a:stretch>
-              </a:blipFill>
-            </p:spPr>
-            <p:txBody>
-              <a:bodyPr/>
-              <a:lstStyle/>
-              <a:p>
-                <a:r>
-                  <a:rPr lang="de-DE">
-                    <a:noFill/>
-                  </a:rPr>
-                  <a:t> </a:t>
-                </a:r>
-              </a:p>
-            </p:txBody>
-          </p:sp>
-        </mc:Fallback>
-      </mc:AlternateContent>
-      <p:sp>
-        <p:nvSpPr>
-          <p:cNvPr id="16" name="Datumsplatzhalter 13"/>
-          <p:cNvSpPr>
-            <a:spLocks noGrp="1"/>
-          </p:cNvSpPr>
-          <p:nvPr>
-            <p:ph type="dt" sz="half" idx="27"/>
-          </p:nvPr>
-        </p:nvSpPr>
-        <p:spPr>
-          <a:xfrm>
-            <a:off x="881608" y="4818186"/>
-            <a:ext cx="1098104" cy="273844"/>
-          </a:xfrm>
-        </p:spPr>
-        <p:txBody>
-          <a:bodyPr/>
-          <a:lstStyle/>
-          <a:p>
-            <a:r>
-              <a:rPr lang="de-DE" dirty="0" smtClean="0"/>
-              <a:t>24.01.2020</a:t>
+        </p:spPr>
+        <p:txBody>
+          <a:bodyPr vert="horz" lIns="0" tIns="0" rIns="0" bIns="0" rtlCol="0" anchor="ctr"/>
+          <a:lstStyle>
+            <a:defPPr>
+              <a:defRPr lang="de-DE"/>
+            </a:defPPr>
+            <a:lvl1pPr marL="0" algn="l" defTabSz="914400" rtl="0" eaLnBrk="1" latinLnBrk="0" hangingPunct="1">
+              <a:defRPr sz="900" kern="1200">
+                <a:solidFill>
+                  <a:schemeClr val="bg1"/>
+                </a:solidFill>
+                <a:latin typeface="+mn-lt"/>
+                <a:ea typeface="+mn-ea"/>
+                <a:cs typeface="+mn-cs"/>
+              </a:defRPr>
+            </a:lvl1pPr>
+            <a:lvl2pPr marL="457200" algn="l" defTabSz="914400" rtl="0" eaLnBrk="1" latinLnBrk="0" hangingPunct="1">
+              <a:defRPr sz="1800" kern="1200">
+                <a:solidFill>
+                  <a:schemeClr val="tx1"/>
+                </a:solidFill>
+                <a:latin typeface="+mn-lt"/>
+                <a:ea typeface="+mn-ea"/>
+                <a:cs typeface="+mn-cs"/>
+              </a:defRPr>
+            </a:lvl2pPr>
+            <a:lvl3pPr marL="914400" algn="l" defTabSz="914400" rtl="0" eaLnBrk="1" latinLnBrk="0" hangingPunct="1">
+              <a:defRPr sz="1800" kern="1200">
+                <a:solidFill>
+                  <a:schemeClr val="tx1"/>
+                </a:solidFill>
+                <a:latin typeface="+mn-lt"/>
+                <a:ea typeface="+mn-ea"/>
+                <a:cs typeface="+mn-cs"/>
+              </a:defRPr>
+            </a:lvl3pPr>
+            <a:lvl4pPr marL="1371600" algn="l" defTabSz="914400" rtl="0" eaLnBrk="1" latinLnBrk="0" hangingPunct="1">
+              <a:defRPr sz="1800" kern="1200">
+                <a:solidFill>
+                  <a:schemeClr val="tx1"/>
+                </a:solidFill>
+                <a:latin typeface="+mn-lt"/>
+                <a:ea typeface="+mn-ea"/>
+                <a:cs typeface="+mn-cs"/>
+              </a:defRPr>
+            </a:lvl4pPr>
+            <a:lvl5pPr marL="1828800" algn="l" defTabSz="914400" rtl="0" eaLnBrk="1" latinLnBrk="0" hangingPunct="1">
+              <a:defRPr sz="1800" kern="1200">
+                <a:solidFill>
+                  <a:schemeClr val="tx1"/>
+                </a:solidFill>
+                <a:latin typeface="+mn-lt"/>
+                <a:ea typeface="+mn-ea"/>
+                <a:cs typeface="+mn-cs"/>
+              </a:defRPr>
+            </a:lvl5pPr>
+            <a:lvl6pPr marL="2286000" algn="l" defTabSz="914400" rtl="0" eaLnBrk="1" latinLnBrk="0" hangingPunct="1">
+              <a:defRPr sz="1800" kern="1200">
+                <a:solidFill>
+                  <a:schemeClr val="tx1"/>
+                </a:solidFill>
+                <a:latin typeface="+mn-lt"/>
+                <a:ea typeface="+mn-ea"/>
+                <a:cs typeface="+mn-cs"/>
+              </a:defRPr>
+            </a:lvl6pPr>
+            <a:lvl7pPr marL="2743200" algn="l" defTabSz="914400" rtl="0" eaLnBrk="1" latinLnBrk="0" hangingPunct="1">
+              <a:defRPr sz="1800" kern="1200">
+                <a:solidFill>
+                  <a:schemeClr val="tx1"/>
+                </a:solidFill>
+                <a:latin typeface="+mn-lt"/>
+                <a:ea typeface="+mn-ea"/>
+                <a:cs typeface="+mn-cs"/>
+              </a:defRPr>
+            </a:lvl7pPr>
+            <a:lvl8pPr marL="3200400" algn="l" defTabSz="914400" rtl="0" eaLnBrk="1" latinLnBrk="0" hangingPunct="1">
+              <a:defRPr sz="1800" kern="1200">
+                <a:solidFill>
+                  <a:schemeClr val="tx1"/>
+                </a:solidFill>
+                <a:latin typeface="+mn-lt"/>
+                <a:ea typeface="+mn-ea"/>
+                <a:cs typeface="+mn-cs"/>
+              </a:defRPr>
+            </a:lvl8pPr>
+            <a:lvl9pPr marL="3657600" algn="l" defTabSz="914400" rtl="0" eaLnBrk="1" latinLnBrk="0" hangingPunct="1">
+              <a:defRPr sz="1800" kern="1200">
+                <a:solidFill>
+                  <a:schemeClr val="tx1"/>
+                </a:solidFill>
+                <a:latin typeface="+mn-lt"/>
+                <a:ea typeface="+mn-ea"/>
+                <a:cs typeface="+mn-cs"/>
+              </a:defRPr>
+            </a:lvl9pPr>
+          </a:lstStyle>
+          <a:p>
+            <a:r>
+              <a:rPr lang="de-DE" dirty="0" smtClean="0"/>
+              <a:t>Seite 9 / 15</a:t>
             </a:r>
             <a:endParaRPr lang="de-DE" dirty="0"/>
           </a:p>
@@ -9008,7 +8687,7 @@
     </p:spTree>
     <p:extLst>
       <p:ext uri="{BB962C8B-B14F-4D97-AF65-F5344CB8AC3E}">
-        <p14:creationId xmlns:p14="http://schemas.microsoft.com/office/powerpoint/2010/main" val="3160073661"/>
+        <p14:creationId xmlns:p14="http://schemas.microsoft.com/office/powerpoint/2010/main" val="1061110790"/>
       </p:ext>
     </p:extLst>
   </p:cSld>
@@ -9064,383 +8743,11 @@
           <a:p>
             <a:r>
               <a:rPr lang="de-DE" dirty="0"/>
-              <a:t>Grundlagen – </a:t>
-            </a:r>
-            <a:r>
-              <a:rPr lang="de-DE" dirty="0" smtClean="0"/>
-              <a:t>Mathematik</a:t>
-            </a:r>
-            <a:endParaRPr lang="de-DE" dirty="0"/>
-          </a:p>
-        </p:txBody>
-      </p:sp>
-      <p:sp>
-        <p:nvSpPr>
-          <p:cNvPr id="3" name="Textplatzhalter 2"/>
-          <p:cNvSpPr>
-            <a:spLocks noGrp="1"/>
-          </p:cNvSpPr>
-          <p:nvPr>
-            <p:ph type="body" sz="quarter" idx="14"/>
-          </p:nvPr>
-        </p:nvSpPr>
-        <p:spPr>
-          <a:xfrm>
-            <a:off x="3059832" y="4847158"/>
-            <a:ext cx="4752527" cy="215900"/>
-          </a:xfrm>
-        </p:spPr>
-        <p:txBody>
-          <a:bodyPr/>
-          <a:lstStyle/>
-          <a:p>
-            <a:r>
-              <a:rPr lang="de-DE" dirty="0"/>
-              <a:t>Positionsbestimmung drahtloser mobiler eingebetteter Systeme mittels Time </a:t>
-            </a:r>
-            <a:r>
-              <a:rPr lang="de-DE" dirty="0" err="1"/>
-              <a:t>Difference</a:t>
-            </a:r>
-            <a:r>
-              <a:rPr lang="de-DE" dirty="0"/>
-              <a:t> </a:t>
-            </a:r>
-            <a:r>
-              <a:rPr lang="de-DE" dirty="0" err="1"/>
-              <a:t>of</a:t>
-            </a:r>
-            <a:r>
-              <a:rPr lang="de-DE" dirty="0"/>
-              <a:t> Arrival</a:t>
-            </a:r>
-          </a:p>
-        </p:txBody>
-      </p:sp>
-      <p:sp>
-        <p:nvSpPr>
-          <p:cNvPr id="15" name="Fußzeilenplatzhalter 14"/>
-          <p:cNvSpPr>
-            <a:spLocks noGrp="1"/>
-          </p:cNvSpPr>
-          <p:nvPr>
-            <p:ph type="ftr" sz="quarter" idx="28"/>
-          </p:nvPr>
-        </p:nvSpPr>
-        <p:spPr>
-          <a:xfrm>
-            <a:off x="1965072" y="4812372"/>
-            <a:ext cx="2304256" cy="273844"/>
-          </a:xfrm>
-        </p:spPr>
-        <p:txBody>
-          <a:bodyPr/>
-          <a:lstStyle/>
-          <a:p>
-            <a:r>
-              <a:rPr lang="de-DE" dirty="0" smtClean="0"/>
-              <a:t>Oliver Koepp</a:t>
-            </a:r>
-            <a:endParaRPr lang="de-DE" dirty="0"/>
-          </a:p>
-        </p:txBody>
-      </p:sp>
-      <p:sp>
-        <p:nvSpPr>
-          <p:cNvPr id="26" name="Textfeld 25"/>
-          <p:cNvSpPr txBox="1"/>
-          <p:nvPr/>
-        </p:nvSpPr>
-        <p:spPr>
-          <a:xfrm>
-            <a:off x="683568" y="1273791"/>
-            <a:ext cx="8460432" cy="1200329"/>
-          </a:xfrm>
-          <a:prstGeom prst="rect">
-            <a:avLst/>
-          </a:prstGeom>
-          <a:noFill/>
-        </p:spPr>
-        <p:txBody>
-          <a:bodyPr wrap="square" rtlCol="0">
-            <a:spAutoFit/>
-          </a:bodyPr>
-          <a:lstStyle/>
-          <a:p>
-            <a:pPr marL="285750" indent="-285750">
-              <a:buFont typeface="Arial" panose="020B0604020202020204" pitchFamily="34" charset="0"/>
-              <a:buChar char="•"/>
-            </a:pPr>
-            <a:r>
-              <a:rPr lang="de-DE" dirty="0" smtClean="0"/>
-              <a:t>Schall breitet sich Kreisförmig in 2D aus</a:t>
-            </a:r>
-          </a:p>
-          <a:p>
-            <a:pPr marL="285750" indent="-285750">
-              <a:buFont typeface="Arial" panose="020B0604020202020204" pitchFamily="34" charset="0"/>
-              <a:buChar char="•"/>
-            </a:pPr>
-            <a:r>
-              <a:rPr lang="de-DE" dirty="0" smtClean="0"/>
-              <a:t>Schnittpunkt von drei Kreisen </a:t>
-            </a:r>
-            <a:r>
-              <a:rPr lang="de-DE" dirty="0" smtClean="0">
-                <a:sym typeface="Wingdings" panose="05000000000000000000" pitchFamily="2" charset="2"/>
-              </a:rPr>
-              <a:t> eindeutige Punktiden</a:t>
-            </a:r>
-            <a:r>
-              <a:rPr lang="de-DE" dirty="0" smtClean="0"/>
-              <a:t>tifizierung</a:t>
-            </a:r>
-          </a:p>
-          <a:p>
-            <a:pPr marL="285750" indent="-285750">
-              <a:buFont typeface="Arial" panose="020B0604020202020204" pitchFamily="34" charset="0"/>
-              <a:buChar char="•"/>
-            </a:pPr>
-            <a:r>
-              <a:rPr lang="de-DE" dirty="0" smtClean="0"/>
-              <a:t>Schnittpunkt von drei </a:t>
-            </a:r>
-          </a:p>
-          <a:p>
-            <a:r>
-              <a:rPr lang="de-DE" dirty="0"/>
-              <a:t> </a:t>
-            </a:r>
-            <a:r>
-              <a:rPr lang="de-DE" dirty="0" smtClean="0"/>
-              <a:t>   Kreisgleichungen</a:t>
-            </a:r>
-          </a:p>
-        </p:txBody>
-      </p:sp>
-      <p:pic>
-        <p:nvPicPr>
-          <p:cNvPr id="4" name="Grafik 3"/>
-          <p:cNvPicPr>
-            <a:picLocks noChangeAspect="1"/>
-          </p:cNvPicPr>
-          <p:nvPr/>
-        </p:nvPicPr>
-        <p:blipFill>
-          <a:blip r:embed="rId2" cstate="print">
-            <a:extLst>
-              <a:ext uri="{28A0092B-C50C-407E-A947-70E740481C1C}">
-                <a14:useLocalDpi xmlns:a14="http://schemas.microsoft.com/office/drawing/2010/main" val="0"/>
-              </a:ext>
-            </a:extLst>
-          </a:blip>
-          <a:stretch>
-            <a:fillRect/>
-          </a:stretch>
-        </p:blipFill>
-        <p:spPr>
-          <a:xfrm>
-            <a:off x="5006908" y="1969498"/>
-            <a:ext cx="3638316" cy="2808312"/>
-          </a:xfrm>
-          <a:prstGeom prst="rect">
-            <a:avLst/>
-          </a:prstGeom>
-        </p:spPr>
-      </p:pic>
-      <p:pic>
-        <p:nvPicPr>
-          <p:cNvPr id="9" name="Grafik 8"/>
-          <p:cNvPicPr>
-            <a:picLocks noChangeAspect="1"/>
-          </p:cNvPicPr>
-          <p:nvPr/>
-        </p:nvPicPr>
-        <p:blipFill>
-          <a:blip r:embed="rId3" cstate="print">
-            <a:extLst>
-              <a:ext uri="{28A0092B-C50C-407E-A947-70E740481C1C}">
-                <a14:useLocalDpi xmlns:a14="http://schemas.microsoft.com/office/drawing/2010/main" val="0"/>
-              </a:ext>
-            </a:extLst>
-          </a:blip>
-          <a:stretch>
-            <a:fillRect/>
-          </a:stretch>
-        </p:blipFill>
-        <p:spPr>
-          <a:xfrm>
-            <a:off x="755576" y="2474120"/>
-            <a:ext cx="3566379" cy="2202435"/>
-          </a:xfrm>
-          <a:prstGeom prst="rect">
-            <a:avLst/>
-          </a:prstGeom>
-        </p:spPr>
-      </p:pic>
-      <p:sp>
-        <p:nvSpPr>
-          <p:cNvPr id="10" name="Datumsplatzhalter 13"/>
-          <p:cNvSpPr>
-            <a:spLocks noGrp="1"/>
-          </p:cNvSpPr>
-          <p:nvPr>
-            <p:ph type="dt" sz="half" idx="27"/>
-          </p:nvPr>
-        </p:nvSpPr>
-        <p:spPr>
-          <a:xfrm>
-            <a:off x="881608" y="4818186"/>
-            <a:ext cx="1098104" cy="273844"/>
-          </a:xfrm>
-        </p:spPr>
-        <p:txBody>
-          <a:bodyPr/>
-          <a:lstStyle/>
-          <a:p>
-            <a:r>
-              <a:rPr lang="de-DE" dirty="0" smtClean="0"/>
-              <a:t>24.01.2020</a:t>
-            </a:r>
-            <a:endParaRPr lang="de-DE" dirty="0"/>
-          </a:p>
-        </p:txBody>
-      </p:sp>
-    </p:spTree>
-    <p:extLst>
-      <p:ext uri="{BB962C8B-B14F-4D97-AF65-F5344CB8AC3E}">
-        <p14:creationId xmlns:p14="http://schemas.microsoft.com/office/powerpoint/2010/main" val="1061110790"/>
-      </p:ext>
-    </p:extLst>
-  </p:cSld>
-  <p:clrMapOvr>
-    <a:masterClrMapping/>
-  </p:clrMapOvr>
-  <p:timing>
-    <p:tnLst>
-      <p:par>
-        <p:cTn id="1" dur="indefinite" restart="never" nodeType="tmRoot"/>
-      </p:par>
-    </p:tnLst>
-  </p:timing>
-</p:sld>
-</file>
-
-<file path=ppt/slides/slide12.xml><?xml version="1.0" encoding="utf-8"?>
-<p:sld xmlns:a="http://schemas.openxmlformats.org/drawingml/2006/main" xmlns:r="http://schemas.openxmlformats.org/officeDocument/2006/relationships" xmlns:p="http://schemas.openxmlformats.org/presentationml/2006/main">
-  <p:cSld>
-    <p:spTree>
-      <p:nvGrpSpPr>
-        <p:cNvPr id="1" name=""/>
-        <p:cNvGrpSpPr/>
-        <p:nvPr/>
-      </p:nvGrpSpPr>
-      <p:grpSpPr>
-        <a:xfrm>
-          <a:off x="0" y="0"/>
-          <a:ext cx="0" cy="0"/>
-          <a:chOff x="0" y="0"/>
-          <a:chExt cx="0" cy="0"/>
-        </a:xfrm>
-      </p:grpSpPr>
-      <p:sp>
-        <p:nvSpPr>
-          <p:cNvPr id="2" name="Titel 1"/>
-          <p:cNvSpPr>
-            <a:spLocks noGrp="1"/>
-          </p:cNvSpPr>
-          <p:nvPr>
-            <p:ph type="title"/>
-          </p:nvPr>
-        </p:nvSpPr>
-        <p:spPr>
-          <a:xfrm>
-            <a:off x="683568" y="627534"/>
-            <a:ext cx="7961656" cy="1095654"/>
-          </a:xfrm>
-        </p:spPr>
-        <p:txBody>
-          <a:bodyPr/>
-          <a:lstStyle/>
-          <a:p>
-            <a:r>
-              <a:rPr lang="de-DE" dirty="0"/>
-              <a:t>Implementierung – </a:t>
-            </a:r>
-            <a:r>
-              <a:rPr lang="de-DE" dirty="0" smtClean="0"/>
-              <a:t>Software</a:t>
-            </a:r>
-            <a:endParaRPr lang="de-DE" dirty="0"/>
-          </a:p>
-        </p:txBody>
-      </p:sp>
-      <p:sp>
-        <p:nvSpPr>
-          <p:cNvPr id="3" name="Textplatzhalter 2"/>
-          <p:cNvSpPr>
-            <a:spLocks noGrp="1"/>
-          </p:cNvSpPr>
-          <p:nvPr>
-            <p:ph type="body" sz="quarter" idx="14"/>
-          </p:nvPr>
-        </p:nvSpPr>
-        <p:spPr>
-          <a:xfrm>
-            <a:off x="3059832" y="4847158"/>
-            <a:ext cx="4752527" cy="215900"/>
-          </a:xfrm>
-        </p:spPr>
-        <p:txBody>
-          <a:bodyPr/>
-          <a:lstStyle/>
-          <a:p>
-            <a:r>
-              <a:rPr lang="de-DE" dirty="0"/>
-              <a:t>Positionsbestimmung drahtloser mobiler eingebetteter Systeme mittels Time </a:t>
-            </a:r>
-            <a:r>
-              <a:rPr lang="de-DE" dirty="0" err="1"/>
-              <a:t>Difference</a:t>
-            </a:r>
-            <a:r>
-              <a:rPr lang="de-DE" dirty="0"/>
-              <a:t> </a:t>
-            </a:r>
-            <a:r>
-              <a:rPr lang="de-DE" dirty="0" err="1"/>
-              <a:t>of</a:t>
-            </a:r>
-            <a:r>
-              <a:rPr lang="de-DE" dirty="0"/>
-              <a:t> Arrival</a:t>
-            </a:r>
-          </a:p>
-        </p:txBody>
-      </p:sp>
-      <p:sp>
-        <p:nvSpPr>
-          <p:cNvPr id="15" name="Fußzeilenplatzhalter 14"/>
-          <p:cNvSpPr>
-            <a:spLocks noGrp="1"/>
-          </p:cNvSpPr>
-          <p:nvPr>
-            <p:ph type="ftr" sz="quarter" idx="28"/>
-          </p:nvPr>
-        </p:nvSpPr>
-        <p:spPr>
-          <a:xfrm>
-            <a:off x="1965072" y="4812372"/>
-            <a:ext cx="2304256" cy="273844"/>
-          </a:xfrm>
-        </p:spPr>
-        <p:txBody>
-          <a:bodyPr/>
-          <a:lstStyle/>
-          <a:p>
-            <a:r>
-              <a:rPr lang="de-DE" dirty="0" smtClean="0"/>
-              <a:t>Oliver Koepp</a:t>
+              <a:t>Implementierung – Software – </a:t>
+            </a:r>
+            <a:r>
+              <a:rPr lang="de-DE" dirty="0" smtClean="0"/>
+              <a:t>Master</a:t>
             </a:r>
             <a:endParaRPr lang="de-DE" dirty="0"/>
           </a:p>
@@ -9739,7 +9046,50 @@
       </p:sp>
       <p:sp>
         <p:nvSpPr>
-          <p:cNvPr id="13" name="Datumsplatzhalter 13"/>
+          <p:cNvPr id="14" name="Textplatzhalter 2"/>
+          <p:cNvSpPr>
+            <a:spLocks noGrp="1"/>
+          </p:cNvSpPr>
+          <p:nvPr>
+            <p:ph type="body" sz="quarter" idx="14"/>
+          </p:nvPr>
+        </p:nvSpPr>
+        <p:spPr>
+          <a:xfrm>
+            <a:off x="1619672" y="4818186"/>
+            <a:ext cx="4752527" cy="215900"/>
+          </a:xfrm>
+        </p:spPr>
+        <p:txBody>
+          <a:bodyPr/>
+          <a:lstStyle/>
+          <a:p>
+            <a:r>
+              <a:rPr lang="de-DE" dirty="0"/>
+              <a:t>Positionsbestimmung drahtloser mobiler eingebetteter Systeme mittels Time </a:t>
+            </a:r>
+            <a:r>
+              <a:rPr lang="de-DE" dirty="0" err="1"/>
+              <a:t>Difference</a:t>
+            </a:r>
+            <a:r>
+              <a:rPr lang="de-DE" dirty="0"/>
+              <a:t> </a:t>
+            </a:r>
+            <a:r>
+              <a:rPr lang="de-DE" dirty="0" err="1"/>
+              <a:t>of</a:t>
+            </a:r>
+            <a:r>
+              <a:rPr lang="de-DE" dirty="0"/>
+              <a:t> Arrival</a:t>
+            </a:r>
+          </a:p>
+        </p:txBody>
+      </p:sp>
+      <p:sp>
+        <p:nvSpPr>
+          <p:cNvPr id="17" name="Datumsplatzhalter 13"/>
           <p:cNvSpPr>
             <a:spLocks noGrp="1"/>
           </p:cNvSpPr>
@@ -9760,6 +9110,129 @@
             <a:r>
               <a:rPr lang="de-DE" dirty="0" smtClean="0"/>
               <a:t>24.01.2020</a:t>
+            </a:r>
+            <a:endParaRPr lang="de-DE" dirty="0"/>
+          </a:p>
+        </p:txBody>
+      </p:sp>
+      <p:sp>
+        <p:nvSpPr>
+          <p:cNvPr id="18" name="Datumsplatzhalter 13"/>
+          <p:cNvSpPr txBox="1">
+            <a:spLocks/>
+          </p:cNvSpPr>
+          <p:nvPr/>
+        </p:nvSpPr>
+        <p:spPr>
+          <a:xfrm>
+            <a:off x="7020272" y="4818186"/>
+            <a:ext cx="792088" cy="273844"/>
+          </a:xfrm>
+          <a:prstGeom prst="rect">
+            <a:avLst/>
+          </a:prstGeom>
+        </p:spPr>
+        <p:txBody>
+          <a:bodyPr vert="horz" lIns="0" tIns="0" rIns="0" bIns="0" rtlCol="0" anchor="ctr"/>
+          <a:lstStyle>
+            <a:defPPr>
+              <a:defRPr lang="de-DE"/>
+            </a:defPPr>
+            <a:lvl1pPr marL="0" algn="l" defTabSz="914400" rtl="0" eaLnBrk="1" latinLnBrk="0" hangingPunct="1">
+              <a:defRPr sz="900" kern="1200">
+                <a:solidFill>
+                  <a:schemeClr val="bg1"/>
+                </a:solidFill>
+                <a:latin typeface="+mn-lt"/>
+                <a:ea typeface="+mn-ea"/>
+                <a:cs typeface="+mn-cs"/>
+              </a:defRPr>
+            </a:lvl1pPr>
+            <a:lvl2pPr marL="457200" algn="l" defTabSz="914400" rtl="0" eaLnBrk="1" latinLnBrk="0" hangingPunct="1">
+              <a:defRPr sz="1800" kern="1200">
+                <a:solidFill>
+                  <a:schemeClr val="tx1"/>
+                </a:solidFill>
+                <a:latin typeface="+mn-lt"/>
+                <a:ea typeface="+mn-ea"/>
+                <a:cs typeface="+mn-cs"/>
+              </a:defRPr>
+            </a:lvl2pPr>
+            <a:lvl3pPr marL="914400" algn="l" defTabSz="914400" rtl="0" eaLnBrk="1" latinLnBrk="0" hangingPunct="1">
+              <a:defRPr sz="1800" kern="1200">
+                <a:solidFill>
+                  <a:schemeClr val="tx1"/>
+                </a:solidFill>
+                <a:latin typeface="+mn-lt"/>
+                <a:ea typeface="+mn-ea"/>
+                <a:cs typeface="+mn-cs"/>
+              </a:defRPr>
+            </a:lvl3pPr>
+            <a:lvl4pPr marL="1371600" algn="l" defTabSz="914400" rtl="0" eaLnBrk="1" latinLnBrk="0" hangingPunct="1">
+              <a:defRPr sz="1800" kern="1200">
+                <a:solidFill>
+                  <a:schemeClr val="tx1"/>
+                </a:solidFill>
+                <a:latin typeface="+mn-lt"/>
+                <a:ea typeface="+mn-ea"/>
+                <a:cs typeface="+mn-cs"/>
+              </a:defRPr>
+            </a:lvl4pPr>
+            <a:lvl5pPr marL="1828800" algn="l" defTabSz="914400" rtl="0" eaLnBrk="1" latinLnBrk="0" hangingPunct="1">
+              <a:defRPr sz="1800" kern="1200">
+                <a:solidFill>
+                  <a:schemeClr val="tx1"/>
+                </a:solidFill>
+                <a:latin typeface="+mn-lt"/>
+                <a:ea typeface="+mn-ea"/>
+                <a:cs typeface="+mn-cs"/>
+              </a:defRPr>
+            </a:lvl5pPr>
+            <a:lvl6pPr marL="2286000" algn="l" defTabSz="914400" rtl="0" eaLnBrk="1" latinLnBrk="0" hangingPunct="1">
+              <a:defRPr sz="1800" kern="1200">
+                <a:solidFill>
+                  <a:schemeClr val="tx1"/>
+                </a:solidFill>
+                <a:latin typeface="+mn-lt"/>
+                <a:ea typeface="+mn-ea"/>
+                <a:cs typeface="+mn-cs"/>
+              </a:defRPr>
+            </a:lvl6pPr>
+            <a:lvl7pPr marL="2743200" algn="l" defTabSz="914400" rtl="0" eaLnBrk="1" latinLnBrk="0" hangingPunct="1">
+              <a:defRPr sz="1800" kern="1200">
+                <a:solidFill>
+                  <a:schemeClr val="tx1"/>
+                </a:solidFill>
+                <a:latin typeface="+mn-lt"/>
+                <a:ea typeface="+mn-ea"/>
+                <a:cs typeface="+mn-cs"/>
+              </a:defRPr>
+            </a:lvl7pPr>
+            <a:lvl8pPr marL="3200400" algn="l" defTabSz="914400" rtl="0" eaLnBrk="1" latinLnBrk="0" hangingPunct="1">
+              <a:defRPr sz="1800" kern="1200">
+                <a:solidFill>
+                  <a:schemeClr val="tx1"/>
+                </a:solidFill>
+                <a:latin typeface="+mn-lt"/>
+                <a:ea typeface="+mn-ea"/>
+                <a:cs typeface="+mn-cs"/>
+              </a:defRPr>
+            </a:lvl8pPr>
+            <a:lvl9pPr marL="3657600" algn="l" defTabSz="914400" rtl="0" eaLnBrk="1" latinLnBrk="0" hangingPunct="1">
+              <a:defRPr sz="1800" kern="1200">
+                <a:solidFill>
+                  <a:schemeClr val="tx1"/>
+                </a:solidFill>
+                <a:latin typeface="+mn-lt"/>
+                <a:ea typeface="+mn-ea"/>
+                <a:cs typeface="+mn-cs"/>
+              </a:defRPr>
+            </a:lvl9pPr>
+          </a:lstStyle>
+          <a:p>
+            <a:r>
+              <a:rPr lang="de-DE" dirty="0" smtClean="0"/>
+              <a:t>Seite 10 / 15</a:t>
             </a:r>
             <a:endParaRPr lang="de-DE" dirty="0"/>
           </a:p>
@@ -9769,6 +9242,350 @@
     <p:extLst>
       <p:ext uri="{BB962C8B-B14F-4D97-AF65-F5344CB8AC3E}">
         <p14:creationId xmlns:p14="http://schemas.microsoft.com/office/powerpoint/2010/main" val="3039512715"/>
+      </p:ext>
+    </p:extLst>
+  </p:cSld>
+  <p:clrMapOvr>
+    <a:masterClrMapping/>
+  </p:clrMapOvr>
+  <p:timing>
+    <p:tnLst>
+      <p:par>
+        <p:cTn id="1" dur="indefinite" restart="never" nodeType="tmRoot"/>
+      </p:par>
+    </p:tnLst>
+  </p:timing>
+</p:sld>
+</file>
+
+<file path=ppt/slides/slide12.xml><?xml version="1.0" encoding="utf-8"?>
+<p:sld xmlns:a="http://schemas.openxmlformats.org/drawingml/2006/main" xmlns:r="http://schemas.openxmlformats.org/officeDocument/2006/relationships" xmlns:p="http://schemas.openxmlformats.org/presentationml/2006/main">
+  <p:cSld>
+    <p:spTree>
+      <p:nvGrpSpPr>
+        <p:cNvPr id="1" name=""/>
+        <p:cNvGrpSpPr/>
+        <p:nvPr/>
+      </p:nvGrpSpPr>
+      <p:grpSpPr>
+        <a:xfrm>
+          <a:off x="0" y="0"/>
+          <a:ext cx="0" cy="0"/>
+          <a:chOff x="0" y="0"/>
+          <a:chExt cx="0" cy="0"/>
+        </a:xfrm>
+      </p:grpSpPr>
+      <p:pic>
+        <p:nvPicPr>
+          <p:cNvPr id="5" name="Grafik 4"/>
+          <p:cNvPicPr>
+            <a:picLocks noChangeAspect="1"/>
+          </p:cNvPicPr>
+          <p:nvPr/>
+        </p:nvPicPr>
+        <p:blipFill>
+          <a:blip r:embed="rId2">
+            <a:extLst>
+              <a:ext uri="{28A0092B-C50C-407E-A947-70E740481C1C}">
+                <a14:useLocalDpi xmlns:a14="http://schemas.microsoft.com/office/drawing/2010/main" val="0"/>
+              </a:ext>
+            </a:extLst>
+          </a:blip>
+          <a:stretch>
+            <a:fillRect/>
+          </a:stretch>
+        </p:blipFill>
+        <p:spPr>
+          <a:xfrm>
+            <a:off x="1221149" y="1924511"/>
+            <a:ext cx="6591210" cy="2864703"/>
+          </a:xfrm>
+          <a:prstGeom prst="rect">
+            <a:avLst/>
+          </a:prstGeom>
+        </p:spPr>
+      </p:pic>
+      <p:sp>
+        <p:nvSpPr>
+          <p:cNvPr id="2" name="Titel 1"/>
+          <p:cNvSpPr>
+            <a:spLocks noGrp="1"/>
+          </p:cNvSpPr>
+          <p:nvPr>
+            <p:ph type="title"/>
+          </p:nvPr>
+        </p:nvSpPr>
+        <p:spPr>
+          <a:xfrm>
+            <a:off x="683568" y="627534"/>
+            <a:ext cx="7961656" cy="1095654"/>
+          </a:xfrm>
+        </p:spPr>
+        <p:txBody>
+          <a:bodyPr/>
+          <a:lstStyle/>
+          <a:p>
+            <a:r>
+              <a:rPr lang="de-DE" dirty="0"/>
+              <a:t>Implementierung – </a:t>
+            </a:r>
+            <a:r>
+              <a:rPr lang="de-DE" dirty="0" smtClean="0"/>
+              <a:t>Modultest</a:t>
+            </a:r>
+            <a:endParaRPr lang="de-DE" dirty="0"/>
+          </a:p>
+        </p:txBody>
+      </p:sp>
+      <p:sp>
+        <p:nvSpPr>
+          <p:cNvPr id="26" name="Textfeld 25"/>
+          <p:cNvSpPr txBox="1"/>
+          <p:nvPr/>
+        </p:nvSpPr>
+        <p:spPr>
+          <a:xfrm>
+            <a:off x="683568" y="1273791"/>
+            <a:ext cx="8460432" cy="923330"/>
+          </a:xfrm>
+          <a:prstGeom prst="rect">
+            <a:avLst/>
+          </a:prstGeom>
+          <a:noFill/>
+        </p:spPr>
+        <p:txBody>
+          <a:bodyPr wrap="square" rtlCol="0">
+            <a:spAutoFit/>
+          </a:bodyPr>
+          <a:lstStyle/>
+          <a:p>
+            <a:pPr marL="285750" indent="-285750">
+              <a:buFont typeface="Arial" panose="020B0604020202020204" pitchFamily="34" charset="0"/>
+              <a:buChar char="•"/>
+            </a:pPr>
+            <a:r>
+              <a:rPr lang="de-DE" dirty="0" smtClean="0"/>
+              <a:t>Fehlereingrenzung durch unabhängige Module</a:t>
+            </a:r>
+          </a:p>
+          <a:p>
+            <a:pPr marL="285750" indent="-285750">
+              <a:buFont typeface="Arial" panose="020B0604020202020204" pitchFamily="34" charset="0"/>
+              <a:buChar char="•"/>
+            </a:pPr>
+            <a:r>
+              <a:rPr lang="de-DE" dirty="0" smtClean="0"/>
+              <a:t>Abweichungen besser zu erkennen</a:t>
+            </a:r>
+            <a:endParaRPr lang="de-DE" dirty="0"/>
+          </a:p>
+          <a:p>
+            <a:pPr marL="285750" indent="-285750">
+              <a:buFont typeface="Arial" panose="020B0604020202020204" pitchFamily="34" charset="0"/>
+              <a:buChar char="•"/>
+            </a:pPr>
+            <a:endParaRPr lang="de-DE" dirty="0" smtClean="0"/>
+          </a:p>
+        </p:txBody>
+      </p:sp>
+      <p:sp>
+        <p:nvSpPr>
+          <p:cNvPr id="9" name="Textplatzhalter 2"/>
+          <p:cNvSpPr>
+            <a:spLocks noGrp="1"/>
+          </p:cNvSpPr>
+          <p:nvPr>
+            <p:ph type="body" sz="quarter" idx="14"/>
+          </p:nvPr>
+        </p:nvSpPr>
+        <p:spPr>
+          <a:xfrm>
+            <a:off x="1619672" y="4818186"/>
+            <a:ext cx="4752527" cy="215900"/>
+          </a:xfrm>
+        </p:spPr>
+        <p:txBody>
+          <a:bodyPr/>
+          <a:lstStyle/>
+          <a:p>
+            <a:r>
+              <a:rPr lang="de-DE" dirty="0"/>
+              <a:t>Positionsbestimmung drahtloser mobiler eingebetteter Systeme mittels Time </a:t>
+            </a:r>
+            <a:r>
+              <a:rPr lang="de-DE" dirty="0" err="1"/>
+              <a:t>Difference</a:t>
+            </a:r>
+            <a:r>
+              <a:rPr lang="de-DE" dirty="0"/>
+              <a:t> </a:t>
+            </a:r>
+            <a:r>
+              <a:rPr lang="de-DE" dirty="0" err="1"/>
+              <a:t>of</a:t>
+            </a:r>
+            <a:r>
+              <a:rPr lang="de-DE" dirty="0"/>
+              <a:t> Arrival</a:t>
+            </a:r>
+          </a:p>
+        </p:txBody>
+      </p:sp>
+      <p:sp>
+        <p:nvSpPr>
+          <p:cNvPr id="10" name="Datumsplatzhalter 13"/>
+          <p:cNvSpPr>
+            <a:spLocks noGrp="1"/>
+          </p:cNvSpPr>
+          <p:nvPr>
+            <p:ph type="dt" sz="half" idx="27"/>
+          </p:nvPr>
+        </p:nvSpPr>
+        <p:spPr>
+          <a:xfrm>
+            <a:off x="881608" y="4818186"/>
+            <a:ext cx="1098104" cy="273844"/>
+          </a:xfrm>
+        </p:spPr>
+        <p:txBody>
+          <a:bodyPr/>
+          <a:lstStyle/>
+          <a:p>
+            <a:r>
+              <a:rPr lang="de-DE" dirty="0" smtClean="0"/>
+              <a:t>24.01.2020</a:t>
+            </a:r>
+            <a:endParaRPr lang="de-DE" dirty="0"/>
+          </a:p>
+        </p:txBody>
+      </p:sp>
+      <p:sp>
+        <p:nvSpPr>
+          <p:cNvPr id="11" name="Datumsplatzhalter 13"/>
+          <p:cNvSpPr txBox="1">
+            <a:spLocks/>
+          </p:cNvSpPr>
+          <p:nvPr/>
+        </p:nvSpPr>
+        <p:spPr>
+          <a:xfrm>
+            <a:off x="7020272" y="4818186"/>
+            <a:ext cx="792088" cy="273844"/>
+          </a:xfrm>
+          <a:prstGeom prst="rect">
+            <a:avLst/>
+          </a:prstGeom>
+        </p:spPr>
+        <p:txBody>
+          <a:bodyPr vert="horz" lIns="0" tIns="0" rIns="0" bIns="0" rtlCol="0" anchor="ctr"/>
+          <a:lstStyle>
+            <a:defPPr>
+              <a:defRPr lang="de-DE"/>
+            </a:defPPr>
+            <a:lvl1pPr marL="0" algn="l" defTabSz="914400" rtl="0" eaLnBrk="1" latinLnBrk="0" hangingPunct="1">
+              <a:defRPr sz="900" kern="1200">
+                <a:solidFill>
+                  <a:schemeClr val="bg1"/>
+                </a:solidFill>
+                <a:latin typeface="+mn-lt"/>
+                <a:ea typeface="+mn-ea"/>
+                <a:cs typeface="+mn-cs"/>
+              </a:defRPr>
+            </a:lvl1pPr>
+            <a:lvl2pPr marL="457200" algn="l" defTabSz="914400" rtl="0" eaLnBrk="1" latinLnBrk="0" hangingPunct="1">
+              <a:defRPr sz="1800" kern="1200">
+                <a:solidFill>
+                  <a:schemeClr val="tx1"/>
+                </a:solidFill>
+                <a:latin typeface="+mn-lt"/>
+                <a:ea typeface="+mn-ea"/>
+                <a:cs typeface="+mn-cs"/>
+              </a:defRPr>
+            </a:lvl2pPr>
+            <a:lvl3pPr marL="914400" algn="l" defTabSz="914400" rtl="0" eaLnBrk="1" latinLnBrk="0" hangingPunct="1">
+              <a:defRPr sz="1800" kern="1200">
+                <a:solidFill>
+                  <a:schemeClr val="tx1"/>
+                </a:solidFill>
+                <a:latin typeface="+mn-lt"/>
+                <a:ea typeface="+mn-ea"/>
+                <a:cs typeface="+mn-cs"/>
+              </a:defRPr>
+            </a:lvl3pPr>
+            <a:lvl4pPr marL="1371600" algn="l" defTabSz="914400" rtl="0" eaLnBrk="1" latinLnBrk="0" hangingPunct="1">
+              <a:defRPr sz="1800" kern="1200">
+                <a:solidFill>
+                  <a:schemeClr val="tx1"/>
+                </a:solidFill>
+                <a:latin typeface="+mn-lt"/>
+                <a:ea typeface="+mn-ea"/>
+                <a:cs typeface="+mn-cs"/>
+              </a:defRPr>
+            </a:lvl4pPr>
+            <a:lvl5pPr marL="1828800" algn="l" defTabSz="914400" rtl="0" eaLnBrk="1" latinLnBrk="0" hangingPunct="1">
+              <a:defRPr sz="1800" kern="1200">
+                <a:solidFill>
+                  <a:schemeClr val="tx1"/>
+                </a:solidFill>
+                <a:latin typeface="+mn-lt"/>
+                <a:ea typeface="+mn-ea"/>
+                <a:cs typeface="+mn-cs"/>
+              </a:defRPr>
+            </a:lvl5pPr>
+            <a:lvl6pPr marL="2286000" algn="l" defTabSz="914400" rtl="0" eaLnBrk="1" latinLnBrk="0" hangingPunct="1">
+              <a:defRPr sz="1800" kern="1200">
+                <a:solidFill>
+                  <a:schemeClr val="tx1"/>
+                </a:solidFill>
+                <a:latin typeface="+mn-lt"/>
+                <a:ea typeface="+mn-ea"/>
+                <a:cs typeface="+mn-cs"/>
+              </a:defRPr>
+            </a:lvl6pPr>
+            <a:lvl7pPr marL="2743200" algn="l" defTabSz="914400" rtl="0" eaLnBrk="1" latinLnBrk="0" hangingPunct="1">
+              <a:defRPr sz="1800" kern="1200">
+                <a:solidFill>
+                  <a:schemeClr val="tx1"/>
+                </a:solidFill>
+                <a:latin typeface="+mn-lt"/>
+                <a:ea typeface="+mn-ea"/>
+                <a:cs typeface="+mn-cs"/>
+              </a:defRPr>
+            </a:lvl7pPr>
+            <a:lvl8pPr marL="3200400" algn="l" defTabSz="914400" rtl="0" eaLnBrk="1" latinLnBrk="0" hangingPunct="1">
+              <a:defRPr sz="1800" kern="1200">
+                <a:solidFill>
+                  <a:schemeClr val="tx1"/>
+                </a:solidFill>
+                <a:latin typeface="+mn-lt"/>
+                <a:ea typeface="+mn-ea"/>
+                <a:cs typeface="+mn-cs"/>
+              </a:defRPr>
+            </a:lvl8pPr>
+            <a:lvl9pPr marL="3657600" algn="l" defTabSz="914400" rtl="0" eaLnBrk="1" latinLnBrk="0" hangingPunct="1">
+              <a:defRPr sz="1800" kern="1200">
+                <a:solidFill>
+                  <a:schemeClr val="tx1"/>
+                </a:solidFill>
+                <a:latin typeface="+mn-lt"/>
+                <a:ea typeface="+mn-ea"/>
+                <a:cs typeface="+mn-cs"/>
+              </a:defRPr>
+            </a:lvl9pPr>
+          </a:lstStyle>
+          <a:p>
+            <a:r>
+              <a:rPr lang="de-DE" dirty="0" smtClean="0"/>
+              <a:t>Seite 11 / 15</a:t>
+            </a:r>
+            <a:endParaRPr lang="de-DE" dirty="0"/>
+          </a:p>
+        </p:txBody>
+      </p:sp>
+    </p:spTree>
+    <p:extLst>
+      <p:ext uri="{BB962C8B-B14F-4D97-AF65-F5344CB8AC3E}">
+        <p14:creationId xmlns:p14="http://schemas.microsoft.com/office/powerpoint/2010/main" val="281161757"/>
       </p:ext>
     </p:extLst>
   </p:cSld>
@@ -9824,7 +9641,7 @@
         </p:blipFill>
         <p:spPr>
           <a:xfrm>
-            <a:off x="1221149" y="1924511"/>
+            <a:off x="1368791" y="1419622"/>
             <a:ext cx="6591210" cy="2864703"/>
           </a:xfrm>
           <a:prstGeom prst="rect">
@@ -9859,326 +9676,6 @@
             <a:r>
               <a:rPr lang="de-DE" dirty="0" smtClean="0"/>
               <a:t>Modultest</a:t>
-            </a:r>
-            <a:endParaRPr lang="de-DE" dirty="0"/>
-          </a:p>
-        </p:txBody>
-      </p:sp>
-      <p:sp>
-        <p:nvSpPr>
-          <p:cNvPr id="3" name="Textplatzhalter 2"/>
-          <p:cNvSpPr>
-            <a:spLocks noGrp="1"/>
-          </p:cNvSpPr>
-          <p:nvPr>
-            <p:ph type="body" sz="quarter" idx="14"/>
-          </p:nvPr>
-        </p:nvSpPr>
-        <p:spPr>
-          <a:xfrm>
-            <a:off x="3059832" y="4847158"/>
-            <a:ext cx="4752527" cy="215900"/>
-          </a:xfrm>
-        </p:spPr>
-        <p:txBody>
-          <a:bodyPr/>
-          <a:lstStyle/>
-          <a:p>
-            <a:r>
-              <a:rPr lang="de-DE" dirty="0"/>
-              <a:t>Positionsbestimmung drahtloser mobiler eingebetteter Systeme mittels Time </a:t>
-            </a:r>
-            <a:r>
-              <a:rPr lang="de-DE" dirty="0" err="1"/>
-              <a:t>Difference</a:t>
-            </a:r>
-            <a:r>
-              <a:rPr lang="de-DE" dirty="0"/>
-              <a:t> </a:t>
-            </a:r>
-            <a:r>
-              <a:rPr lang="de-DE" dirty="0" err="1"/>
-              <a:t>of</a:t>
-            </a:r>
-            <a:r>
-              <a:rPr lang="de-DE" dirty="0"/>
-              <a:t> Arrival</a:t>
-            </a:r>
-          </a:p>
-        </p:txBody>
-      </p:sp>
-      <p:sp>
-        <p:nvSpPr>
-          <p:cNvPr id="15" name="Fußzeilenplatzhalter 14"/>
-          <p:cNvSpPr>
-            <a:spLocks noGrp="1"/>
-          </p:cNvSpPr>
-          <p:nvPr>
-            <p:ph type="ftr" sz="quarter" idx="28"/>
-          </p:nvPr>
-        </p:nvSpPr>
-        <p:spPr>
-          <a:xfrm>
-            <a:off x="1965072" y="4812372"/>
-            <a:ext cx="2304256" cy="273844"/>
-          </a:xfrm>
-        </p:spPr>
-        <p:txBody>
-          <a:bodyPr/>
-          <a:lstStyle/>
-          <a:p>
-            <a:r>
-              <a:rPr lang="de-DE" dirty="0" smtClean="0"/>
-              <a:t>Oliver Koepp</a:t>
-            </a:r>
-            <a:endParaRPr lang="de-DE" dirty="0"/>
-          </a:p>
-        </p:txBody>
-      </p:sp>
-      <p:sp>
-        <p:nvSpPr>
-          <p:cNvPr id="26" name="Textfeld 25"/>
-          <p:cNvSpPr txBox="1"/>
-          <p:nvPr/>
-        </p:nvSpPr>
-        <p:spPr>
-          <a:xfrm>
-            <a:off x="683568" y="1273791"/>
-            <a:ext cx="8460432" cy="923330"/>
-          </a:xfrm>
-          <a:prstGeom prst="rect">
-            <a:avLst/>
-          </a:prstGeom>
-          <a:noFill/>
-        </p:spPr>
-        <p:txBody>
-          <a:bodyPr wrap="square" rtlCol="0">
-            <a:spAutoFit/>
-          </a:bodyPr>
-          <a:lstStyle/>
-          <a:p>
-            <a:pPr marL="285750" indent="-285750">
-              <a:buFont typeface="Arial" panose="020B0604020202020204" pitchFamily="34" charset="0"/>
-              <a:buChar char="•"/>
-            </a:pPr>
-            <a:r>
-              <a:rPr lang="de-DE" dirty="0" smtClean="0"/>
-              <a:t>Fehlereingrenzung durch unabhängige Module</a:t>
-            </a:r>
-          </a:p>
-          <a:p>
-            <a:pPr marL="285750" indent="-285750">
-              <a:buFont typeface="Arial" panose="020B0604020202020204" pitchFamily="34" charset="0"/>
-              <a:buChar char="•"/>
-            </a:pPr>
-            <a:r>
-              <a:rPr lang="de-DE" dirty="0" smtClean="0"/>
-              <a:t>Abweichungen besser zu erkennen</a:t>
-            </a:r>
-            <a:endParaRPr lang="de-DE" dirty="0"/>
-          </a:p>
-          <a:p>
-            <a:pPr marL="285750" indent="-285750">
-              <a:buFont typeface="Arial" panose="020B0604020202020204" pitchFamily="34" charset="0"/>
-              <a:buChar char="•"/>
-            </a:pPr>
-            <a:endParaRPr lang="de-DE" dirty="0" smtClean="0"/>
-          </a:p>
-        </p:txBody>
-      </p:sp>
-      <p:sp>
-        <p:nvSpPr>
-          <p:cNvPr id="8" name="Datumsplatzhalter 13"/>
-          <p:cNvSpPr>
-            <a:spLocks noGrp="1"/>
-          </p:cNvSpPr>
-          <p:nvPr>
-            <p:ph type="dt" sz="half" idx="27"/>
-          </p:nvPr>
-        </p:nvSpPr>
-        <p:spPr>
-          <a:xfrm>
-            <a:off x="881608" y="4818186"/>
-            <a:ext cx="1098104" cy="273844"/>
-          </a:xfrm>
-        </p:spPr>
-        <p:txBody>
-          <a:bodyPr/>
-          <a:lstStyle/>
-          <a:p>
-            <a:r>
-              <a:rPr lang="de-DE" dirty="0" smtClean="0"/>
-              <a:t>24.01.2020</a:t>
-            </a:r>
-            <a:endParaRPr lang="de-DE" dirty="0"/>
-          </a:p>
-        </p:txBody>
-      </p:sp>
-    </p:spTree>
-    <p:extLst>
-      <p:ext uri="{BB962C8B-B14F-4D97-AF65-F5344CB8AC3E}">
-        <p14:creationId xmlns:p14="http://schemas.microsoft.com/office/powerpoint/2010/main" val="281161757"/>
-      </p:ext>
-    </p:extLst>
-  </p:cSld>
-  <p:clrMapOvr>
-    <a:masterClrMapping/>
-  </p:clrMapOvr>
-  <p:timing>
-    <p:tnLst>
-      <p:par>
-        <p:cTn id="1" dur="indefinite" restart="never" nodeType="tmRoot"/>
-      </p:par>
-    </p:tnLst>
-  </p:timing>
-</p:sld>
-</file>
-
-<file path=ppt/slides/slide14.xml><?xml version="1.0" encoding="utf-8"?>
-<p:sld xmlns:a="http://schemas.openxmlformats.org/drawingml/2006/main" xmlns:r="http://schemas.openxmlformats.org/officeDocument/2006/relationships" xmlns:p="http://schemas.openxmlformats.org/presentationml/2006/main">
-  <p:cSld>
-    <p:spTree>
-      <p:nvGrpSpPr>
-        <p:cNvPr id="1" name=""/>
-        <p:cNvGrpSpPr/>
-        <p:nvPr/>
-      </p:nvGrpSpPr>
-      <p:grpSpPr>
-        <a:xfrm>
-          <a:off x="0" y="0"/>
-          <a:ext cx="0" cy="0"/>
-          <a:chOff x="0" y="0"/>
-          <a:chExt cx="0" cy="0"/>
-        </a:xfrm>
-      </p:grpSpPr>
-      <p:pic>
-        <p:nvPicPr>
-          <p:cNvPr id="5" name="Grafik 4"/>
-          <p:cNvPicPr>
-            <a:picLocks noChangeAspect="1"/>
-          </p:cNvPicPr>
-          <p:nvPr/>
-        </p:nvPicPr>
-        <p:blipFill>
-          <a:blip r:embed="rId2">
-            <a:extLst>
-              <a:ext uri="{28A0092B-C50C-407E-A947-70E740481C1C}">
-                <a14:useLocalDpi xmlns:a14="http://schemas.microsoft.com/office/drawing/2010/main" val="0"/>
-              </a:ext>
-            </a:extLst>
-          </a:blip>
-          <a:stretch>
-            <a:fillRect/>
-          </a:stretch>
-        </p:blipFill>
-        <p:spPr>
-          <a:xfrm>
-            <a:off x="1368791" y="1419622"/>
-            <a:ext cx="6591210" cy="2864703"/>
-          </a:xfrm>
-          <a:prstGeom prst="rect">
-            <a:avLst/>
-          </a:prstGeom>
-        </p:spPr>
-      </p:pic>
-      <p:sp>
-        <p:nvSpPr>
-          <p:cNvPr id="2" name="Titel 1"/>
-          <p:cNvSpPr>
-            <a:spLocks noGrp="1"/>
-          </p:cNvSpPr>
-          <p:nvPr>
-            <p:ph type="title"/>
-          </p:nvPr>
-        </p:nvSpPr>
-        <p:spPr>
-          <a:xfrm>
-            <a:off x="683568" y="627534"/>
-            <a:ext cx="7961656" cy="1095654"/>
-          </a:xfrm>
-        </p:spPr>
-        <p:txBody>
-          <a:bodyPr/>
-          <a:lstStyle/>
-          <a:p>
-            <a:r>
-              <a:rPr lang="de-DE" dirty="0"/>
-              <a:t>Implementierung – </a:t>
-            </a:r>
-            <a:r>
-              <a:rPr lang="de-DE" dirty="0" smtClean="0"/>
-              <a:t>Modultest</a:t>
-            </a:r>
-            <a:endParaRPr lang="de-DE" dirty="0"/>
-          </a:p>
-        </p:txBody>
-      </p:sp>
-      <p:sp>
-        <p:nvSpPr>
-          <p:cNvPr id="3" name="Textplatzhalter 2"/>
-          <p:cNvSpPr>
-            <a:spLocks noGrp="1"/>
-          </p:cNvSpPr>
-          <p:nvPr>
-            <p:ph type="body" sz="quarter" idx="14"/>
-          </p:nvPr>
-        </p:nvSpPr>
-        <p:spPr>
-          <a:xfrm>
-            <a:off x="3059832" y="4847158"/>
-            <a:ext cx="4752527" cy="215900"/>
-          </a:xfrm>
-        </p:spPr>
-        <p:txBody>
-          <a:bodyPr/>
-          <a:lstStyle/>
-          <a:p>
-            <a:r>
-              <a:rPr lang="de-DE" dirty="0"/>
-              <a:t>Positionsbestimmung drahtloser mobiler eingebetteter Systeme mittels Time </a:t>
-            </a:r>
-            <a:r>
-              <a:rPr lang="de-DE" dirty="0" err="1"/>
-              <a:t>Difference</a:t>
-            </a:r>
-            <a:r>
-              <a:rPr lang="de-DE" dirty="0"/>
-              <a:t> </a:t>
-            </a:r>
-            <a:r>
-              <a:rPr lang="de-DE" dirty="0" err="1"/>
-              <a:t>of</a:t>
-            </a:r>
-            <a:r>
-              <a:rPr lang="de-DE" dirty="0"/>
-              <a:t> Arrival</a:t>
-            </a:r>
-          </a:p>
-        </p:txBody>
-      </p:sp>
-      <p:sp>
-        <p:nvSpPr>
-          <p:cNvPr id="15" name="Fußzeilenplatzhalter 14"/>
-          <p:cNvSpPr>
-            <a:spLocks noGrp="1"/>
-          </p:cNvSpPr>
-          <p:nvPr>
-            <p:ph type="ftr" sz="quarter" idx="28"/>
-          </p:nvPr>
-        </p:nvSpPr>
-        <p:spPr>
-          <a:xfrm>
-            <a:off x="1965072" y="4812372"/>
-            <a:ext cx="2304256" cy="273844"/>
-          </a:xfrm>
-        </p:spPr>
-        <p:txBody>
-          <a:bodyPr/>
-          <a:lstStyle/>
-          <a:p>
-            <a:r>
-              <a:rPr lang="de-DE" dirty="0" smtClean="0"/>
-              <a:t>Oliver Koepp</a:t>
             </a:r>
             <a:endParaRPr lang="de-DE" dirty="0"/>
           </a:p>
@@ -10552,7 +10049,50 @@
       </mc:AlternateContent>
       <p:sp>
         <p:nvSpPr>
-          <p:cNvPr id="12" name="Datumsplatzhalter 13"/>
+          <p:cNvPr id="13" name="Textplatzhalter 2"/>
+          <p:cNvSpPr>
+            <a:spLocks noGrp="1"/>
+          </p:cNvSpPr>
+          <p:nvPr>
+            <p:ph type="body" sz="quarter" idx="14"/>
+          </p:nvPr>
+        </p:nvSpPr>
+        <p:spPr>
+          <a:xfrm>
+            <a:off x="1619672" y="4818186"/>
+            <a:ext cx="4752527" cy="215900"/>
+          </a:xfrm>
+        </p:spPr>
+        <p:txBody>
+          <a:bodyPr/>
+          <a:lstStyle/>
+          <a:p>
+            <a:r>
+              <a:rPr lang="de-DE" dirty="0"/>
+              <a:t>Positionsbestimmung drahtloser mobiler eingebetteter Systeme mittels Time </a:t>
+            </a:r>
+            <a:r>
+              <a:rPr lang="de-DE" dirty="0" err="1"/>
+              <a:t>Difference</a:t>
+            </a:r>
+            <a:r>
+              <a:rPr lang="de-DE" dirty="0"/>
+              <a:t> </a:t>
+            </a:r>
+            <a:r>
+              <a:rPr lang="de-DE" dirty="0" err="1"/>
+              <a:t>of</a:t>
+            </a:r>
+            <a:r>
+              <a:rPr lang="de-DE" dirty="0"/>
+              <a:t> Arrival</a:t>
+            </a:r>
+          </a:p>
+        </p:txBody>
+      </p:sp>
+      <p:sp>
+        <p:nvSpPr>
+          <p:cNvPr id="14" name="Datumsplatzhalter 13"/>
           <p:cNvSpPr>
             <a:spLocks noGrp="1"/>
           </p:cNvSpPr>
@@ -10573,6 +10113,129 @@
             <a:r>
               <a:rPr lang="de-DE" dirty="0" smtClean="0"/>
               <a:t>24.01.2020</a:t>
+            </a:r>
+            <a:endParaRPr lang="de-DE" dirty="0"/>
+          </a:p>
+        </p:txBody>
+      </p:sp>
+      <p:sp>
+        <p:nvSpPr>
+          <p:cNvPr id="16" name="Datumsplatzhalter 13"/>
+          <p:cNvSpPr txBox="1">
+            <a:spLocks/>
+          </p:cNvSpPr>
+          <p:nvPr/>
+        </p:nvSpPr>
+        <p:spPr>
+          <a:xfrm>
+            <a:off x="7020272" y="4818186"/>
+            <a:ext cx="792088" cy="273844"/>
+          </a:xfrm>
+          <a:prstGeom prst="rect">
+            <a:avLst/>
+          </a:prstGeom>
+        </p:spPr>
+        <p:txBody>
+          <a:bodyPr vert="horz" lIns="0" tIns="0" rIns="0" bIns="0" rtlCol="0" anchor="ctr"/>
+          <a:lstStyle>
+            <a:defPPr>
+              <a:defRPr lang="de-DE"/>
+            </a:defPPr>
+            <a:lvl1pPr marL="0" algn="l" defTabSz="914400" rtl="0" eaLnBrk="1" latinLnBrk="0" hangingPunct="1">
+              <a:defRPr sz="900" kern="1200">
+                <a:solidFill>
+                  <a:schemeClr val="bg1"/>
+                </a:solidFill>
+                <a:latin typeface="+mn-lt"/>
+                <a:ea typeface="+mn-ea"/>
+                <a:cs typeface="+mn-cs"/>
+              </a:defRPr>
+            </a:lvl1pPr>
+            <a:lvl2pPr marL="457200" algn="l" defTabSz="914400" rtl="0" eaLnBrk="1" latinLnBrk="0" hangingPunct="1">
+              <a:defRPr sz="1800" kern="1200">
+                <a:solidFill>
+                  <a:schemeClr val="tx1"/>
+                </a:solidFill>
+                <a:latin typeface="+mn-lt"/>
+                <a:ea typeface="+mn-ea"/>
+                <a:cs typeface="+mn-cs"/>
+              </a:defRPr>
+            </a:lvl2pPr>
+            <a:lvl3pPr marL="914400" algn="l" defTabSz="914400" rtl="0" eaLnBrk="1" latinLnBrk="0" hangingPunct="1">
+              <a:defRPr sz="1800" kern="1200">
+                <a:solidFill>
+                  <a:schemeClr val="tx1"/>
+                </a:solidFill>
+                <a:latin typeface="+mn-lt"/>
+                <a:ea typeface="+mn-ea"/>
+                <a:cs typeface="+mn-cs"/>
+              </a:defRPr>
+            </a:lvl3pPr>
+            <a:lvl4pPr marL="1371600" algn="l" defTabSz="914400" rtl="0" eaLnBrk="1" latinLnBrk="0" hangingPunct="1">
+              <a:defRPr sz="1800" kern="1200">
+                <a:solidFill>
+                  <a:schemeClr val="tx1"/>
+                </a:solidFill>
+                <a:latin typeface="+mn-lt"/>
+                <a:ea typeface="+mn-ea"/>
+                <a:cs typeface="+mn-cs"/>
+              </a:defRPr>
+            </a:lvl4pPr>
+            <a:lvl5pPr marL="1828800" algn="l" defTabSz="914400" rtl="0" eaLnBrk="1" latinLnBrk="0" hangingPunct="1">
+              <a:defRPr sz="1800" kern="1200">
+                <a:solidFill>
+                  <a:schemeClr val="tx1"/>
+                </a:solidFill>
+                <a:latin typeface="+mn-lt"/>
+                <a:ea typeface="+mn-ea"/>
+                <a:cs typeface="+mn-cs"/>
+              </a:defRPr>
+            </a:lvl5pPr>
+            <a:lvl6pPr marL="2286000" algn="l" defTabSz="914400" rtl="0" eaLnBrk="1" latinLnBrk="0" hangingPunct="1">
+              <a:defRPr sz="1800" kern="1200">
+                <a:solidFill>
+                  <a:schemeClr val="tx1"/>
+                </a:solidFill>
+                <a:latin typeface="+mn-lt"/>
+                <a:ea typeface="+mn-ea"/>
+                <a:cs typeface="+mn-cs"/>
+              </a:defRPr>
+            </a:lvl6pPr>
+            <a:lvl7pPr marL="2743200" algn="l" defTabSz="914400" rtl="0" eaLnBrk="1" latinLnBrk="0" hangingPunct="1">
+              <a:defRPr sz="1800" kern="1200">
+                <a:solidFill>
+                  <a:schemeClr val="tx1"/>
+                </a:solidFill>
+                <a:latin typeface="+mn-lt"/>
+                <a:ea typeface="+mn-ea"/>
+                <a:cs typeface="+mn-cs"/>
+              </a:defRPr>
+            </a:lvl7pPr>
+            <a:lvl8pPr marL="3200400" algn="l" defTabSz="914400" rtl="0" eaLnBrk="1" latinLnBrk="0" hangingPunct="1">
+              <a:defRPr sz="1800" kern="1200">
+                <a:solidFill>
+                  <a:schemeClr val="tx1"/>
+                </a:solidFill>
+                <a:latin typeface="+mn-lt"/>
+                <a:ea typeface="+mn-ea"/>
+                <a:cs typeface="+mn-cs"/>
+              </a:defRPr>
+            </a:lvl8pPr>
+            <a:lvl9pPr marL="3657600" algn="l" defTabSz="914400" rtl="0" eaLnBrk="1" latinLnBrk="0" hangingPunct="1">
+              <a:defRPr sz="1800" kern="1200">
+                <a:solidFill>
+                  <a:schemeClr val="tx1"/>
+                </a:solidFill>
+                <a:latin typeface="+mn-lt"/>
+                <a:ea typeface="+mn-ea"/>
+                <a:cs typeface="+mn-cs"/>
+              </a:defRPr>
+            </a:lvl9pPr>
+          </a:lstStyle>
+          <a:p>
+            <a:r>
+              <a:rPr lang="de-DE" dirty="0" smtClean="0"/>
+              <a:t>Seite 12 / 15</a:t>
             </a:r>
             <a:endParaRPr lang="de-DE" dirty="0"/>
           </a:p>
@@ -10598,7 +10261,7 @@
 </p:sld>
 </file>
 
-<file path=ppt/slides/slide15.xml><?xml version="1.0" encoding="utf-8"?>
+<file path=ppt/slides/slide14.xml><?xml version="1.0" encoding="utf-8"?>
 <p:sld xmlns:a="http://schemas.openxmlformats.org/drawingml/2006/main" xmlns:r="http://schemas.openxmlformats.org/officeDocument/2006/relationships" xmlns:p="http://schemas.openxmlformats.org/presentationml/2006/main">
   <p:cSld>
     <p:spTree>
@@ -10643,79 +10306,8 @@
           </a:p>
         </p:txBody>
       </p:sp>
-      <p:sp>
-        <p:nvSpPr>
-          <p:cNvPr id="3" name="Textplatzhalter 2"/>
-          <p:cNvSpPr>
-            <a:spLocks noGrp="1"/>
-          </p:cNvSpPr>
-          <p:nvPr>
-            <p:ph type="body" sz="quarter" idx="14"/>
-          </p:nvPr>
-        </p:nvSpPr>
-        <p:spPr>
-          <a:xfrm>
-            <a:off x="3059832" y="4847158"/>
-            <a:ext cx="4752527" cy="215900"/>
-          </a:xfrm>
-        </p:spPr>
-        <p:txBody>
-          <a:bodyPr/>
-          <a:lstStyle/>
-          <a:p>
-            <a:r>
-              <a:rPr lang="de-DE" dirty="0"/>
-              <a:t>Positionsbestimmung drahtloser mobiler eingebetteter Systeme mittels Time </a:t>
-            </a:r>
-            <a:r>
-              <a:rPr lang="de-DE" dirty="0" err="1"/>
-              <a:t>Difference</a:t>
-            </a:r>
-            <a:r>
-              <a:rPr lang="de-DE" dirty="0"/>
-              <a:t> </a:t>
-            </a:r>
-            <a:r>
-              <a:rPr lang="de-DE" dirty="0" err="1"/>
-              <a:t>of</a:t>
-            </a:r>
-            <a:r>
-              <a:rPr lang="de-DE" dirty="0"/>
-              <a:t> Arrival</a:t>
-            </a:r>
-          </a:p>
-        </p:txBody>
-      </p:sp>
-      <p:sp>
-        <p:nvSpPr>
-          <p:cNvPr id="15" name="Fußzeilenplatzhalter 14"/>
-          <p:cNvSpPr>
-            <a:spLocks noGrp="1"/>
-          </p:cNvSpPr>
-          <p:nvPr>
-            <p:ph type="ftr" sz="quarter" idx="28"/>
-          </p:nvPr>
-        </p:nvSpPr>
-        <p:spPr>
-          <a:xfrm>
-            <a:off x="1965072" y="4812372"/>
-            <a:ext cx="2304256" cy="273844"/>
-          </a:xfrm>
-        </p:spPr>
-        <p:txBody>
-          <a:bodyPr/>
-          <a:lstStyle/>
-          <a:p>
-            <a:r>
-              <a:rPr lang="de-DE" dirty="0" smtClean="0"/>
-              <a:t>Oliver Koepp</a:t>
-            </a:r>
-            <a:endParaRPr lang="de-DE" dirty="0"/>
-          </a:p>
-        </p:txBody>
-      </p:sp>
-      <mc:AlternateContent xmlns:mc="http://schemas.openxmlformats.org/markup-compatibility/2006">
-        <mc:Choice xmlns:a14="http://schemas.microsoft.com/office/drawing/2010/main" Requires="a14">
+      <mc:AlternateContent xmlns:mc="http://schemas.openxmlformats.org/markup-compatibility/2006" xmlns:a14="http://schemas.microsoft.com/office/drawing/2010/main">
+        <mc:Choice Requires="a14">
           <p:sp>
             <p:nvSpPr>
               <p:cNvPr id="26" name="Textfeld 25"/>
@@ -10807,12 +10399,11 @@
                   <a:rPr lang="de-DE" dirty="0" smtClean="0"/>
                   <a:t> durch Zeitsynchronisation</a:t>
                 </a:r>
-                <a:endParaRPr lang="de-DE" dirty="0" smtClean="0"/>
               </a:p>
               <a:p>
                 <a:pPr marL="742950" lvl="1" indent="-285750">
-                  <a:buFont typeface="Wingdings" panose="05000000000000000000" pitchFamily="2" charset="2"/>
-                  <a:buChar char="Ø"/>
+                  <a:buFont typeface="Arial" panose="020B0604020202020204" pitchFamily="34" charset="0"/>
+                  <a:buChar char="•"/>
                 </a:pPr>
                 <a14:m>
                   <m:oMath xmlns:m="http://schemas.openxmlformats.org/officeDocument/2006/math">
@@ -10887,12 +10478,11 @@
                   <a:rPr lang="de-DE" dirty="0" smtClean="0"/>
                   <a:t> Genauigkeit</a:t>
                 </a:r>
-                <a:endParaRPr lang="de-DE" dirty="0" smtClean="0"/>
               </a:p>
             </p:txBody>
           </p:sp>
         </mc:Choice>
-        <mc:Fallback>
+        <mc:Fallback xmlns="">
           <p:sp>
             <p:nvSpPr>
               <p:cNvPr id="26" name="Textfeld 25"/>
@@ -10933,7 +10523,50 @@
       </mc:AlternateContent>
       <p:sp>
         <p:nvSpPr>
-          <p:cNvPr id="8" name="Datumsplatzhalter 13"/>
+          <p:cNvPr id="9" name="Textplatzhalter 2"/>
+          <p:cNvSpPr>
+            <a:spLocks noGrp="1"/>
+          </p:cNvSpPr>
+          <p:nvPr>
+            <p:ph type="body" sz="quarter" idx="14"/>
+          </p:nvPr>
+        </p:nvSpPr>
+        <p:spPr>
+          <a:xfrm>
+            <a:off x="1619672" y="4818186"/>
+            <a:ext cx="4752527" cy="215900"/>
+          </a:xfrm>
+        </p:spPr>
+        <p:txBody>
+          <a:bodyPr/>
+          <a:lstStyle/>
+          <a:p>
+            <a:r>
+              <a:rPr lang="de-DE" dirty="0"/>
+              <a:t>Positionsbestimmung drahtloser mobiler eingebetteter Systeme mittels Time </a:t>
+            </a:r>
+            <a:r>
+              <a:rPr lang="de-DE" dirty="0" err="1"/>
+              <a:t>Difference</a:t>
+            </a:r>
+            <a:r>
+              <a:rPr lang="de-DE" dirty="0"/>
+              <a:t> </a:t>
+            </a:r>
+            <a:r>
+              <a:rPr lang="de-DE" dirty="0" err="1"/>
+              <a:t>of</a:t>
+            </a:r>
+            <a:r>
+              <a:rPr lang="de-DE" dirty="0"/>
+              <a:t> Arrival</a:t>
+            </a:r>
+          </a:p>
+        </p:txBody>
+      </p:sp>
+      <p:sp>
+        <p:nvSpPr>
+          <p:cNvPr id="10" name="Datumsplatzhalter 13"/>
           <p:cNvSpPr>
             <a:spLocks noGrp="1"/>
           </p:cNvSpPr>
@@ -10954,6 +10587,129 @@
             <a:r>
               <a:rPr lang="de-DE" dirty="0" smtClean="0"/>
               <a:t>24.01.2020</a:t>
+            </a:r>
+            <a:endParaRPr lang="de-DE" dirty="0"/>
+          </a:p>
+        </p:txBody>
+      </p:sp>
+      <p:sp>
+        <p:nvSpPr>
+          <p:cNvPr id="11" name="Datumsplatzhalter 13"/>
+          <p:cNvSpPr txBox="1">
+            <a:spLocks/>
+          </p:cNvSpPr>
+          <p:nvPr/>
+        </p:nvSpPr>
+        <p:spPr>
+          <a:xfrm>
+            <a:off x="7020272" y="4818186"/>
+            <a:ext cx="792088" cy="273844"/>
+          </a:xfrm>
+          <a:prstGeom prst="rect">
+            <a:avLst/>
+          </a:prstGeom>
+        </p:spPr>
+        <p:txBody>
+          <a:bodyPr vert="horz" lIns="0" tIns="0" rIns="0" bIns="0" rtlCol="0" anchor="ctr"/>
+          <a:lstStyle>
+            <a:defPPr>
+              <a:defRPr lang="de-DE"/>
+            </a:defPPr>
+            <a:lvl1pPr marL="0" algn="l" defTabSz="914400" rtl="0" eaLnBrk="1" latinLnBrk="0" hangingPunct="1">
+              <a:defRPr sz="900" kern="1200">
+                <a:solidFill>
+                  <a:schemeClr val="bg1"/>
+                </a:solidFill>
+                <a:latin typeface="+mn-lt"/>
+                <a:ea typeface="+mn-ea"/>
+                <a:cs typeface="+mn-cs"/>
+              </a:defRPr>
+            </a:lvl1pPr>
+            <a:lvl2pPr marL="457200" algn="l" defTabSz="914400" rtl="0" eaLnBrk="1" latinLnBrk="0" hangingPunct="1">
+              <a:defRPr sz="1800" kern="1200">
+                <a:solidFill>
+                  <a:schemeClr val="tx1"/>
+                </a:solidFill>
+                <a:latin typeface="+mn-lt"/>
+                <a:ea typeface="+mn-ea"/>
+                <a:cs typeface="+mn-cs"/>
+              </a:defRPr>
+            </a:lvl2pPr>
+            <a:lvl3pPr marL="914400" algn="l" defTabSz="914400" rtl="0" eaLnBrk="1" latinLnBrk="0" hangingPunct="1">
+              <a:defRPr sz="1800" kern="1200">
+                <a:solidFill>
+                  <a:schemeClr val="tx1"/>
+                </a:solidFill>
+                <a:latin typeface="+mn-lt"/>
+                <a:ea typeface="+mn-ea"/>
+                <a:cs typeface="+mn-cs"/>
+              </a:defRPr>
+            </a:lvl3pPr>
+            <a:lvl4pPr marL="1371600" algn="l" defTabSz="914400" rtl="0" eaLnBrk="1" latinLnBrk="0" hangingPunct="1">
+              <a:defRPr sz="1800" kern="1200">
+                <a:solidFill>
+                  <a:schemeClr val="tx1"/>
+                </a:solidFill>
+                <a:latin typeface="+mn-lt"/>
+                <a:ea typeface="+mn-ea"/>
+                <a:cs typeface="+mn-cs"/>
+              </a:defRPr>
+            </a:lvl4pPr>
+            <a:lvl5pPr marL="1828800" algn="l" defTabSz="914400" rtl="0" eaLnBrk="1" latinLnBrk="0" hangingPunct="1">
+              <a:defRPr sz="1800" kern="1200">
+                <a:solidFill>
+                  <a:schemeClr val="tx1"/>
+                </a:solidFill>
+                <a:latin typeface="+mn-lt"/>
+                <a:ea typeface="+mn-ea"/>
+                <a:cs typeface="+mn-cs"/>
+              </a:defRPr>
+            </a:lvl5pPr>
+            <a:lvl6pPr marL="2286000" algn="l" defTabSz="914400" rtl="0" eaLnBrk="1" latinLnBrk="0" hangingPunct="1">
+              <a:defRPr sz="1800" kern="1200">
+                <a:solidFill>
+                  <a:schemeClr val="tx1"/>
+                </a:solidFill>
+                <a:latin typeface="+mn-lt"/>
+                <a:ea typeface="+mn-ea"/>
+                <a:cs typeface="+mn-cs"/>
+              </a:defRPr>
+            </a:lvl6pPr>
+            <a:lvl7pPr marL="2743200" algn="l" defTabSz="914400" rtl="0" eaLnBrk="1" latinLnBrk="0" hangingPunct="1">
+              <a:defRPr sz="1800" kern="1200">
+                <a:solidFill>
+                  <a:schemeClr val="tx1"/>
+                </a:solidFill>
+                <a:latin typeface="+mn-lt"/>
+                <a:ea typeface="+mn-ea"/>
+                <a:cs typeface="+mn-cs"/>
+              </a:defRPr>
+            </a:lvl7pPr>
+            <a:lvl8pPr marL="3200400" algn="l" defTabSz="914400" rtl="0" eaLnBrk="1" latinLnBrk="0" hangingPunct="1">
+              <a:defRPr sz="1800" kern="1200">
+                <a:solidFill>
+                  <a:schemeClr val="tx1"/>
+                </a:solidFill>
+                <a:latin typeface="+mn-lt"/>
+                <a:ea typeface="+mn-ea"/>
+                <a:cs typeface="+mn-cs"/>
+              </a:defRPr>
+            </a:lvl8pPr>
+            <a:lvl9pPr marL="3657600" algn="l" defTabSz="914400" rtl="0" eaLnBrk="1" latinLnBrk="0" hangingPunct="1">
+              <a:defRPr sz="1800" kern="1200">
+                <a:solidFill>
+                  <a:schemeClr val="tx1"/>
+                </a:solidFill>
+                <a:latin typeface="+mn-lt"/>
+                <a:ea typeface="+mn-ea"/>
+                <a:cs typeface="+mn-cs"/>
+              </a:defRPr>
+            </a:lvl9pPr>
+          </a:lstStyle>
+          <a:p>
+            <a:r>
+              <a:rPr lang="de-DE" dirty="0" smtClean="0"/>
+              <a:t>Seite 13 / 15</a:t>
             </a:r>
             <a:endParaRPr lang="de-DE" dirty="0"/>
           </a:p>
@@ -10963,6 +10719,398 @@
     <p:extLst>
       <p:ext uri="{BB962C8B-B14F-4D97-AF65-F5344CB8AC3E}">
         <p14:creationId xmlns:p14="http://schemas.microsoft.com/office/powerpoint/2010/main" val="3282756077"/>
+      </p:ext>
+    </p:extLst>
+  </p:cSld>
+  <p:clrMapOvr>
+    <a:masterClrMapping/>
+  </p:clrMapOvr>
+  <p:timing>
+    <p:tnLst>
+      <p:par>
+        <p:cTn id="1" dur="indefinite" restart="never" nodeType="tmRoot"/>
+      </p:par>
+    </p:tnLst>
+  </p:timing>
+</p:sld>
+</file>
+
+<file path=ppt/slides/slide15.xml><?xml version="1.0" encoding="utf-8"?>
+<p:sld xmlns:a="http://schemas.openxmlformats.org/drawingml/2006/main" xmlns:r="http://schemas.openxmlformats.org/officeDocument/2006/relationships" xmlns:p="http://schemas.openxmlformats.org/presentationml/2006/main">
+  <p:cSld>
+    <p:spTree>
+      <p:nvGrpSpPr>
+        <p:cNvPr id="1" name=""/>
+        <p:cNvGrpSpPr/>
+        <p:nvPr/>
+      </p:nvGrpSpPr>
+      <p:grpSpPr>
+        <a:xfrm>
+          <a:off x="0" y="0"/>
+          <a:ext cx="0" cy="0"/>
+          <a:chOff x="0" y="0"/>
+          <a:chExt cx="0" cy="0"/>
+        </a:xfrm>
+      </p:grpSpPr>
+      <p:sp>
+        <p:nvSpPr>
+          <p:cNvPr id="2" name="Titel 1"/>
+          <p:cNvSpPr>
+            <a:spLocks noGrp="1"/>
+          </p:cNvSpPr>
+          <p:nvPr>
+            <p:ph type="title"/>
+          </p:nvPr>
+        </p:nvSpPr>
+        <p:spPr>
+          <a:xfrm>
+            <a:off x="720000" y="612000"/>
+            <a:ext cx="7961656" cy="1095654"/>
+          </a:xfrm>
+        </p:spPr>
+        <p:txBody>
+          <a:bodyPr/>
+          <a:lstStyle/>
+          <a:p>
+            <a:r>
+              <a:rPr lang="de-DE" dirty="0" smtClean="0"/>
+              <a:t>Auswertung</a:t>
+            </a:r>
+            <a:endParaRPr lang="de-DE" dirty="0"/>
+          </a:p>
+        </p:txBody>
+      </p:sp>
+      <p:sp>
+        <p:nvSpPr>
+          <p:cNvPr id="6" name="Textfeld 5"/>
+          <p:cNvSpPr txBox="1"/>
+          <p:nvPr/>
+        </p:nvSpPr>
+        <p:spPr>
+          <a:xfrm>
+            <a:off x="683568" y="1273791"/>
+            <a:ext cx="8460432" cy="3139321"/>
+          </a:xfrm>
+          <a:prstGeom prst="rect">
+            <a:avLst/>
+          </a:prstGeom>
+          <a:noFill/>
+        </p:spPr>
+        <p:txBody>
+          <a:bodyPr wrap="square" rtlCol="0">
+            <a:spAutoFit/>
+          </a:bodyPr>
+          <a:lstStyle/>
+          <a:p>
+            <a:pPr marL="285750" indent="-285750">
+              <a:buFont typeface="Arial" panose="020B0604020202020204" pitchFamily="34" charset="0"/>
+              <a:buChar char="•"/>
+            </a:pPr>
+            <a:r>
+              <a:rPr lang="de-DE" dirty="0" smtClean="0"/>
+              <a:t>Positionsbestimmung </a:t>
+            </a:r>
+            <a:r>
+              <a:rPr lang="de-DE" dirty="0" smtClean="0">
+                <a:sym typeface="Wingdings" panose="05000000000000000000" pitchFamily="2" charset="2"/>
+              </a:rPr>
+              <a:t></a:t>
+            </a:r>
+            <a:r>
+              <a:rPr lang="de-DE" dirty="0" smtClean="0"/>
+              <a:t> Technisch realisierbar</a:t>
+            </a:r>
+          </a:p>
+          <a:p>
+            <a:pPr marL="285750" indent="-285750">
+              <a:buFont typeface="Arial" panose="020B0604020202020204" pitchFamily="34" charset="0"/>
+              <a:buChar char="•"/>
+            </a:pPr>
+            <a:r>
+              <a:rPr lang="de-DE" dirty="0" smtClean="0"/>
+              <a:t>Zentimetergenauigkeit nicht erfüllt</a:t>
+            </a:r>
+          </a:p>
+          <a:p>
+            <a:pPr marL="742950" lvl="1" indent="-285750">
+              <a:buFont typeface="Arial" panose="020B0604020202020204" pitchFamily="34" charset="0"/>
+              <a:buChar char="•"/>
+            </a:pPr>
+            <a:r>
+              <a:rPr lang="de-DE" dirty="0" smtClean="0"/>
+              <a:t>Einschränkungen bei der Hardware</a:t>
+            </a:r>
+          </a:p>
+          <a:p>
+            <a:pPr marL="285750" indent="-285750">
+              <a:buFont typeface="Arial" panose="020B0604020202020204" pitchFamily="34" charset="0"/>
+              <a:buChar char="•"/>
+            </a:pPr>
+            <a:r>
+              <a:rPr lang="de-DE" dirty="0" smtClean="0"/>
+              <a:t>Irrationale Schwankungen</a:t>
+            </a:r>
+          </a:p>
+          <a:p>
+            <a:pPr marL="285750" indent="-285750">
+              <a:buFont typeface="Arial" panose="020B0604020202020204" pitchFamily="34" charset="0"/>
+              <a:buChar char="•"/>
+            </a:pPr>
+            <a:r>
+              <a:rPr lang="de-DE" dirty="0" smtClean="0"/>
+              <a:t>Hardware nicht optimal ausgesucht</a:t>
+            </a:r>
+          </a:p>
+          <a:p>
+            <a:endParaRPr lang="de-DE" dirty="0"/>
+          </a:p>
+          <a:p>
+            <a:r>
+              <a:rPr lang="de-DE" dirty="0" smtClean="0"/>
+              <a:t>Unit </a:t>
+            </a:r>
+            <a:r>
+              <a:rPr lang="de-DE" dirty="0"/>
+              <a:t>Test</a:t>
+            </a:r>
+          </a:p>
+          <a:p>
+            <a:pPr marL="285750" indent="-285750">
+              <a:buFont typeface="Arial" panose="020B0604020202020204" pitchFamily="34" charset="0"/>
+              <a:buChar char="•"/>
+            </a:pPr>
+            <a:r>
+              <a:rPr lang="de-DE" dirty="0"/>
+              <a:t>Gleichungen für die Positionsbestimmung</a:t>
+            </a:r>
+          </a:p>
+          <a:p>
+            <a:pPr marL="285750" indent="-285750">
+              <a:buFont typeface="Arial" panose="020B0604020202020204" pitchFamily="34" charset="0"/>
+              <a:buChar char="•"/>
+            </a:pPr>
+            <a:r>
+              <a:rPr lang="de-DE" dirty="0"/>
+              <a:t>Abstand zweier Punkte</a:t>
+            </a:r>
+          </a:p>
+          <a:p>
+            <a:pPr marL="285750" indent="-285750">
+              <a:buFont typeface="Arial" panose="020B0604020202020204" pitchFamily="34" charset="0"/>
+              <a:buChar char="•"/>
+            </a:pPr>
+            <a:r>
+              <a:rPr lang="de-DE" dirty="0"/>
+              <a:t>Quadratische Gleichung</a:t>
+            </a:r>
+          </a:p>
+          <a:p>
+            <a:pPr marL="285750" indent="-285750">
+              <a:buFont typeface="Arial" panose="020B0604020202020204" pitchFamily="34" charset="0"/>
+              <a:buChar char="•"/>
+            </a:pPr>
+            <a:endParaRPr lang="de-DE" dirty="0"/>
+          </a:p>
+        </p:txBody>
+      </p:sp>
+      <p:sp>
+        <p:nvSpPr>
+          <p:cNvPr id="12" name="Textplatzhalter 2"/>
+          <p:cNvSpPr>
+            <a:spLocks noGrp="1"/>
+          </p:cNvSpPr>
+          <p:nvPr>
+            <p:ph type="body" sz="quarter" idx="14"/>
+          </p:nvPr>
+        </p:nvSpPr>
+        <p:spPr>
+          <a:xfrm>
+            <a:off x="1619672" y="4818186"/>
+            <a:ext cx="4752527" cy="215900"/>
+          </a:xfrm>
+        </p:spPr>
+        <p:txBody>
+          <a:bodyPr/>
+          <a:lstStyle/>
+          <a:p>
+            <a:r>
+              <a:rPr lang="de-DE" dirty="0"/>
+              <a:t>Positionsbestimmung drahtloser mobiler eingebetteter Systeme mittels Time </a:t>
+            </a:r>
+            <a:r>
+              <a:rPr lang="de-DE" dirty="0" err="1"/>
+              <a:t>Difference</a:t>
+            </a:r>
+            <a:r>
+              <a:rPr lang="de-DE" dirty="0"/>
+              <a:t> </a:t>
+            </a:r>
+            <a:r>
+              <a:rPr lang="de-DE" dirty="0" err="1"/>
+              <a:t>of</a:t>
+            </a:r>
+            <a:r>
+              <a:rPr lang="de-DE" dirty="0"/>
+              <a:t> Arrival</a:t>
+            </a:r>
+          </a:p>
+        </p:txBody>
+      </p:sp>
+      <p:sp>
+        <p:nvSpPr>
+          <p:cNvPr id="13" name="Datumsplatzhalter 13"/>
+          <p:cNvSpPr>
+            <a:spLocks noGrp="1"/>
+          </p:cNvSpPr>
+          <p:nvPr>
+            <p:ph type="dt" sz="half" idx="27"/>
+          </p:nvPr>
+        </p:nvSpPr>
+        <p:spPr>
+          <a:xfrm>
+            <a:off x="881608" y="4818186"/>
+            <a:ext cx="1098104" cy="273844"/>
+          </a:xfrm>
+        </p:spPr>
+        <p:txBody>
+          <a:bodyPr/>
+          <a:lstStyle/>
+          <a:p>
+            <a:r>
+              <a:rPr lang="de-DE" dirty="0" smtClean="0"/>
+              <a:t>24.01.2020</a:t>
+            </a:r>
+            <a:endParaRPr lang="de-DE" dirty="0"/>
+          </a:p>
+        </p:txBody>
+      </p:sp>
+      <p:sp>
+        <p:nvSpPr>
+          <p:cNvPr id="14" name="Datumsplatzhalter 13"/>
+          <p:cNvSpPr txBox="1">
+            <a:spLocks/>
+          </p:cNvSpPr>
+          <p:nvPr/>
+        </p:nvSpPr>
+        <p:spPr>
+          <a:xfrm>
+            <a:off x="7020272" y="4818186"/>
+            <a:ext cx="792088" cy="273844"/>
+          </a:xfrm>
+          <a:prstGeom prst="rect">
+            <a:avLst/>
+          </a:prstGeom>
+        </p:spPr>
+        <p:txBody>
+          <a:bodyPr vert="horz" lIns="0" tIns="0" rIns="0" bIns="0" rtlCol="0" anchor="ctr"/>
+          <a:lstStyle>
+            <a:defPPr>
+              <a:defRPr lang="de-DE"/>
+            </a:defPPr>
+            <a:lvl1pPr marL="0" algn="l" defTabSz="914400" rtl="0" eaLnBrk="1" latinLnBrk="0" hangingPunct="1">
+              <a:defRPr sz="900" kern="1200">
+                <a:solidFill>
+                  <a:schemeClr val="bg1"/>
+                </a:solidFill>
+                <a:latin typeface="+mn-lt"/>
+                <a:ea typeface="+mn-ea"/>
+                <a:cs typeface="+mn-cs"/>
+              </a:defRPr>
+            </a:lvl1pPr>
+            <a:lvl2pPr marL="457200" algn="l" defTabSz="914400" rtl="0" eaLnBrk="1" latinLnBrk="0" hangingPunct="1">
+              <a:defRPr sz="1800" kern="1200">
+                <a:solidFill>
+                  <a:schemeClr val="tx1"/>
+                </a:solidFill>
+                <a:latin typeface="+mn-lt"/>
+                <a:ea typeface="+mn-ea"/>
+                <a:cs typeface="+mn-cs"/>
+              </a:defRPr>
+            </a:lvl2pPr>
+            <a:lvl3pPr marL="914400" algn="l" defTabSz="914400" rtl="0" eaLnBrk="1" latinLnBrk="0" hangingPunct="1">
+              <a:defRPr sz="1800" kern="1200">
+                <a:solidFill>
+                  <a:schemeClr val="tx1"/>
+                </a:solidFill>
+                <a:latin typeface="+mn-lt"/>
+                <a:ea typeface="+mn-ea"/>
+                <a:cs typeface="+mn-cs"/>
+              </a:defRPr>
+            </a:lvl3pPr>
+            <a:lvl4pPr marL="1371600" algn="l" defTabSz="914400" rtl="0" eaLnBrk="1" latinLnBrk="0" hangingPunct="1">
+              <a:defRPr sz="1800" kern="1200">
+                <a:solidFill>
+                  <a:schemeClr val="tx1"/>
+                </a:solidFill>
+                <a:latin typeface="+mn-lt"/>
+                <a:ea typeface="+mn-ea"/>
+                <a:cs typeface="+mn-cs"/>
+              </a:defRPr>
+            </a:lvl4pPr>
+            <a:lvl5pPr marL="1828800" algn="l" defTabSz="914400" rtl="0" eaLnBrk="1" latinLnBrk="0" hangingPunct="1">
+              <a:defRPr sz="1800" kern="1200">
+                <a:solidFill>
+                  <a:schemeClr val="tx1"/>
+                </a:solidFill>
+                <a:latin typeface="+mn-lt"/>
+                <a:ea typeface="+mn-ea"/>
+                <a:cs typeface="+mn-cs"/>
+              </a:defRPr>
+            </a:lvl5pPr>
+            <a:lvl6pPr marL="2286000" algn="l" defTabSz="914400" rtl="0" eaLnBrk="1" latinLnBrk="0" hangingPunct="1">
+              <a:defRPr sz="1800" kern="1200">
+                <a:solidFill>
+                  <a:schemeClr val="tx1"/>
+                </a:solidFill>
+                <a:latin typeface="+mn-lt"/>
+                <a:ea typeface="+mn-ea"/>
+                <a:cs typeface="+mn-cs"/>
+              </a:defRPr>
+            </a:lvl6pPr>
+            <a:lvl7pPr marL="2743200" algn="l" defTabSz="914400" rtl="0" eaLnBrk="1" latinLnBrk="0" hangingPunct="1">
+              <a:defRPr sz="1800" kern="1200">
+                <a:solidFill>
+                  <a:schemeClr val="tx1"/>
+                </a:solidFill>
+                <a:latin typeface="+mn-lt"/>
+                <a:ea typeface="+mn-ea"/>
+                <a:cs typeface="+mn-cs"/>
+              </a:defRPr>
+            </a:lvl7pPr>
+            <a:lvl8pPr marL="3200400" algn="l" defTabSz="914400" rtl="0" eaLnBrk="1" latinLnBrk="0" hangingPunct="1">
+              <a:defRPr sz="1800" kern="1200">
+                <a:solidFill>
+                  <a:schemeClr val="tx1"/>
+                </a:solidFill>
+                <a:latin typeface="+mn-lt"/>
+                <a:ea typeface="+mn-ea"/>
+                <a:cs typeface="+mn-cs"/>
+              </a:defRPr>
+            </a:lvl8pPr>
+            <a:lvl9pPr marL="3657600" algn="l" defTabSz="914400" rtl="0" eaLnBrk="1" latinLnBrk="0" hangingPunct="1">
+              <a:defRPr sz="1800" kern="1200">
+                <a:solidFill>
+                  <a:schemeClr val="tx1"/>
+                </a:solidFill>
+                <a:latin typeface="+mn-lt"/>
+                <a:ea typeface="+mn-ea"/>
+                <a:cs typeface="+mn-cs"/>
+              </a:defRPr>
+            </a:lvl9pPr>
+          </a:lstStyle>
+          <a:p>
+            <a:r>
+              <a:rPr lang="de-DE" dirty="0" smtClean="0"/>
+              <a:t>Seite 14 / 15</a:t>
+            </a:r>
+            <a:endParaRPr lang="de-DE" dirty="0"/>
+          </a:p>
+        </p:txBody>
+      </p:sp>
+    </p:spTree>
+    <p:extLst>
+      <p:ext uri="{BB962C8B-B14F-4D97-AF65-F5344CB8AC3E}">
+        <p14:creationId xmlns:p14="http://schemas.microsoft.com/office/powerpoint/2010/main" val="2745369558"/>
       </p:ext>
     </p:extLst>
   </p:cSld>
@@ -11018,7 +11166,7 @@
           <a:p>
             <a:r>
               <a:rPr lang="de-DE" dirty="0" smtClean="0"/>
-              <a:t>Auswertung</a:t>
+              <a:t>Praktische Durchführung</a:t>
             </a:r>
             <a:endParaRPr lang="de-DE" dirty="0"/>
           </a:p>
@@ -11036,7 +11184,7 @@
         </p:nvSpPr>
         <p:spPr>
           <a:xfrm>
-            <a:off x="3059832" y="4847158"/>
+            <a:off x="1619672" y="4818186"/>
             <a:ext cx="4752527" cy="215900"/>
           </a:xfrm>
         </p:spPr>
@@ -11069,347 +11217,26 @@
       </p:sp>
       <p:sp>
         <p:nvSpPr>
-          <p:cNvPr id="15" name="Fußzeilenplatzhalter 14"/>
-          <p:cNvSpPr>
-            <a:spLocks noGrp="1"/>
-          </p:cNvSpPr>
-          <p:nvPr>
-            <p:ph type="ftr" sz="quarter" idx="28"/>
-          </p:nvPr>
-        </p:nvSpPr>
-        <p:spPr>
-          <a:xfrm>
-            <a:off x="1965072" y="4812372"/>
-            <a:ext cx="2304256" cy="273844"/>
-          </a:xfrm>
-        </p:spPr>
+          <p:cNvPr id="14" name="Datumsplatzhalter 13"/>
+          <p:cNvSpPr>
+            <a:spLocks noGrp="1"/>
+          </p:cNvSpPr>
+          <p:nvPr>
+            <p:ph type="dt" sz="half" idx="27"/>
+          </p:nvPr>
+        </p:nvSpPr>
+        <p:spPr/>
         <p:txBody>
           <a:bodyPr/>
           <a:lstStyle/>
           <a:p>
             <a:r>
-              <a:rPr lang="de-DE" dirty="0" smtClean="0"/>
-              <a:t>Oliver Koepp</a:t>
-            </a:r>
-            <a:endParaRPr lang="de-DE" dirty="0"/>
-          </a:p>
-        </p:txBody>
-      </p:sp>
-      <p:sp>
-        <p:nvSpPr>
-          <p:cNvPr id="6" name="Textfeld 5"/>
-          <p:cNvSpPr txBox="1"/>
-          <p:nvPr/>
-        </p:nvSpPr>
-        <p:spPr>
-          <a:xfrm>
-            <a:off x="683568" y="1273791"/>
-            <a:ext cx="8460432" cy="3139321"/>
-          </a:xfrm>
-          <a:prstGeom prst="rect">
-            <a:avLst/>
-          </a:prstGeom>
-          <a:noFill/>
-        </p:spPr>
-        <p:txBody>
-          <a:bodyPr wrap="square" rtlCol="0">
-            <a:spAutoFit/>
-          </a:bodyPr>
-          <a:lstStyle/>
-          <a:p>
-            <a:pPr marL="285750" indent="-285750">
-              <a:buFont typeface="Arial" panose="020B0604020202020204" pitchFamily="34" charset="0"/>
-              <a:buChar char="•"/>
-            </a:pPr>
-            <a:r>
-              <a:rPr lang="de-DE" dirty="0" smtClean="0"/>
-              <a:t>Positionsbestimmung </a:t>
-            </a:r>
-            <a:r>
-              <a:rPr lang="de-DE" dirty="0" smtClean="0">
-                <a:sym typeface="Wingdings" panose="05000000000000000000" pitchFamily="2" charset="2"/>
-              </a:rPr>
-              <a:t></a:t>
-            </a:r>
-            <a:r>
-              <a:rPr lang="de-DE" dirty="0" smtClean="0"/>
-              <a:t> Technisch realisierbar</a:t>
-            </a:r>
-          </a:p>
-          <a:p>
-            <a:pPr marL="285750" indent="-285750">
-              <a:buFont typeface="Arial" panose="020B0604020202020204" pitchFamily="34" charset="0"/>
-              <a:buChar char="•"/>
-            </a:pPr>
-            <a:r>
-              <a:rPr lang="de-DE" dirty="0" smtClean="0"/>
-              <a:t>Zentimetergenauigkeit nicht erfüllt</a:t>
-            </a:r>
-          </a:p>
-          <a:p>
-            <a:pPr marL="742950" lvl="1" indent="-285750">
-              <a:buFont typeface="Arial" panose="020B0604020202020204" pitchFamily="34" charset="0"/>
-              <a:buChar char="•"/>
-            </a:pPr>
-            <a:r>
-              <a:rPr lang="de-DE" dirty="0" smtClean="0"/>
-              <a:t>Einschränkungen bei der Hardware</a:t>
-            </a:r>
-          </a:p>
-          <a:p>
-            <a:pPr marL="285750" indent="-285750">
-              <a:buFont typeface="Arial" panose="020B0604020202020204" pitchFamily="34" charset="0"/>
-              <a:buChar char="•"/>
-            </a:pPr>
-            <a:r>
-              <a:rPr lang="de-DE" dirty="0" smtClean="0"/>
-              <a:t>Irrationale Schwankungen</a:t>
-            </a:r>
-          </a:p>
-          <a:p>
-            <a:pPr marL="285750" indent="-285750">
-              <a:buFont typeface="Arial" panose="020B0604020202020204" pitchFamily="34" charset="0"/>
-              <a:buChar char="•"/>
-            </a:pPr>
-            <a:r>
-              <a:rPr lang="de-DE" dirty="0" smtClean="0"/>
-              <a:t>Hardware nicht optimal ausgesucht</a:t>
-            </a:r>
-          </a:p>
-          <a:p>
-            <a:endParaRPr lang="de-DE" dirty="0"/>
-          </a:p>
-          <a:p>
-            <a:r>
-              <a:rPr lang="de-DE" dirty="0" smtClean="0"/>
-              <a:t>Unit </a:t>
-            </a:r>
-            <a:r>
               <a:rPr lang="de-DE" dirty="0"/>
-              <a:t>Test</a:t>
-            </a:r>
-          </a:p>
-          <a:p>
-            <a:pPr marL="285750" indent="-285750">
-              <a:buFont typeface="Arial" panose="020B0604020202020204" pitchFamily="34" charset="0"/>
-              <a:buChar char="•"/>
-            </a:pPr>
-            <a:r>
-              <a:rPr lang="de-DE" dirty="0"/>
-              <a:t>Gleichungen für die Positionsbestimmung</a:t>
-            </a:r>
-          </a:p>
-          <a:p>
-            <a:pPr marL="285750" indent="-285750">
-              <a:buFont typeface="Arial" panose="020B0604020202020204" pitchFamily="34" charset="0"/>
-              <a:buChar char="•"/>
-            </a:pPr>
-            <a:r>
-              <a:rPr lang="de-DE" dirty="0"/>
-              <a:t>Abstand zweier Punkte</a:t>
-            </a:r>
-          </a:p>
-          <a:p>
-            <a:pPr marL="285750" indent="-285750">
-              <a:buFont typeface="Arial" panose="020B0604020202020204" pitchFamily="34" charset="0"/>
-              <a:buChar char="•"/>
-            </a:pPr>
-            <a:r>
-              <a:rPr lang="de-DE" dirty="0"/>
-              <a:t>Quadratische Gleichung</a:t>
-            </a:r>
-          </a:p>
-          <a:p>
-            <a:pPr marL="285750" indent="-285750">
-              <a:buFont typeface="Arial" panose="020B0604020202020204" pitchFamily="34" charset="0"/>
-              <a:buChar char="•"/>
-            </a:pPr>
-            <a:endParaRPr lang="de-DE" dirty="0"/>
-          </a:p>
-        </p:txBody>
-      </p:sp>
-      <p:sp>
-        <p:nvSpPr>
-          <p:cNvPr id="8" name="Datumsplatzhalter 13"/>
-          <p:cNvSpPr>
-            <a:spLocks noGrp="1"/>
-          </p:cNvSpPr>
-          <p:nvPr>
-            <p:ph type="dt" sz="half" idx="27"/>
-          </p:nvPr>
-        </p:nvSpPr>
-        <p:spPr>
-          <a:xfrm>
-            <a:off x="881608" y="4818186"/>
-            <a:ext cx="1098104" cy="273844"/>
-          </a:xfrm>
-        </p:spPr>
-        <p:txBody>
-          <a:bodyPr/>
-          <a:lstStyle/>
-          <a:p>
-            <a:r>
-              <a:rPr lang="de-DE" dirty="0" smtClean="0"/>
-              <a:t>24.01.2020</a:t>
-            </a:r>
-            <a:endParaRPr lang="de-DE" dirty="0"/>
-          </a:p>
-        </p:txBody>
-      </p:sp>
-    </p:spTree>
-    <p:extLst>
-      <p:ext uri="{BB962C8B-B14F-4D97-AF65-F5344CB8AC3E}">
-        <p14:creationId xmlns:p14="http://schemas.microsoft.com/office/powerpoint/2010/main" val="2745369558"/>
-      </p:ext>
-    </p:extLst>
-  </p:cSld>
-  <p:clrMapOvr>
-    <a:masterClrMapping/>
-  </p:clrMapOvr>
-  <p:timing>
-    <p:tnLst>
-      <p:par>
-        <p:cTn id="1" dur="indefinite" restart="never" nodeType="tmRoot"/>
-      </p:par>
-    </p:tnLst>
-  </p:timing>
-</p:sld>
-</file>
-
-<file path=ppt/slides/slide17.xml><?xml version="1.0" encoding="utf-8"?>
-<p:sld xmlns:a="http://schemas.openxmlformats.org/drawingml/2006/main" xmlns:r="http://schemas.openxmlformats.org/officeDocument/2006/relationships" xmlns:p="http://schemas.openxmlformats.org/presentationml/2006/main">
-  <p:cSld>
-    <p:spTree>
-      <p:nvGrpSpPr>
-        <p:cNvPr id="1" name=""/>
-        <p:cNvGrpSpPr/>
-        <p:nvPr/>
-      </p:nvGrpSpPr>
-      <p:grpSpPr>
-        <a:xfrm>
-          <a:off x="0" y="0"/>
-          <a:ext cx="0" cy="0"/>
-          <a:chOff x="0" y="0"/>
-          <a:chExt cx="0" cy="0"/>
-        </a:xfrm>
-      </p:grpSpPr>
-      <p:sp>
-        <p:nvSpPr>
-          <p:cNvPr id="2" name="Titel 1"/>
-          <p:cNvSpPr>
-            <a:spLocks noGrp="1"/>
-          </p:cNvSpPr>
-          <p:nvPr>
-            <p:ph type="title"/>
-          </p:nvPr>
-        </p:nvSpPr>
-        <p:spPr>
-          <a:xfrm>
-            <a:off x="720000" y="612000"/>
-            <a:ext cx="7961656" cy="1095654"/>
-          </a:xfrm>
-        </p:spPr>
-        <p:txBody>
-          <a:bodyPr/>
-          <a:lstStyle/>
-          <a:p>
-            <a:r>
-              <a:rPr lang="de-DE" dirty="0" smtClean="0"/>
-              <a:t>Praktische Durchführung</a:t>
-            </a:r>
-            <a:endParaRPr lang="de-DE" dirty="0"/>
-          </a:p>
-        </p:txBody>
-      </p:sp>
-      <p:sp>
-        <p:nvSpPr>
-          <p:cNvPr id="3" name="Textplatzhalter 2"/>
-          <p:cNvSpPr>
-            <a:spLocks noGrp="1"/>
-          </p:cNvSpPr>
-          <p:nvPr>
-            <p:ph type="body" sz="quarter" idx="14"/>
-          </p:nvPr>
-        </p:nvSpPr>
-        <p:spPr>
-          <a:xfrm>
-            <a:off x="3059832" y="4847158"/>
-            <a:ext cx="4752527" cy="215900"/>
-          </a:xfrm>
-        </p:spPr>
-        <p:txBody>
-          <a:bodyPr/>
-          <a:lstStyle/>
-          <a:p>
-            <a:r>
-              <a:rPr lang="de-DE" dirty="0"/>
-              <a:t>Positionsbestimmung drahtloser mobiler eingebetteter Systeme mittels Time </a:t>
-            </a:r>
-            <a:r>
-              <a:rPr lang="de-DE" dirty="0" err="1"/>
-              <a:t>Difference</a:t>
-            </a:r>
-            <a:r>
-              <a:rPr lang="de-DE" dirty="0"/>
-              <a:t> </a:t>
-            </a:r>
-            <a:r>
-              <a:rPr lang="de-DE" dirty="0" err="1"/>
-              <a:t>of</a:t>
-            </a:r>
-            <a:r>
-              <a:rPr lang="de-DE" dirty="0"/>
-              <a:t> Arrival</a:t>
-            </a:r>
-          </a:p>
-        </p:txBody>
-      </p:sp>
-      <p:sp>
-        <p:nvSpPr>
-          <p:cNvPr id="14" name="Datumsplatzhalter 13"/>
-          <p:cNvSpPr>
-            <a:spLocks noGrp="1"/>
-          </p:cNvSpPr>
-          <p:nvPr>
-            <p:ph type="dt" sz="half" idx="27"/>
-          </p:nvPr>
-        </p:nvSpPr>
-        <p:spPr/>
-        <p:txBody>
-          <a:bodyPr/>
-          <a:lstStyle/>
-          <a:p>
-            <a:fld id="{0AB88BE9-527A-4EE8-B68E-73F71DBEB556}" type="datetime1">
-              <a:rPr lang="de-DE" smtClean="0"/>
-              <a:t>19.01.2020</a:t>
-            </a:fld>
-            <a:endParaRPr lang="de-DE" dirty="0"/>
-          </a:p>
-        </p:txBody>
-      </p:sp>
-      <p:sp>
-        <p:nvSpPr>
-          <p:cNvPr id="15" name="Fußzeilenplatzhalter 14"/>
-          <p:cNvSpPr>
-            <a:spLocks noGrp="1"/>
-          </p:cNvSpPr>
-          <p:nvPr>
-            <p:ph type="ftr" sz="quarter" idx="28"/>
-          </p:nvPr>
-        </p:nvSpPr>
-        <p:spPr>
-          <a:xfrm>
-            <a:off x="1965072" y="4812372"/>
-            <a:ext cx="2304256" cy="273844"/>
-          </a:xfrm>
-        </p:spPr>
-        <p:txBody>
-          <a:bodyPr/>
-          <a:lstStyle/>
-          <a:p>
-            <a:r>
-              <a:rPr lang="de-DE" dirty="0" smtClean="0"/>
-              <a:t>Oliver Koepp</a:t>
+              <a:t>2</a:t>
+            </a:r>
+            <a:r>
+              <a:rPr lang="de-DE" dirty="0" smtClean="0"/>
+              <a:t>4.01.2020</a:t>
             </a:r>
             <a:endParaRPr lang="de-DE" dirty="0"/>
           </a:p>
@@ -11533,6 +11360,129 @@
           <a:p>
             <a:pPr lvl="1"/>
             <a:endParaRPr lang="de-DE" dirty="0" smtClean="0"/>
+          </a:p>
+        </p:txBody>
+      </p:sp>
+      <p:sp>
+        <p:nvSpPr>
+          <p:cNvPr id="7" name="Datumsplatzhalter 13"/>
+          <p:cNvSpPr txBox="1">
+            <a:spLocks/>
+          </p:cNvSpPr>
+          <p:nvPr/>
+        </p:nvSpPr>
+        <p:spPr>
+          <a:xfrm>
+            <a:off x="7020272" y="4818186"/>
+            <a:ext cx="792088" cy="273844"/>
+          </a:xfrm>
+          <a:prstGeom prst="rect">
+            <a:avLst/>
+          </a:prstGeom>
+        </p:spPr>
+        <p:txBody>
+          <a:bodyPr vert="horz" lIns="0" tIns="0" rIns="0" bIns="0" rtlCol="0" anchor="ctr"/>
+          <a:lstStyle>
+            <a:defPPr>
+              <a:defRPr lang="de-DE"/>
+            </a:defPPr>
+            <a:lvl1pPr marL="0" algn="l" defTabSz="914400" rtl="0" eaLnBrk="1" latinLnBrk="0" hangingPunct="1">
+              <a:defRPr sz="900" kern="1200">
+                <a:solidFill>
+                  <a:schemeClr val="bg1"/>
+                </a:solidFill>
+                <a:latin typeface="+mn-lt"/>
+                <a:ea typeface="+mn-ea"/>
+                <a:cs typeface="+mn-cs"/>
+              </a:defRPr>
+            </a:lvl1pPr>
+            <a:lvl2pPr marL="457200" algn="l" defTabSz="914400" rtl="0" eaLnBrk="1" latinLnBrk="0" hangingPunct="1">
+              <a:defRPr sz="1800" kern="1200">
+                <a:solidFill>
+                  <a:schemeClr val="tx1"/>
+                </a:solidFill>
+                <a:latin typeface="+mn-lt"/>
+                <a:ea typeface="+mn-ea"/>
+                <a:cs typeface="+mn-cs"/>
+              </a:defRPr>
+            </a:lvl2pPr>
+            <a:lvl3pPr marL="914400" algn="l" defTabSz="914400" rtl="0" eaLnBrk="1" latinLnBrk="0" hangingPunct="1">
+              <a:defRPr sz="1800" kern="1200">
+                <a:solidFill>
+                  <a:schemeClr val="tx1"/>
+                </a:solidFill>
+                <a:latin typeface="+mn-lt"/>
+                <a:ea typeface="+mn-ea"/>
+                <a:cs typeface="+mn-cs"/>
+              </a:defRPr>
+            </a:lvl3pPr>
+            <a:lvl4pPr marL="1371600" algn="l" defTabSz="914400" rtl="0" eaLnBrk="1" latinLnBrk="0" hangingPunct="1">
+              <a:defRPr sz="1800" kern="1200">
+                <a:solidFill>
+                  <a:schemeClr val="tx1"/>
+                </a:solidFill>
+                <a:latin typeface="+mn-lt"/>
+                <a:ea typeface="+mn-ea"/>
+                <a:cs typeface="+mn-cs"/>
+              </a:defRPr>
+            </a:lvl4pPr>
+            <a:lvl5pPr marL="1828800" algn="l" defTabSz="914400" rtl="0" eaLnBrk="1" latinLnBrk="0" hangingPunct="1">
+              <a:defRPr sz="1800" kern="1200">
+                <a:solidFill>
+                  <a:schemeClr val="tx1"/>
+                </a:solidFill>
+                <a:latin typeface="+mn-lt"/>
+                <a:ea typeface="+mn-ea"/>
+                <a:cs typeface="+mn-cs"/>
+              </a:defRPr>
+            </a:lvl5pPr>
+            <a:lvl6pPr marL="2286000" algn="l" defTabSz="914400" rtl="0" eaLnBrk="1" latinLnBrk="0" hangingPunct="1">
+              <a:defRPr sz="1800" kern="1200">
+                <a:solidFill>
+                  <a:schemeClr val="tx1"/>
+                </a:solidFill>
+                <a:latin typeface="+mn-lt"/>
+                <a:ea typeface="+mn-ea"/>
+                <a:cs typeface="+mn-cs"/>
+              </a:defRPr>
+            </a:lvl6pPr>
+            <a:lvl7pPr marL="2743200" algn="l" defTabSz="914400" rtl="0" eaLnBrk="1" latinLnBrk="0" hangingPunct="1">
+              <a:defRPr sz="1800" kern="1200">
+                <a:solidFill>
+                  <a:schemeClr val="tx1"/>
+                </a:solidFill>
+                <a:latin typeface="+mn-lt"/>
+                <a:ea typeface="+mn-ea"/>
+                <a:cs typeface="+mn-cs"/>
+              </a:defRPr>
+            </a:lvl7pPr>
+            <a:lvl8pPr marL="3200400" algn="l" defTabSz="914400" rtl="0" eaLnBrk="1" latinLnBrk="0" hangingPunct="1">
+              <a:defRPr sz="1800" kern="1200">
+                <a:solidFill>
+                  <a:schemeClr val="tx1"/>
+                </a:solidFill>
+                <a:latin typeface="+mn-lt"/>
+                <a:ea typeface="+mn-ea"/>
+                <a:cs typeface="+mn-cs"/>
+              </a:defRPr>
+            </a:lvl8pPr>
+            <a:lvl9pPr marL="3657600" algn="l" defTabSz="914400" rtl="0" eaLnBrk="1" latinLnBrk="0" hangingPunct="1">
+              <a:defRPr sz="1800" kern="1200">
+                <a:solidFill>
+                  <a:schemeClr val="tx1"/>
+                </a:solidFill>
+                <a:latin typeface="+mn-lt"/>
+                <a:ea typeface="+mn-ea"/>
+                <a:cs typeface="+mn-cs"/>
+              </a:defRPr>
+            </a:lvl9pPr>
+          </a:lstStyle>
+          <a:p>
+            <a:r>
+              <a:rPr lang="de-DE" dirty="0" smtClean="0"/>
+              <a:t>Seite 15 / 15</a:t>
+            </a:r>
+            <a:endParaRPr lang="de-DE" dirty="0"/>
           </a:p>
         </p:txBody>
       </p:sp>
@@ -11556,7 +11506,7 @@
 </p:sld>
 </file>
 
-<file path=ppt/slides/slide18.xml><?xml version="1.0" encoding="utf-8"?>
+<file path=ppt/slides/slide17.xml><?xml version="1.0" encoding="utf-8"?>
 <p:sld xmlns:a="http://schemas.openxmlformats.org/drawingml/2006/main" xmlns:r="http://schemas.openxmlformats.org/officeDocument/2006/relationships" xmlns:p="http://schemas.openxmlformats.org/presentationml/2006/main">
   <p:cSld>
     <p:spTree>
@@ -11640,100 +11590,6 @@
       </p:sp>
       <p:sp>
         <p:nvSpPr>
-          <p:cNvPr id="3" name="Textplatzhalter 2"/>
-          <p:cNvSpPr>
-            <a:spLocks noGrp="1"/>
-          </p:cNvSpPr>
-          <p:nvPr>
-            <p:ph type="body" sz="quarter" idx="14"/>
-          </p:nvPr>
-        </p:nvSpPr>
-        <p:spPr>
-          <a:xfrm>
-            <a:off x="3059832" y="4847158"/>
-            <a:ext cx="4752527" cy="215900"/>
-          </a:xfrm>
-        </p:spPr>
-        <p:txBody>
-          <a:bodyPr/>
-          <a:lstStyle/>
-          <a:p>
-            <a:r>
-              <a:rPr lang="de-DE" dirty="0"/>
-              <a:t>Positionsbestimmung drahtloser mobiler eingebetteter Systeme mittels Time </a:t>
-            </a:r>
-            <a:r>
-              <a:rPr lang="de-DE" dirty="0" err="1"/>
-              <a:t>Difference</a:t>
-            </a:r>
-            <a:r>
-              <a:rPr lang="de-DE" dirty="0"/>
-              <a:t> </a:t>
-            </a:r>
-            <a:r>
-              <a:rPr lang="de-DE" dirty="0" err="1"/>
-              <a:t>of</a:t>
-            </a:r>
-            <a:r>
-              <a:rPr lang="de-DE" dirty="0"/>
-              <a:t> Arrival</a:t>
-            </a:r>
-          </a:p>
-        </p:txBody>
-      </p:sp>
-      <p:sp>
-        <p:nvSpPr>
-          <p:cNvPr id="14" name="Datumsplatzhalter 13"/>
-          <p:cNvSpPr>
-            <a:spLocks noGrp="1"/>
-          </p:cNvSpPr>
-          <p:nvPr>
-            <p:ph type="dt" sz="half" idx="27"/>
-          </p:nvPr>
-        </p:nvSpPr>
-        <p:spPr/>
-        <p:txBody>
-          <a:bodyPr/>
-          <a:lstStyle/>
-          <a:p>
-            <a:r>
-              <a:rPr lang="de-DE" dirty="0" smtClean="0"/>
-              <a:t>24.01.2020</a:t>
-            </a:r>
-            <a:endParaRPr lang="de-DE" dirty="0"/>
-          </a:p>
-        </p:txBody>
-      </p:sp>
-      <p:sp>
-        <p:nvSpPr>
-          <p:cNvPr id="15" name="Fußzeilenplatzhalter 14"/>
-          <p:cNvSpPr>
-            <a:spLocks noGrp="1"/>
-          </p:cNvSpPr>
-          <p:nvPr>
-            <p:ph type="ftr" sz="quarter" idx="28"/>
-          </p:nvPr>
-        </p:nvSpPr>
-        <p:spPr>
-          <a:xfrm>
-            <a:off x="1965072" y="4812372"/>
-            <a:ext cx="2304256" cy="273844"/>
-          </a:xfrm>
-        </p:spPr>
-        <p:txBody>
-          <a:bodyPr/>
-          <a:lstStyle/>
-          <a:p>
-            <a:r>
-              <a:rPr lang="de-DE" dirty="0" smtClean="0"/>
-              <a:t>Oliver Koepp</a:t>
-            </a:r>
-            <a:endParaRPr lang="de-DE" dirty="0"/>
-          </a:p>
-        </p:txBody>
-      </p:sp>
-      <p:sp>
-        <p:nvSpPr>
           <p:cNvPr id="26" name="Textfeld 25"/>
           <p:cNvSpPr txBox="1"/>
           <p:nvPr/>
@@ -11772,7 +11628,6 @@
               <a:rPr lang="de-DE" dirty="0" smtClean="0"/>
               <a:t>Grundlagen</a:t>
             </a:r>
-            <a:endParaRPr lang="de-DE" dirty="0" smtClean="0"/>
           </a:p>
           <a:p>
             <a:pPr marL="285750" indent="-285750">
@@ -11826,7 +11681,200 @@
               <a:rPr lang="de-DE" dirty="0" smtClean="0"/>
               <a:t>Praktische Durchführung</a:t>
             </a:r>
-            <a:endParaRPr lang="de-DE" dirty="0" smtClean="0"/>
+          </a:p>
+        </p:txBody>
+      </p:sp>
+      <p:sp>
+        <p:nvSpPr>
+          <p:cNvPr id="10" name="Textplatzhalter 2"/>
+          <p:cNvSpPr>
+            <a:spLocks noGrp="1"/>
+          </p:cNvSpPr>
+          <p:nvPr>
+            <p:ph type="body" sz="quarter" idx="14"/>
+          </p:nvPr>
+        </p:nvSpPr>
+        <p:spPr>
+          <a:xfrm>
+            <a:off x="1619672" y="4818186"/>
+            <a:ext cx="4752527" cy="215900"/>
+          </a:xfrm>
+        </p:spPr>
+        <p:txBody>
+          <a:bodyPr/>
+          <a:lstStyle/>
+          <a:p>
+            <a:r>
+              <a:rPr lang="de-DE" dirty="0"/>
+              <a:t>Positionsbestimmung drahtloser mobiler eingebetteter Systeme mittels Time </a:t>
+            </a:r>
+            <a:r>
+              <a:rPr lang="de-DE" dirty="0" err="1"/>
+              <a:t>Difference</a:t>
+            </a:r>
+            <a:r>
+              <a:rPr lang="de-DE" dirty="0"/>
+              <a:t> </a:t>
+            </a:r>
+            <a:r>
+              <a:rPr lang="de-DE" dirty="0" err="1"/>
+              <a:t>of</a:t>
+            </a:r>
+            <a:r>
+              <a:rPr lang="de-DE" dirty="0"/>
+              <a:t> Arrival</a:t>
+            </a:r>
+          </a:p>
+        </p:txBody>
+      </p:sp>
+      <p:sp>
+        <p:nvSpPr>
+          <p:cNvPr id="11" name="Datumsplatzhalter 13"/>
+          <p:cNvSpPr>
+            <a:spLocks noGrp="1"/>
+          </p:cNvSpPr>
+          <p:nvPr>
+            <p:ph type="dt" sz="half" idx="27"/>
+          </p:nvPr>
+        </p:nvSpPr>
+        <p:spPr>
+          <a:xfrm>
+            <a:off x="881608" y="4818186"/>
+            <a:ext cx="1098104" cy="273844"/>
+          </a:xfrm>
+        </p:spPr>
+        <p:txBody>
+          <a:bodyPr/>
+          <a:lstStyle/>
+          <a:p>
+            <a:r>
+              <a:rPr lang="de-DE" dirty="0" smtClean="0"/>
+              <a:t>24.01.2020</a:t>
+            </a:r>
+            <a:endParaRPr lang="de-DE" dirty="0"/>
+          </a:p>
+        </p:txBody>
+      </p:sp>
+      <p:sp>
+        <p:nvSpPr>
+          <p:cNvPr id="12" name="Datumsplatzhalter 13"/>
+          <p:cNvSpPr txBox="1">
+            <a:spLocks/>
+          </p:cNvSpPr>
+          <p:nvPr/>
+        </p:nvSpPr>
+        <p:spPr>
+          <a:xfrm>
+            <a:off x="7020272" y="4818186"/>
+            <a:ext cx="792088" cy="273844"/>
+          </a:xfrm>
+          <a:prstGeom prst="rect">
+            <a:avLst/>
+          </a:prstGeom>
+        </p:spPr>
+        <p:txBody>
+          <a:bodyPr vert="horz" lIns="0" tIns="0" rIns="0" bIns="0" rtlCol="0" anchor="ctr"/>
+          <a:lstStyle>
+            <a:defPPr>
+              <a:defRPr lang="de-DE"/>
+            </a:defPPr>
+            <a:lvl1pPr marL="0" algn="l" defTabSz="914400" rtl="0" eaLnBrk="1" latinLnBrk="0" hangingPunct="1">
+              <a:defRPr sz="900" kern="1200">
+                <a:solidFill>
+                  <a:schemeClr val="bg1"/>
+                </a:solidFill>
+                <a:latin typeface="+mn-lt"/>
+                <a:ea typeface="+mn-ea"/>
+                <a:cs typeface="+mn-cs"/>
+              </a:defRPr>
+            </a:lvl1pPr>
+            <a:lvl2pPr marL="457200" algn="l" defTabSz="914400" rtl="0" eaLnBrk="1" latinLnBrk="0" hangingPunct="1">
+              <a:defRPr sz="1800" kern="1200">
+                <a:solidFill>
+                  <a:schemeClr val="tx1"/>
+                </a:solidFill>
+                <a:latin typeface="+mn-lt"/>
+                <a:ea typeface="+mn-ea"/>
+                <a:cs typeface="+mn-cs"/>
+              </a:defRPr>
+            </a:lvl2pPr>
+            <a:lvl3pPr marL="914400" algn="l" defTabSz="914400" rtl="0" eaLnBrk="1" latinLnBrk="0" hangingPunct="1">
+              <a:defRPr sz="1800" kern="1200">
+                <a:solidFill>
+                  <a:schemeClr val="tx1"/>
+                </a:solidFill>
+                <a:latin typeface="+mn-lt"/>
+                <a:ea typeface="+mn-ea"/>
+                <a:cs typeface="+mn-cs"/>
+              </a:defRPr>
+            </a:lvl3pPr>
+            <a:lvl4pPr marL="1371600" algn="l" defTabSz="914400" rtl="0" eaLnBrk="1" latinLnBrk="0" hangingPunct="1">
+              <a:defRPr sz="1800" kern="1200">
+                <a:solidFill>
+                  <a:schemeClr val="tx1"/>
+                </a:solidFill>
+                <a:latin typeface="+mn-lt"/>
+                <a:ea typeface="+mn-ea"/>
+                <a:cs typeface="+mn-cs"/>
+              </a:defRPr>
+            </a:lvl4pPr>
+            <a:lvl5pPr marL="1828800" algn="l" defTabSz="914400" rtl="0" eaLnBrk="1" latinLnBrk="0" hangingPunct="1">
+              <a:defRPr sz="1800" kern="1200">
+                <a:solidFill>
+                  <a:schemeClr val="tx1"/>
+                </a:solidFill>
+                <a:latin typeface="+mn-lt"/>
+                <a:ea typeface="+mn-ea"/>
+                <a:cs typeface="+mn-cs"/>
+              </a:defRPr>
+            </a:lvl5pPr>
+            <a:lvl6pPr marL="2286000" algn="l" defTabSz="914400" rtl="0" eaLnBrk="1" latinLnBrk="0" hangingPunct="1">
+              <a:defRPr sz="1800" kern="1200">
+                <a:solidFill>
+                  <a:schemeClr val="tx1"/>
+                </a:solidFill>
+                <a:latin typeface="+mn-lt"/>
+                <a:ea typeface="+mn-ea"/>
+                <a:cs typeface="+mn-cs"/>
+              </a:defRPr>
+            </a:lvl6pPr>
+            <a:lvl7pPr marL="2743200" algn="l" defTabSz="914400" rtl="0" eaLnBrk="1" latinLnBrk="0" hangingPunct="1">
+              <a:defRPr sz="1800" kern="1200">
+                <a:solidFill>
+                  <a:schemeClr val="tx1"/>
+                </a:solidFill>
+                <a:latin typeface="+mn-lt"/>
+                <a:ea typeface="+mn-ea"/>
+                <a:cs typeface="+mn-cs"/>
+              </a:defRPr>
+            </a:lvl7pPr>
+            <a:lvl8pPr marL="3200400" algn="l" defTabSz="914400" rtl="0" eaLnBrk="1" latinLnBrk="0" hangingPunct="1">
+              <a:defRPr sz="1800" kern="1200">
+                <a:solidFill>
+                  <a:schemeClr val="tx1"/>
+                </a:solidFill>
+                <a:latin typeface="+mn-lt"/>
+                <a:ea typeface="+mn-ea"/>
+                <a:cs typeface="+mn-cs"/>
+              </a:defRPr>
+            </a:lvl8pPr>
+            <a:lvl9pPr marL="3657600" algn="l" defTabSz="914400" rtl="0" eaLnBrk="1" latinLnBrk="0" hangingPunct="1">
+              <a:defRPr sz="1800" kern="1200">
+                <a:solidFill>
+                  <a:schemeClr val="tx1"/>
+                </a:solidFill>
+                <a:latin typeface="+mn-lt"/>
+                <a:ea typeface="+mn-ea"/>
+                <a:cs typeface="+mn-cs"/>
+              </a:defRPr>
+            </a:lvl9pPr>
+          </a:lstStyle>
+          <a:p>
+            <a:r>
+              <a:rPr lang="de-DE" dirty="0" smtClean="0"/>
+              <a:t>Seite 1 / 15</a:t>
+            </a:r>
+            <a:endParaRPr lang="de-DE" dirty="0"/>
           </a:p>
         </p:txBody>
       </p:sp>
@@ -11897,77 +11945,6 @@
       </p:sp>
       <p:sp>
         <p:nvSpPr>
-          <p:cNvPr id="3" name="Textplatzhalter 2"/>
-          <p:cNvSpPr>
-            <a:spLocks noGrp="1"/>
-          </p:cNvSpPr>
-          <p:nvPr>
-            <p:ph type="body" sz="quarter" idx="14"/>
-          </p:nvPr>
-        </p:nvSpPr>
-        <p:spPr>
-          <a:xfrm>
-            <a:off x="3059832" y="4847158"/>
-            <a:ext cx="4752527" cy="215900"/>
-          </a:xfrm>
-        </p:spPr>
-        <p:txBody>
-          <a:bodyPr/>
-          <a:lstStyle/>
-          <a:p>
-            <a:r>
-              <a:rPr lang="de-DE" dirty="0"/>
-              <a:t>Positionsbestimmung drahtloser mobiler eingebetteter Systeme mittels Time </a:t>
-            </a:r>
-            <a:r>
-              <a:rPr lang="de-DE" dirty="0" err="1"/>
-              <a:t>Difference</a:t>
-            </a:r>
-            <a:r>
-              <a:rPr lang="de-DE" dirty="0"/>
-              <a:t> </a:t>
-            </a:r>
-            <a:r>
-              <a:rPr lang="de-DE" dirty="0" err="1"/>
-              <a:t>of</a:t>
-            </a:r>
-            <a:r>
-              <a:rPr lang="de-DE" dirty="0"/>
-              <a:t> Arrival</a:t>
-            </a:r>
-          </a:p>
-        </p:txBody>
-      </p:sp>
-      <p:sp>
-        <p:nvSpPr>
-          <p:cNvPr id="15" name="Fußzeilenplatzhalter 14"/>
-          <p:cNvSpPr>
-            <a:spLocks noGrp="1"/>
-          </p:cNvSpPr>
-          <p:nvPr>
-            <p:ph type="ftr" sz="quarter" idx="28"/>
-          </p:nvPr>
-        </p:nvSpPr>
-        <p:spPr>
-          <a:xfrm>
-            <a:off x="1965072" y="4812372"/>
-            <a:ext cx="2304256" cy="273844"/>
-          </a:xfrm>
-        </p:spPr>
-        <p:txBody>
-          <a:bodyPr/>
-          <a:lstStyle/>
-          <a:p>
-            <a:r>
-              <a:rPr lang="de-DE" dirty="0" smtClean="0"/>
-              <a:t>Oliver Koepp</a:t>
-            </a:r>
-            <a:endParaRPr lang="de-DE" dirty="0"/>
-          </a:p>
-        </p:txBody>
-      </p:sp>
-      <p:sp>
-        <p:nvSpPr>
           <p:cNvPr id="26" name="Textfeld 25"/>
           <p:cNvSpPr txBox="1"/>
           <p:nvPr/>
@@ -12022,16 +11999,24 @@
             </a:r>
           </a:p>
           <a:p>
-            <a:endParaRPr lang="de-DE" dirty="0" smtClean="0"/>
-          </a:p>
-          <a:p>
             <a:pPr marL="285750" indent="-285750">
               <a:buFont typeface="Arial" panose="020B0604020202020204" pitchFamily="34" charset="0"/>
               <a:buChar char="•"/>
             </a:pPr>
+            <a:endParaRPr lang="de-DE" dirty="0" smtClean="0"/>
+          </a:p>
+          <a:p>
+            <a:pPr marL="285750" indent="-285750">
+              <a:buFont typeface="Arial" panose="020B0604020202020204" pitchFamily="34" charset="0"/>
+              <a:buChar char="•"/>
+            </a:pPr>
+            <a:r>
+              <a:rPr lang="de-DE" dirty="0" smtClean="0"/>
+              <a:t>Kommunikation </a:t>
+            </a:r>
             <a:r>
               <a:rPr lang="de-DE" dirty="0"/>
-              <a:t>Kommunikation zwischen Master und Slave</a:t>
+              <a:t>zwischen Master und Slave</a:t>
             </a:r>
           </a:p>
           <a:p>
@@ -12119,7 +12104,50 @@
       </p:sp>
       <p:sp>
         <p:nvSpPr>
-          <p:cNvPr id="7" name="Datumsplatzhalter 13"/>
+          <p:cNvPr id="8" name="Textplatzhalter 2"/>
+          <p:cNvSpPr>
+            <a:spLocks noGrp="1"/>
+          </p:cNvSpPr>
+          <p:nvPr>
+            <p:ph type="body" sz="quarter" idx="14"/>
+          </p:nvPr>
+        </p:nvSpPr>
+        <p:spPr>
+          <a:xfrm>
+            <a:off x="1619672" y="4818186"/>
+            <a:ext cx="4752527" cy="215900"/>
+          </a:xfrm>
+        </p:spPr>
+        <p:txBody>
+          <a:bodyPr/>
+          <a:lstStyle/>
+          <a:p>
+            <a:r>
+              <a:rPr lang="de-DE" dirty="0"/>
+              <a:t>Positionsbestimmung drahtloser mobiler eingebetteter Systeme mittels Time </a:t>
+            </a:r>
+            <a:r>
+              <a:rPr lang="de-DE" dirty="0" err="1"/>
+              <a:t>Difference</a:t>
+            </a:r>
+            <a:r>
+              <a:rPr lang="de-DE" dirty="0"/>
+              <a:t> </a:t>
+            </a:r>
+            <a:r>
+              <a:rPr lang="de-DE" dirty="0" err="1"/>
+              <a:t>of</a:t>
+            </a:r>
+            <a:r>
+              <a:rPr lang="de-DE" dirty="0"/>
+              <a:t> Arrival</a:t>
+            </a:r>
+          </a:p>
+        </p:txBody>
+      </p:sp>
+      <p:sp>
+        <p:nvSpPr>
+          <p:cNvPr id="9" name="Datumsplatzhalter 13"/>
           <p:cNvSpPr>
             <a:spLocks noGrp="1"/>
           </p:cNvSpPr>
@@ -12140,6 +12168,129 @@
             <a:r>
               <a:rPr lang="de-DE" dirty="0" smtClean="0"/>
               <a:t>24.01.2020</a:t>
+            </a:r>
+            <a:endParaRPr lang="de-DE" dirty="0"/>
+          </a:p>
+        </p:txBody>
+      </p:sp>
+      <p:sp>
+        <p:nvSpPr>
+          <p:cNvPr id="10" name="Datumsplatzhalter 13"/>
+          <p:cNvSpPr txBox="1">
+            <a:spLocks/>
+          </p:cNvSpPr>
+          <p:nvPr/>
+        </p:nvSpPr>
+        <p:spPr>
+          <a:xfrm>
+            <a:off x="7020272" y="4818186"/>
+            <a:ext cx="792088" cy="273844"/>
+          </a:xfrm>
+          <a:prstGeom prst="rect">
+            <a:avLst/>
+          </a:prstGeom>
+        </p:spPr>
+        <p:txBody>
+          <a:bodyPr vert="horz" lIns="0" tIns="0" rIns="0" bIns="0" rtlCol="0" anchor="ctr"/>
+          <a:lstStyle>
+            <a:defPPr>
+              <a:defRPr lang="de-DE"/>
+            </a:defPPr>
+            <a:lvl1pPr marL="0" algn="l" defTabSz="914400" rtl="0" eaLnBrk="1" latinLnBrk="0" hangingPunct="1">
+              <a:defRPr sz="900" kern="1200">
+                <a:solidFill>
+                  <a:schemeClr val="bg1"/>
+                </a:solidFill>
+                <a:latin typeface="+mn-lt"/>
+                <a:ea typeface="+mn-ea"/>
+                <a:cs typeface="+mn-cs"/>
+              </a:defRPr>
+            </a:lvl1pPr>
+            <a:lvl2pPr marL="457200" algn="l" defTabSz="914400" rtl="0" eaLnBrk="1" latinLnBrk="0" hangingPunct="1">
+              <a:defRPr sz="1800" kern="1200">
+                <a:solidFill>
+                  <a:schemeClr val="tx1"/>
+                </a:solidFill>
+                <a:latin typeface="+mn-lt"/>
+                <a:ea typeface="+mn-ea"/>
+                <a:cs typeface="+mn-cs"/>
+              </a:defRPr>
+            </a:lvl2pPr>
+            <a:lvl3pPr marL="914400" algn="l" defTabSz="914400" rtl="0" eaLnBrk="1" latinLnBrk="0" hangingPunct="1">
+              <a:defRPr sz="1800" kern="1200">
+                <a:solidFill>
+                  <a:schemeClr val="tx1"/>
+                </a:solidFill>
+                <a:latin typeface="+mn-lt"/>
+                <a:ea typeface="+mn-ea"/>
+                <a:cs typeface="+mn-cs"/>
+              </a:defRPr>
+            </a:lvl3pPr>
+            <a:lvl4pPr marL="1371600" algn="l" defTabSz="914400" rtl="0" eaLnBrk="1" latinLnBrk="0" hangingPunct="1">
+              <a:defRPr sz="1800" kern="1200">
+                <a:solidFill>
+                  <a:schemeClr val="tx1"/>
+                </a:solidFill>
+                <a:latin typeface="+mn-lt"/>
+                <a:ea typeface="+mn-ea"/>
+                <a:cs typeface="+mn-cs"/>
+              </a:defRPr>
+            </a:lvl4pPr>
+            <a:lvl5pPr marL="1828800" algn="l" defTabSz="914400" rtl="0" eaLnBrk="1" latinLnBrk="0" hangingPunct="1">
+              <a:defRPr sz="1800" kern="1200">
+                <a:solidFill>
+                  <a:schemeClr val="tx1"/>
+                </a:solidFill>
+                <a:latin typeface="+mn-lt"/>
+                <a:ea typeface="+mn-ea"/>
+                <a:cs typeface="+mn-cs"/>
+              </a:defRPr>
+            </a:lvl5pPr>
+            <a:lvl6pPr marL="2286000" algn="l" defTabSz="914400" rtl="0" eaLnBrk="1" latinLnBrk="0" hangingPunct="1">
+              <a:defRPr sz="1800" kern="1200">
+                <a:solidFill>
+                  <a:schemeClr val="tx1"/>
+                </a:solidFill>
+                <a:latin typeface="+mn-lt"/>
+                <a:ea typeface="+mn-ea"/>
+                <a:cs typeface="+mn-cs"/>
+              </a:defRPr>
+            </a:lvl6pPr>
+            <a:lvl7pPr marL="2743200" algn="l" defTabSz="914400" rtl="0" eaLnBrk="1" latinLnBrk="0" hangingPunct="1">
+              <a:defRPr sz="1800" kern="1200">
+                <a:solidFill>
+                  <a:schemeClr val="tx1"/>
+                </a:solidFill>
+                <a:latin typeface="+mn-lt"/>
+                <a:ea typeface="+mn-ea"/>
+                <a:cs typeface="+mn-cs"/>
+              </a:defRPr>
+            </a:lvl7pPr>
+            <a:lvl8pPr marL="3200400" algn="l" defTabSz="914400" rtl="0" eaLnBrk="1" latinLnBrk="0" hangingPunct="1">
+              <a:defRPr sz="1800" kern="1200">
+                <a:solidFill>
+                  <a:schemeClr val="tx1"/>
+                </a:solidFill>
+                <a:latin typeface="+mn-lt"/>
+                <a:ea typeface="+mn-ea"/>
+                <a:cs typeface="+mn-cs"/>
+              </a:defRPr>
+            </a:lvl8pPr>
+            <a:lvl9pPr marL="3657600" algn="l" defTabSz="914400" rtl="0" eaLnBrk="1" latinLnBrk="0" hangingPunct="1">
+              <a:defRPr sz="1800" kern="1200">
+                <a:solidFill>
+                  <a:schemeClr val="tx1"/>
+                </a:solidFill>
+                <a:latin typeface="+mn-lt"/>
+                <a:ea typeface="+mn-ea"/>
+                <a:cs typeface="+mn-cs"/>
+              </a:defRPr>
+            </a:lvl9pPr>
+          </a:lstStyle>
+          <a:p>
+            <a:r>
+              <a:rPr lang="de-DE" dirty="0" smtClean="0"/>
+              <a:t>Seite 2 / 15</a:t>
             </a:r>
             <a:endParaRPr lang="de-DE" dirty="0"/>
           </a:p>
@@ -12184,108 +12335,6 @@
       </p:grpSpPr>
       <p:sp>
         <p:nvSpPr>
-          <p:cNvPr id="2" name="Titel 1"/>
-          <p:cNvSpPr>
-            <a:spLocks noGrp="1"/>
-          </p:cNvSpPr>
-          <p:nvPr>
-            <p:ph type="title"/>
-          </p:nvPr>
-        </p:nvSpPr>
-        <p:spPr>
-          <a:xfrm>
-            <a:off x="683568" y="627534"/>
-            <a:ext cx="7961656" cy="1095654"/>
-          </a:xfrm>
-        </p:spPr>
-        <p:txBody>
-          <a:bodyPr/>
-          <a:lstStyle/>
-          <a:p>
-            <a:r>
-              <a:rPr lang="de-DE" dirty="0" smtClean="0"/>
-              <a:t>Grundlagen </a:t>
-            </a:r>
-            <a:r>
-              <a:rPr lang="de-DE" dirty="0"/>
-              <a:t>– Master /Slave </a:t>
-            </a:r>
-          </a:p>
-        </p:txBody>
-      </p:sp>
-      <p:sp>
-        <p:nvSpPr>
-          <p:cNvPr id="3" name="Textplatzhalter 2"/>
-          <p:cNvSpPr>
-            <a:spLocks noGrp="1"/>
-          </p:cNvSpPr>
-          <p:nvPr>
-            <p:ph type="body" sz="quarter" idx="14"/>
-          </p:nvPr>
-        </p:nvSpPr>
-        <p:spPr>
-          <a:xfrm>
-            <a:off x="3059832" y="4847158"/>
-            <a:ext cx="4752527" cy="215900"/>
-          </a:xfrm>
-        </p:spPr>
-        <p:txBody>
-          <a:bodyPr/>
-          <a:lstStyle/>
-          <a:p>
-            <a:r>
-              <a:rPr lang="de-DE" dirty="0"/>
-              <a:t>Positionsbestimmung drahtloser mobiler eingebetteter Systeme mittels Time </a:t>
-            </a:r>
-            <a:r>
-              <a:rPr lang="de-DE" dirty="0" err="1"/>
-              <a:t>Difference</a:t>
-            </a:r>
-            <a:r>
-              <a:rPr lang="de-DE" dirty="0"/>
-              <a:t> </a:t>
-            </a:r>
-            <a:r>
-              <a:rPr lang="de-DE" dirty="0" err="1"/>
-              <a:t>of</a:t>
-            </a:r>
-            <a:r>
-              <a:rPr lang="de-DE" dirty="0"/>
-              <a:t> Arrival</a:t>
-            </a:r>
-          </a:p>
-        </p:txBody>
-      </p:sp>
-      <p:sp>
-        <p:nvSpPr>
-          <p:cNvPr id="15" name="Fußzeilenplatzhalter 14"/>
-          <p:cNvSpPr>
-            <a:spLocks noGrp="1"/>
-          </p:cNvSpPr>
-          <p:nvPr>
-            <p:ph type="ftr" sz="quarter" idx="28"/>
-          </p:nvPr>
-        </p:nvSpPr>
-        <p:spPr>
-          <a:xfrm>
-            <a:off x="1965072" y="4812372"/>
-            <a:ext cx="2304256" cy="273844"/>
-          </a:xfrm>
-        </p:spPr>
-        <p:txBody>
-          <a:bodyPr/>
-          <a:lstStyle/>
-          <a:p>
-            <a:r>
-              <a:rPr lang="de-DE" dirty="0" smtClean="0"/>
-              <a:t>Oliver Koepp</a:t>
-            </a:r>
-            <a:endParaRPr lang="de-DE" dirty="0"/>
-          </a:p>
-        </p:txBody>
-      </p:sp>
-      <p:sp>
-        <p:nvSpPr>
           <p:cNvPr id="26" name="Textfeld 25"/>
           <p:cNvSpPr txBox="1"/>
           <p:nvPr/>
@@ -12355,8 +12404,8 @@
           </a:p>
           <a:p>
             <a:pPr marL="742950" lvl="1" indent="-285750">
-              <a:buFont typeface="Wingdings" panose="05000000000000000000" pitchFamily="2" charset="2"/>
-              <a:buChar char="Ø"/>
+              <a:buFont typeface="Arial" panose="020B0604020202020204" pitchFamily="34" charset="0"/>
+              <a:buChar char="•"/>
             </a:pPr>
             <a:r>
               <a:rPr lang="de-DE" dirty="0" smtClean="0"/>
@@ -12365,8 +12414,8 @@
           </a:p>
           <a:p>
             <a:pPr marL="742950" lvl="1" indent="-285750">
-              <a:buFont typeface="Wingdings" panose="05000000000000000000" pitchFamily="2" charset="2"/>
-              <a:buChar char="Ø"/>
+              <a:buFont typeface="Arial" panose="020B0604020202020204" pitchFamily="34" charset="0"/>
+              <a:buChar char="•"/>
             </a:pPr>
             <a:r>
               <a:rPr lang="de-DE" dirty="0" smtClean="0"/>
@@ -12375,18 +12424,8 @@
           </a:p>
           <a:p>
             <a:pPr marL="742950" lvl="1" indent="-285750">
-              <a:buFont typeface="Wingdings" panose="05000000000000000000" pitchFamily="2" charset="2"/>
-              <a:buChar char="Ø"/>
-            </a:pPr>
-            <a:r>
-              <a:rPr lang="de-DE" dirty="0" smtClean="0"/>
-              <a:t>Multithreading</a:t>
-            </a:r>
-          </a:p>
-          <a:p>
-            <a:pPr marL="742950" lvl="1" indent="-285750">
-              <a:buFont typeface="Wingdings" panose="05000000000000000000" pitchFamily="2" charset="2"/>
-              <a:buChar char="Ø"/>
+              <a:buFont typeface="Arial" panose="020B0604020202020204" pitchFamily="34" charset="0"/>
+              <a:buChar char="•"/>
             </a:pPr>
             <a:r>
               <a:rPr lang="de-DE" dirty="0" smtClean="0"/>
@@ -12440,8 +12479,8 @@
           </a:p>
           <a:p>
             <a:pPr marL="742950" lvl="2" indent="-285750">
-              <a:buFont typeface="Wingdings" panose="05000000000000000000" pitchFamily="2" charset="2"/>
-              <a:buChar char="Ø"/>
+              <a:buFont typeface="Arial" panose="020B0604020202020204" pitchFamily="34" charset="0"/>
+              <a:buChar char="•"/>
             </a:pPr>
             <a:r>
               <a:rPr lang="de-DE" dirty="0" smtClean="0"/>
@@ -12450,8 +12489,8 @@
           </a:p>
           <a:p>
             <a:pPr marL="742950" lvl="2" indent="-285750">
-              <a:buFont typeface="Wingdings" panose="05000000000000000000" pitchFamily="2" charset="2"/>
-              <a:buChar char="Ø"/>
+              <a:buFont typeface="Arial" panose="020B0604020202020204" pitchFamily="34" charset="0"/>
+              <a:buChar char="•"/>
             </a:pPr>
             <a:r>
               <a:rPr lang="de-DE" dirty="0" smtClean="0"/>
@@ -12460,35 +12499,273 @@
           </a:p>
           <a:p>
             <a:pPr marL="742950" lvl="2" indent="-285750">
-              <a:buFont typeface="Wingdings" panose="05000000000000000000" pitchFamily="2" charset="2"/>
-              <a:buChar char="Ø"/>
+              <a:buFont typeface="Arial" panose="020B0604020202020204" pitchFamily="34" charset="0"/>
+              <a:buChar char="•"/>
             </a:pPr>
             <a:r>
               <a:rPr lang="de-DE" dirty="0" smtClean="0"/>
               <a:t>Integrierbarkeit in vorhandene Systeme</a:t>
             </a:r>
-            <a:endParaRPr lang="de-DE" dirty="0"/>
-          </a:p>
-        </p:txBody>
-      </p:sp>
-      <p:sp>
-        <p:nvSpPr>
-          <p:cNvPr id="7" name="Datumsplatzhalter 13"/>
-          <p:cNvSpPr>
-            <a:spLocks noGrp="1"/>
-          </p:cNvSpPr>
-          <p:nvPr>
-            <p:ph type="dt" sz="half" idx="27"/>
-          </p:nvPr>
-        </p:nvSpPr>
-        <p:spPr/>
+          </a:p>
+          <a:p>
+            <a:pPr marL="285750" lvl="1" indent="-285750">
+              <a:buFont typeface="Arial" panose="020B0604020202020204" pitchFamily="34" charset="0"/>
+              <a:buChar char="•"/>
+            </a:pPr>
+            <a:endParaRPr lang="de-DE" dirty="0"/>
+          </a:p>
+        </p:txBody>
+      </p:sp>
+      <p:pic>
+        <p:nvPicPr>
+          <p:cNvPr id="4" name="Grafik 3"/>
+          <p:cNvPicPr>
+            <a:picLocks noChangeAspect="1"/>
+          </p:cNvPicPr>
+          <p:nvPr/>
+        </p:nvPicPr>
+        <p:blipFill>
+          <a:blip r:embed="rId3">
+            <a:extLst>
+              <a:ext uri="{28A0092B-C50C-407E-A947-70E740481C1C}">
+                <a14:useLocalDpi xmlns:a14="http://schemas.microsoft.com/office/drawing/2010/main" val="0"/>
+              </a:ext>
+            </a:extLst>
+          </a:blip>
+          <a:stretch>
+            <a:fillRect/>
+          </a:stretch>
+        </p:blipFill>
+        <p:spPr>
+          <a:xfrm>
+            <a:off x="6228184" y="2571750"/>
+            <a:ext cx="2758440" cy="1788677"/>
+          </a:xfrm>
+          <a:prstGeom prst="rect">
+            <a:avLst/>
+          </a:prstGeom>
+        </p:spPr>
+      </p:pic>
+      <p:sp>
+        <p:nvSpPr>
+          <p:cNvPr id="2" name="Titel 1"/>
+          <p:cNvSpPr>
+            <a:spLocks noGrp="1"/>
+          </p:cNvSpPr>
+          <p:nvPr>
+            <p:ph type="title"/>
+          </p:nvPr>
+        </p:nvSpPr>
+        <p:spPr>
+          <a:xfrm>
+            <a:off x="683568" y="627534"/>
+            <a:ext cx="7961656" cy="1095654"/>
+          </a:xfrm>
+        </p:spPr>
         <p:txBody>
           <a:bodyPr/>
           <a:lstStyle/>
           <a:p>
             <a:r>
               <a:rPr lang="de-DE" dirty="0" smtClean="0"/>
+              <a:t>Grundlagen </a:t>
+            </a:r>
+            <a:r>
+              <a:rPr lang="de-DE" dirty="0"/>
+              <a:t>– Master /Slave </a:t>
+            </a:r>
+          </a:p>
+        </p:txBody>
+      </p:sp>
+      <p:sp>
+        <p:nvSpPr>
+          <p:cNvPr id="9" name="Textplatzhalter 2"/>
+          <p:cNvSpPr>
+            <a:spLocks noGrp="1"/>
+          </p:cNvSpPr>
+          <p:nvPr>
+            <p:ph type="body" sz="quarter" idx="14"/>
+          </p:nvPr>
+        </p:nvSpPr>
+        <p:spPr>
+          <a:xfrm>
+            <a:off x="1619672" y="4818186"/>
+            <a:ext cx="4752527" cy="215900"/>
+          </a:xfrm>
+        </p:spPr>
+        <p:txBody>
+          <a:bodyPr/>
+          <a:lstStyle/>
+          <a:p>
+            <a:r>
+              <a:rPr lang="de-DE" dirty="0"/>
+              <a:t>Positionsbestimmung drahtloser mobiler eingebetteter Systeme mittels Time </a:t>
+            </a:r>
+            <a:r>
+              <a:rPr lang="de-DE" dirty="0" err="1"/>
+              <a:t>Difference</a:t>
+            </a:r>
+            <a:r>
+              <a:rPr lang="de-DE" dirty="0"/>
+              <a:t> </a:t>
+            </a:r>
+            <a:r>
+              <a:rPr lang="de-DE" dirty="0" err="1"/>
+              <a:t>of</a:t>
+            </a:r>
+            <a:r>
+              <a:rPr lang="de-DE" dirty="0"/>
+              <a:t> Arrival</a:t>
+            </a:r>
+          </a:p>
+        </p:txBody>
+      </p:sp>
+      <p:sp>
+        <p:nvSpPr>
+          <p:cNvPr id="10" name="Datumsplatzhalter 13"/>
+          <p:cNvSpPr>
+            <a:spLocks noGrp="1"/>
+          </p:cNvSpPr>
+          <p:nvPr>
+            <p:ph type="dt" sz="half" idx="27"/>
+          </p:nvPr>
+        </p:nvSpPr>
+        <p:spPr>
+          <a:xfrm>
+            <a:off x="881608" y="4818186"/>
+            <a:ext cx="1098104" cy="273844"/>
+          </a:xfrm>
+        </p:spPr>
+        <p:txBody>
+          <a:bodyPr/>
+          <a:lstStyle/>
+          <a:p>
+            <a:r>
+              <a:rPr lang="de-DE" dirty="0" smtClean="0"/>
               <a:t>24.01.2020</a:t>
+            </a:r>
+            <a:endParaRPr lang="de-DE" dirty="0"/>
+          </a:p>
+        </p:txBody>
+      </p:sp>
+      <p:sp>
+        <p:nvSpPr>
+          <p:cNvPr id="11" name="Datumsplatzhalter 13"/>
+          <p:cNvSpPr txBox="1">
+            <a:spLocks/>
+          </p:cNvSpPr>
+          <p:nvPr/>
+        </p:nvSpPr>
+        <p:spPr>
+          <a:xfrm>
+            <a:off x="7020272" y="4818186"/>
+            <a:ext cx="792088" cy="273844"/>
+          </a:xfrm>
+          <a:prstGeom prst="rect">
+            <a:avLst/>
+          </a:prstGeom>
+        </p:spPr>
+        <p:txBody>
+          <a:bodyPr vert="horz" lIns="0" tIns="0" rIns="0" bIns="0" rtlCol="0" anchor="ctr"/>
+          <a:lstStyle>
+            <a:defPPr>
+              <a:defRPr lang="de-DE"/>
+            </a:defPPr>
+            <a:lvl1pPr marL="0" algn="l" defTabSz="914400" rtl="0" eaLnBrk="1" latinLnBrk="0" hangingPunct="1">
+              <a:defRPr sz="900" kern="1200">
+                <a:solidFill>
+                  <a:schemeClr val="bg1"/>
+                </a:solidFill>
+                <a:latin typeface="+mn-lt"/>
+                <a:ea typeface="+mn-ea"/>
+                <a:cs typeface="+mn-cs"/>
+              </a:defRPr>
+            </a:lvl1pPr>
+            <a:lvl2pPr marL="457200" algn="l" defTabSz="914400" rtl="0" eaLnBrk="1" latinLnBrk="0" hangingPunct="1">
+              <a:defRPr sz="1800" kern="1200">
+                <a:solidFill>
+                  <a:schemeClr val="tx1"/>
+                </a:solidFill>
+                <a:latin typeface="+mn-lt"/>
+                <a:ea typeface="+mn-ea"/>
+                <a:cs typeface="+mn-cs"/>
+              </a:defRPr>
+            </a:lvl2pPr>
+            <a:lvl3pPr marL="914400" algn="l" defTabSz="914400" rtl="0" eaLnBrk="1" latinLnBrk="0" hangingPunct="1">
+              <a:defRPr sz="1800" kern="1200">
+                <a:solidFill>
+                  <a:schemeClr val="tx1"/>
+                </a:solidFill>
+                <a:latin typeface="+mn-lt"/>
+                <a:ea typeface="+mn-ea"/>
+                <a:cs typeface="+mn-cs"/>
+              </a:defRPr>
+            </a:lvl3pPr>
+            <a:lvl4pPr marL="1371600" algn="l" defTabSz="914400" rtl="0" eaLnBrk="1" latinLnBrk="0" hangingPunct="1">
+              <a:defRPr sz="1800" kern="1200">
+                <a:solidFill>
+                  <a:schemeClr val="tx1"/>
+                </a:solidFill>
+                <a:latin typeface="+mn-lt"/>
+                <a:ea typeface="+mn-ea"/>
+                <a:cs typeface="+mn-cs"/>
+              </a:defRPr>
+            </a:lvl4pPr>
+            <a:lvl5pPr marL="1828800" algn="l" defTabSz="914400" rtl="0" eaLnBrk="1" latinLnBrk="0" hangingPunct="1">
+              <a:defRPr sz="1800" kern="1200">
+                <a:solidFill>
+                  <a:schemeClr val="tx1"/>
+                </a:solidFill>
+                <a:latin typeface="+mn-lt"/>
+                <a:ea typeface="+mn-ea"/>
+                <a:cs typeface="+mn-cs"/>
+              </a:defRPr>
+            </a:lvl5pPr>
+            <a:lvl6pPr marL="2286000" algn="l" defTabSz="914400" rtl="0" eaLnBrk="1" latinLnBrk="0" hangingPunct="1">
+              <a:defRPr sz="1800" kern="1200">
+                <a:solidFill>
+                  <a:schemeClr val="tx1"/>
+                </a:solidFill>
+                <a:latin typeface="+mn-lt"/>
+                <a:ea typeface="+mn-ea"/>
+                <a:cs typeface="+mn-cs"/>
+              </a:defRPr>
+            </a:lvl6pPr>
+            <a:lvl7pPr marL="2743200" algn="l" defTabSz="914400" rtl="0" eaLnBrk="1" latinLnBrk="0" hangingPunct="1">
+              <a:defRPr sz="1800" kern="1200">
+                <a:solidFill>
+                  <a:schemeClr val="tx1"/>
+                </a:solidFill>
+                <a:latin typeface="+mn-lt"/>
+                <a:ea typeface="+mn-ea"/>
+                <a:cs typeface="+mn-cs"/>
+              </a:defRPr>
+            </a:lvl7pPr>
+            <a:lvl8pPr marL="3200400" algn="l" defTabSz="914400" rtl="0" eaLnBrk="1" latinLnBrk="0" hangingPunct="1">
+              <a:defRPr sz="1800" kern="1200">
+                <a:solidFill>
+                  <a:schemeClr val="tx1"/>
+                </a:solidFill>
+                <a:latin typeface="+mn-lt"/>
+                <a:ea typeface="+mn-ea"/>
+                <a:cs typeface="+mn-cs"/>
+              </a:defRPr>
+            </a:lvl8pPr>
+            <a:lvl9pPr marL="3657600" algn="l" defTabSz="914400" rtl="0" eaLnBrk="1" latinLnBrk="0" hangingPunct="1">
+              <a:defRPr sz="1800" kern="1200">
+                <a:solidFill>
+                  <a:schemeClr val="tx1"/>
+                </a:solidFill>
+                <a:latin typeface="+mn-lt"/>
+                <a:ea typeface="+mn-ea"/>
+                <a:cs typeface="+mn-cs"/>
+              </a:defRPr>
+            </a:lvl9pPr>
+          </a:lstStyle>
+          <a:p>
+            <a:r>
+              <a:rPr lang="de-DE" dirty="0" smtClean="0"/>
+              <a:t>Seite 3 / 15</a:t>
             </a:r>
             <a:endParaRPr lang="de-DE" dirty="0"/>
           </a:p>
@@ -12531,6 +12808,143 @@
           <a:chExt cx="0" cy="0"/>
         </a:xfrm>
       </p:grpSpPr>
+      <p:sp>
+        <p:nvSpPr>
+          <p:cNvPr id="26" name="Textfeld 25"/>
+          <p:cNvSpPr txBox="1"/>
+          <p:nvPr/>
+        </p:nvSpPr>
+        <p:spPr>
+          <a:xfrm>
+            <a:off x="683568" y="1282621"/>
+            <a:ext cx="8460432" cy="3139321"/>
+          </a:xfrm>
+          <a:prstGeom prst="rect">
+            <a:avLst/>
+          </a:prstGeom>
+          <a:noFill/>
+        </p:spPr>
+        <p:txBody>
+          <a:bodyPr wrap="square" rtlCol="0">
+            <a:spAutoFit/>
+          </a:bodyPr>
+          <a:lstStyle/>
+          <a:p>
+            <a:r>
+              <a:rPr lang="de-DE" dirty="0"/>
+              <a:t>Master:</a:t>
+            </a:r>
+          </a:p>
+          <a:p>
+            <a:pPr marL="285750" indent="-285750">
+              <a:buFont typeface="Arial" panose="020B0604020202020204" pitchFamily="34" charset="0"/>
+              <a:buChar char="•"/>
+            </a:pPr>
+            <a:r>
+              <a:rPr lang="de-DE" dirty="0" smtClean="0"/>
+              <a:t>Koordinaten unbekannt</a:t>
+            </a:r>
+            <a:endParaRPr lang="de-DE" dirty="0"/>
+          </a:p>
+          <a:p>
+            <a:pPr marL="285750" indent="-285750">
+              <a:buFont typeface="Arial" panose="020B0604020202020204" pitchFamily="34" charset="0"/>
+              <a:buChar char="•"/>
+            </a:pPr>
+            <a:r>
+              <a:rPr lang="de-DE" dirty="0" smtClean="0"/>
+              <a:t>Mikrofon </a:t>
+            </a:r>
+            <a:endParaRPr lang="de-DE" dirty="0"/>
+          </a:p>
+          <a:p>
+            <a:pPr marL="285750" lvl="1" indent="-285750">
+              <a:buFont typeface="Arial" panose="020B0604020202020204" pitchFamily="34" charset="0"/>
+              <a:buChar char="•"/>
+            </a:pPr>
+            <a:r>
+              <a:rPr lang="de-DE" dirty="0"/>
+              <a:t>TTL – Ausgang</a:t>
+            </a:r>
+          </a:p>
+          <a:p>
+            <a:endParaRPr lang="de-DE" dirty="0"/>
+          </a:p>
+          <a:p>
+            <a:r>
+              <a:rPr lang="de-DE" dirty="0" smtClean="0"/>
+              <a:t>Slave</a:t>
+            </a:r>
+            <a:r>
+              <a:rPr lang="de-DE" dirty="0" smtClean="0">
+                <a:sym typeface="Wingdings" panose="05000000000000000000" pitchFamily="2" charset="2"/>
+              </a:rPr>
+              <a:t>:</a:t>
+            </a:r>
+          </a:p>
+          <a:p>
+            <a:pPr marL="285750" lvl="1" indent="-285750">
+              <a:buFont typeface="Arial" panose="020B0604020202020204" pitchFamily="34" charset="0"/>
+              <a:buChar char="•"/>
+            </a:pPr>
+            <a:r>
+              <a:rPr lang="de-DE" dirty="0" smtClean="0">
+                <a:sym typeface="Wingdings" panose="05000000000000000000" pitchFamily="2" charset="2"/>
+              </a:rPr>
+              <a:t>Koordinaten bekannt</a:t>
+            </a:r>
+          </a:p>
+          <a:p>
+            <a:pPr marL="285750" lvl="1" indent="-285750">
+              <a:buFont typeface="Arial" panose="020B0604020202020204" pitchFamily="34" charset="0"/>
+              <a:buChar char="•"/>
+            </a:pPr>
+            <a:r>
+              <a:rPr lang="de-DE" dirty="0" smtClean="0">
+                <a:sym typeface="Wingdings" panose="05000000000000000000" pitchFamily="2" charset="2"/>
+              </a:rPr>
+              <a:t>Lautsprecher</a:t>
+            </a:r>
+          </a:p>
+          <a:p>
+            <a:pPr marL="742950" lvl="2" indent="-285750">
+              <a:buFont typeface="Arial" panose="020B0604020202020204" pitchFamily="34" charset="0"/>
+              <a:buChar char="•"/>
+            </a:pPr>
+            <a:r>
+              <a:rPr lang="de-DE" dirty="0" smtClean="0">
+                <a:sym typeface="Wingdings" panose="05000000000000000000" pitchFamily="2" charset="2"/>
+              </a:rPr>
+              <a:t>PIEP</a:t>
+            </a:r>
+            <a:r>
+              <a:rPr lang="de-DE" dirty="0" smtClean="0"/>
+              <a:t>–Ton </a:t>
+            </a:r>
+            <a:r>
+              <a:rPr lang="de-DE" dirty="0" smtClean="0">
+                <a:sym typeface="Wingdings" panose="05000000000000000000" pitchFamily="2" charset="2"/>
+              </a:rPr>
+              <a:t> Überlagerung von Signalen</a:t>
+            </a:r>
+            <a:endParaRPr lang="de-DE" dirty="0" smtClean="0"/>
+          </a:p>
+          <a:p>
+            <a:pPr marL="742950" lvl="1" indent="-285750">
+              <a:buFont typeface="Arial" panose="020B0604020202020204" pitchFamily="34" charset="0"/>
+              <a:buChar char="•"/>
+            </a:pPr>
+            <a:endParaRPr lang="de-DE" dirty="0" smtClean="0"/>
+          </a:p>
+          <a:p>
+            <a:pPr marL="742950" lvl="1" indent="-285750">
+              <a:buFont typeface="Arial" panose="020B0604020202020204" pitchFamily="34" charset="0"/>
+              <a:buChar char="•"/>
+            </a:pPr>
+            <a:endParaRPr lang="de-DE" dirty="0"/>
+          </a:p>
+        </p:txBody>
+      </p:sp>
       <p:pic>
         <p:nvPicPr>
           <p:cNvPr id="8" name="Grafik 7"/>
@@ -12553,8 +12967,8 @@
         </p:blipFill>
         <p:spPr>
           <a:xfrm>
-            <a:off x="6948264" y="2971133"/>
-            <a:ext cx="2283581" cy="1779662"/>
+            <a:off x="6876256" y="3292331"/>
+            <a:ext cx="1601263" cy="1247911"/>
           </a:xfrm>
           <a:prstGeom prst="rect">
             <a:avLst/>
@@ -12583,8 +12997,8 @@
         </p:blipFill>
         <p:spPr>
           <a:xfrm>
-            <a:off x="6438733" y="1138603"/>
-            <a:ext cx="2551512" cy="1832530"/>
+            <a:off x="6444208" y="1247675"/>
+            <a:ext cx="2033311" cy="1460351"/>
           </a:xfrm>
           <a:prstGeom prst="rect">
             <a:avLst/>
@@ -12624,18 +13038,18 @@
       </p:sp>
       <p:sp>
         <p:nvSpPr>
-          <p:cNvPr id="15" name="Fußzeilenplatzhalter 14"/>
-          <p:cNvSpPr>
-            <a:spLocks noGrp="1"/>
-          </p:cNvSpPr>
-          <p:nvPr>
-            <p:ph type="ftr" sz="quarter" idx="28"/>
-          </p:nvPr>
-        </p:nvSpPr>
-        <p:spPr>
-          <a:xfrm>
-            <a:off x="1965072" y="4812372"/>
-            <a:ext cx="2304256" cy="273844"/>
+          <p:cNvPr id="10" name="Textplatzhalter 2"/>
+          <p:cNvSpPr>
+            <a:spLocks noGrp="1"/>
+          </p:cNvSpPr>
+          <p:nvPr>
+            <p:ph type="body" sz="quarter" idx="14"/>
+          </p:nvPr>
+        </p:nvSpPr>
+        <p:spPr>
+          <a:xfrm>
+            <a:off x="1619672" y="4818186"/>
+            <a:ext cx="4752527" cy="215900"/>
           </a:xfrm>
         </p:spPr>
         <p:txBody>
@@ -12643,274 +13057,176 @@
           <a:lstStyle/>
           <a:p>
             <a:r>
-              <a:rPr lang="de-DE" dirty="0" smtClean="0"/>
-              <a:t>Oliver Koepp</a:t>
-            </a:r>
-            <a:endParaRPr lang="de-DE" dirty="0"/>
-          </a:p>
-        </p:txBody>
-      </p:sp>
-      <p:sp>
-        <p:nvSpPr>
-          <p:cNvPr id="26" name="Textfeld 25"/>
-          <p:cNvSpPr txBox="1"/>
+              <a:rPr lang="de-DE" dirty="0"/>
+              <a:t>Positionsbestimmung drahtloser mobiler eingebetteter Systeme mittels Time </a:t>
+            </a:r>
+            <a:r>
+              <a:rPr lang="de-DE" dirty="0" err="1"/>
+              <a:t>Difference</a:t>
+            </a:r>
+            <a:r>
+              <a:rPr lang="de-DE" dirty="0"/>
+              <a:t> </a:t>
+            </a:r>
+            <a:r>
+              <a:rPr lang="de-DE" dirty="0" err="1"/>
+              <a:t>of</a:t>
+            </a:r>
+            <a:r>
+              <a:rPr lang="de-DE" dirty="0"/>
+              <a:t> Arrival</a:t>
+            </a:r>
+          </a:p>
+        </p:txBody>
+      </p:sp>
+      <p:sp>
+        <p:nvSpPr>
+          <p:cNvPr id="11" name="Datumsplatzhalter 13"/>
+          <p:cNvSpPr>
+            <a:spLocks noGrp="1"/>
+          </p:cNvSpPr>
+          <p:nvPr>
+            <p:ph type="dt" sz="half" idx="27"/>
+          </p:nvPr>
+        </p:nvSpPr>
+        <p:spPr>
+          <a:xfrm>
+            <a:off x="881608" y="4818186"/>
+            <a:ext cx="1098104" cy="273844"/>
+          </a:xfrm>
+        </p:spPr>
+        <p:txBody>
+          <a:bodyPr/>
+          <a:lstStyle/>
+          <a:p>
+            <a:r>
+              <a:rPr lang="de-DE" dirty="0" smtClean="0"/>
+              <a:t>24.01.2020</a:t>
+            </a:r>
+            <a:endParaRPr lang="de-DE" dirty="0"/>
+          </a:p>
+        </p:txBody>
+      </p:sp>
+      <p:sp>
+        <p:nvSpPr>
+          <p:cNvPr id="12" name="Datumsplatzhalter 13"/>
+          <p:cNvSpPr txBox="1">
+            <a:spLocks/>
+          </p:cNvSpPr>
           <p:nvPr/>
         </p:nvSpPr>
         <p:spPr>
           <a:xfrm>
-            <a:off x="683568" y="1282621"/>
-            <a:ext cx="8460432" cy="3693319"/>
+            <a:off x="7020272" y="4818186"/>
+            <a:ext cx="792088" cy="273844"/>
           </a:xfrm>
           <a:prstGeom prst="rect">
             <a:avLst/>
           </a:prstGeom>
-          <a:noFill/>
-        </p:spPr>
-        <p:txBody>
-          <a:bodyPr wrap="square" rtlCol="0">
-            <a:spAutoFit/>
-          </a:bodyPr>
-          <a:lstStyle/>
-          <a:p>
-            <a:r>
-              <a:rPr lang="de-DE" dirty="0" smtClean="0"/>
-              <a:t>Master:</a:t>
-            </a:r>
-          </a:p>
-          <a:p>
-            <a:pPr marL="285750" indent="-285750">
-              <a:buFont typeface="Arial" panose="020B0604020202020204" pitchFamily="34" charset="0"/>
-              <a:buChar char="•"/>
-            </a:pPr>
-            <a:r>
-              <a:rPr lang="de-DE" dirty="0" smtClean="0"/>
-              <a:t>Unbekannte Position</a:t>
-            </a:r>
-          </a:p>
-          <a:p>
-            <a:pPr marL="285750" indent="-285750">
-              <a:buFont typeface="Arial" panose="020B0604020202020204" pitchFamily="34" charset="0"/>
-              <a:buChar char="•"/>
-            </a:pPr>
-            <a:r>
-              <a:rPr lang="de-DE" dirty="0" err="1" smtClean="0"/>
-              <a:t>SparkFun</a:t>
-            </a:r>
-            <a:r>
-              <a:rPr lang="de-DE" dirty="0" smtClean="0"/>
-              <a:t> </a:t>
-            </a:r>
-            <a:r>
-              <a:rPr lang="de-DE" dirty="0"/>
-              <a:t>Sound </a:t>
-            </a:r>
-            <a:r>
-              <a:rPr lang="de-DE" dirty="0" err="1"/>
-              <a:t>Detector</a:t>
-            </a:r>
-            <a:endParaRPr lang="de-DE" dirty="0"/>
-          </a:p>
-          <a:p>
-            <a:pPr marL="742950" lvl="1" indent="-285750">
-              <a:buFont typeface="Wingdings" panose="05000000000000000000" pitchFamily="2" charset="2"/>
-              <a:buChar char="Ø"/>
-            </a:pPr>
-            <a:r>
-              <a:rPr lang="de-DE" dirty="0"/>
-              <a:t>Detektion von Hörbarem Schall</a:t>
-            </a:r>
-          </a:p>
-          <a:p>
-            <a:pPr marL="742950" lvl="1" indent="-285750">
-              <a:buFont typeface="Wingdings" panose="05000000000000000000" pitchFamily="2" charset="2"/>
-              <a:buChar char="Ø"/>
-            </a:pPr>
-            <a:r>
-              <a:rPr lang="de-DE" dirty="0"/>
-              <a:t>TTL – Ausgang </a:t>
-            </a:r>
-          </a:p>
-          <a:p>
-            <a:pPr marL="742950" lvl="1" indent="-285750">
-              <a:buFont typeface="Wingdings" panose="05000000000000000000" pitchFamily="2" charset="2"/>
-              <a:buChar char="Ø"/>
-            </a:pPr>
-            <a:r>
-              <a:rPr lang="de-DE" dirty="0"/>
-              <a:t>Veränderbare Empfindlichkeit</a:t>
-            </a:r>
-          </a:p>
-          <a:p>
-            <a:pPr marL="0" lvl="1"/>
-            <a:endParaRPr lang="de-DE" dirty="0" smtClean="0">
-              <a:sym typeface="Wingdings" panose="05000000000000000000" pitchFamily="2" charset="2"/>
-            </a:endParaRPr>
-          </a:p>
-          <a:p>
-            <a:pPr marL="0" lvl="1"/>
-            <a:r>
-              <a:rPr lang="de-DE" dirty="0" smtClean="0">
-                <a:sym typeface="Wingdings" panose="05000000000000000000" pitchFamily="2" charset="2"/>
-              </a:rPr>
-              <a:t>Slave</a:t>
-            </a:r>
-            <a:r>
-              <a:rPr lang="de-DE" dirty="0" smtClean="0">
-                <a:sym typeface="Wingdings" panose="05000000000000000000" pitchFamily="2" charset="2"/>
-              </a:rPr>
-              <a:t>:</a:t>
-            </a:r>
-          </a:p>
-          <a:p>
-            <a:pPr marL="285750" lvl="1" indent="-285750">
-              <a:buFont typeface="Arial" panose="020B0604020202020204" pitchFamily="34" charset="0"/>
-              <a:buChar char="•"/>
-            </a:pPr>
-            <a:r>
-              <a:rPr lang="de-DE" dirty="0" smtClean="0">
-                <a:sym typeface="Wingdings" panose="05000000000000000000" pitchFamily="2" charset="2"/>
-              </a:rPr>
-              <a:t>Sitzt bei bekannten Positionen (Koordinaten)</a:t>
-            </a:r>
-            <a:endParaRPr lang="de-DE" dirty="0" smtClean="0">
-              <a:sym typeface="Wingdings" panose="05000000000000000000" pitchFamily="2" charset="2"/>
-            </a:endParaRPr>
-          </a:p>
-          <a:p>
-            <a:pPr marL="285750" lvl="1" indent="-285750">
-              <a:buFont typeface="Arial" panose="020B0604020202020204" pitchFamily="34" charset="0"/>
-              <a:buChar char="•"/>
-            </a:pPr>
-            <a:r>
-              <a:rPr lang="de-DE" dirty="0" smtClean="0">
-                <a:sym typeface="Wingdings" panose="05000000000000000000" pitchFamily="2" charset="2"/>
-              </a:rPr>
-              <a:t>Lautsprecher </a:t>
-            </a:r>
-          </a:p>
-          <a:p>
-            <a:pPr marL="742950" lvl="2" indent="-285750">
-              <a:buFont typeface="Wingdings" panose="05000000000000000000" pitchFamily="2" charset="2"/>
-              <a:buChar char="Ø"/>
-            </a:pPr>
-            <a:r>
-              <a:rPr lang="de-DE" dirty="0" smtClean="0">
-                <a:sym typeface="Wingdings" panose="05000000000000000000" pitchFamily="2" charset="2"/>
-              </a:rPr>
-              <a:t>PIEP</a:t>
-            </a:r>
-            <a:r>
-              <a:rPr lang="de-DE" dirty="0" smtClean="0"/>
-              <a:t> </a:t>
-            </a:r>
-            <a:r>
-              <a:rPr lang="de-DE" dirty="0" smtClean="0"/>
-              <a:t>– Ton </a:t>
-            </a:r>
-            <a:r>
-              <a:rPr lang="de-DE" dirty="0" smtClean="0">
-                <a:sym typeface="Wingdings" panose="05000000000000000000" pitchFamily="2" charset="2"/>
-              </a:rPr>
-              <a:t> andere </a:t>
-            </a:r>
-            <a:r>
-              <a:rPr lang="de-DE" dirty="0" smtClean="0">
-                <a:sym typeface="Wingdings" panose="05000000000000000000" pitchFamily="2" charset="2"/>
-              </a:rPr>
-              <a:t>Töne werden </a:t>
-            </a:r>
-            <a:r>
-              <a:rPr lang="de-DE" dirty="0" smtClean="0">
-                <a:sym typeface="Wingdings" panose="05000000000000000000" pitchFamily="2" charset="2"/>
-              </a:rPr>
-              <a:t>überlagert</a:t>
-            </a:r>
-            <a:endParaRPr lang="de-DE" dirty="0" smtClean="0"/>
-          </a:p>
-          <a:p>
-            <a:pPr marL="742950" lvl="1" indent="-285750">
-              <a:buFont typeface="Arial" panose="020B0604020202020204" pitchFamily="34" charset="0"/>
-              <a:buChar char="•"/>
-            </a:pPr>
-            <a:endParaRPr lang="de-DE" dirty="0" smtClean="0"/>
-          </a:p>
-          <a:p>
-            <a:pPr marL="742950" lvl="1" indent="-285750">
-              <a:buFont typeface="Arial" panose="020B0604020202020204" pitchFamily="34" charset="0"/>
-              <a:buChar char="•"/>
-            </a:pPr>
-            <a:endParaRPr lang="de-DE" dirty="0"/>
-          </a:p>
-        </p:txBody>
-      </p:sp>
-      <p:sp>
-        <p:nvSpPr>
-          <p:cNvPr id="7" name="Datumsplatzhalter 13"/>
-          <p:cNvSpPr>
-            <a:spLocks noGrp="1"/>
-          </p:cNvSpPr>
-          <p:nvPr>
-            <p:ph type="dt" sz="half" idx="27"/>
-          </p:nvPr>
-        </p:nvSpPr>
-        <p:spPr>
-          <a:xfrm>
-            <a:off x="881608" y="4818186"/>
-            <a:ext cx="1098104" cy="273844"/>
-          </a:xfrm>
-        </p:spPr>
-        <p:txBody>
-          <a:bodyPr/>
-          <a:lstStyle/>
-          <a:p>
-            <a:r>
-              <a:rPr lang="de-DE" dirty="0" smtClean="0"/>
-              <a:t>24.01.2020</a:t>
-            </a:r>
-            <a:endParaRPr lang="de-DE" dirty="0"/>
-          </a:p>
-        </p:txBody>
-      </p:sp>
-      <p:sp>
-        <p:nvSpPr>
-          <p:cNvPr id="3" name="Textplatzhalter 2"/>
-          <p:cNvSpPr>
-            <a:spLocks noGrp="1"/>
-          </p:cNvSpPr>
-          <p:nvPr>
-            <p:ph type="body" sz="quarter" idx="14"/>
-          </p:nvPr>
-        </p:nvSpPr>
-        <p:spPr>
-          <a:xfrm>
-            <a:off x="3059832" y="4847158"/>
-            <a:ext cx="4752527" cy="215900"/>
-          </a:xfrm>
-        </p:spPr>
-        <p:txBody>
-          <a:bodyPr/>
-          <a:lstStyle/>
-          <a:p>
-            <a:r>
-              <a:rPr lang="de-DE" dirty="0"/>
-              <a:t>Positionsbestimmung drahtloser mobiler eingebetteter Systeme mittels Time </a:t>
-            </a:r>
-            <a:r>
-              <a:rPr lang="de-DE" dirty="0" err="1"/>
-              <a:t>Difference</a:t>
-            </a:r>
-            <a:r>
-              <a:rPr lang="de-DE" dirty="0"/>
-              <a:t> </a:t>
-            </a:r>
-            <a:r>
-              <a:rPr lang="de-DE" dirty="0" err="1"/>
-              <a:t>of</a:t>
-            </a:r>
-            <a:r>
-              <a:rPr lang="de-DE" dirty="0"/>
-              <a:t> Arrival</a:t>
-            </a:r>
+        </p:spPr>
+        <p:txBody>
+          <a:bodyPr vert="horz" lIns="0" tIns="0" rIns="0" bIns="0" rtlCol="0" anchor="ctr"/>
+          <a:lstStyle>
+            <a:defPPr>
+              <a:defRPr lang="de-DE"/>
+            </a:defPPr>
+            <a:lvl1pPr marL="0" algn="l" defTabSz="914400" rtl="0" eaLnBrk="1" latinLnBrk="0" hangingPunct="1">
+              <a:defRPr sz="900" kern="1200">
+                <a:solidFill>
+                  <a:schemeClr val="bg1"/>
+                </a:solidFill>
+                <a:latin typeface="+mn-lt"/>
+                <a:ea typeface="+mn-ea"/>
+                <a:cs typeface="+mn-cs"/>
+              </a:defRPr>
+            </a:lvl1pPr>
+            <a:lvl2pPr marL="457200" algn="l" defTabSz="914400" rtl="0" eaLnBrk="1" latinLnBrk="0" hangingPunct="1">
+              <a:defRPr sz="1800" kern="1200">
+                <a:solidFill>
+                  <a:schemeClr val="tx1"/>
+                </a:solidFill>
+                <a:latin typeface="+mn-lt"/>
+                <a:ea typeface="+mn-ea"/>
+                <a:cs typeface="+mn-cs"/>
+              </a:defRPr>
+            </a:lvl2pPr>
+            <a:lvl3pPr marL="914400" algn="l" defTabSz="914400" rtl="0" eaLnBrk="1" latinLnBrk="0" hangingPunct="1">
+              <a:defRPr sz="1800" kern="1200">
+                <a:solidFill>
+                  <a:schemeClr val="tx1"/>
+                </a:solidFill>
+                <a:latin typeface="+mn-lt"/>
+                <a:ea typeface="+mn-ea"/>
+                <a:cs typeface="+mn-cs"/>
+              </a:defRPr>
+            </a:lvl3pPr>
+            <a:lvl4pPr marL="1371600" algn="l" defTabSz="914400" rtl="0" eaLnBrk="1" latinLnBrk="0" hangingPunct="1">
+              <a:defRPr sz="1800" kern="1200">
+                <a:solidFill>
+                  <a:schemeClr val="tx1"/>
+                </a:solidFill>
+                <a:latin typeface="+mn-lt"/>
+                <a:ea typeface="+mn-ea"/>
+                <a:cs typeface="+mn-cs"/>
+              </a:defRPr>
+            </a:lvl4pPr>
+            <a:lvl5pPr marL="1828800" algn="l" defTabSz="914400" rtl="0" eaLnBrk="1" latinLnBrk="0" hangingPunct="1">
+              <a:defRPr sz="1800" kern="1200">
+                <a:solidFill>
+                  <a:schemeClr val="tx1"/>
+                </a:solidFill>
+                <a:latin typeface="+mn-lt"/>
+                <a:ea typeface="+mn-ea"/>
+                <a:cs typeface="+mn-cs"/>
+              </a:defRPr>
+            </a:lvl5pPr>
+            <a:lvl6pPr marL="2286000" algn="l" defTabSz="914400" rtl="0" eaLnBrk="1" latinLnBrk="0" hangingPunct="1">
+              <a:defRPr sz="1800" kern="1200">
+                <a:solidFill>
+                  <a:schemeClr val="tx1"/>
+                </a:solidFill>
+                <a:latin typeface="+mn-lt"/>
+                <a:ea typeface="+mn-ea"/>
+                <a:cs typeface="+mn-cs"/>
+              </a:defRPr>
+            </a:lvl6pPr>
+            <a:lvl7pPr marL="2743200" algn="l" defTabSz="914400" rtl="0" eaLnBrk="1" latinLnBrk="0" hangingPunct="1">
+              <a:defRPr sz="1800" kern="1200">
+                <a:solidFill>
+                  <a:schemeClr val="tx1"/>
+                </a:solidFill>
+                <a:latin typeface="+mn-lt"/>
+                <a:ea typeface="+mn-ea"/>
+                <a:cs typeface="+mn-cs"/>
+              </a:defRPr>
+            </a:lvl7pPr>
+            <a:lvl8pPr marL="3200400" algn="l" defTabSz="914400" rtl="0" eaLnBrk="1" latinLnBrk="0" hangingPunct="1">
+              <a:defRPr sz="1800" kern="1200">
+                <a:solidFill>
+                  <a:schemeClr val="tx1"/>
+                </a:solidFill>
+                <a:latin typeface="+mn-lt"/>
+                <a:ea typeface="+mn-ea"/>
+                <a:cs typeface="+mn-cs"/>
+              </a:defRPr>
+            </a:lvl8pPr>
+            <a:lvl9pPr marL="3657600" algn="l" defTabSz="914400" rtl="0" eaLnBrk="1" latinLnBrk="0" hangingPunct="1">
+              <a:defRPr sz="1800" kern="1200">
+                <a:solidFill>
+                  <a:schemeClr val="tx1"/>
+                </a:solidFill>
+                <a:latin typeface="+mn-lt"/>
+                <a:ea typeface="+mn-ea"/>
+                <a:cs typeface="+mn-cs"/>
+              </a:defRPr>
+            </a:lvl9pPr>
+          </a:lstStyle>
+          <a:p>
+            <a:r>
+              <a:rPr lang="de-DE" dirty="0" smtClean="0"/>
+              <a:t>Seite 4 / 15</a:t>
+            </a:r>
+            <a:endParaRPr lang="de-DE" dirty="0"/>
           </a:p>
         </p:txBody>
       </p:sp>
@@ -13041,77 +13357,6 @@
       </p:sp>
       <p:sp>
         <p:nvSpPr>
-          <p:cNvPr id="3" name="Textplatzhalter 2"/>
-          <p:cNvSpPr>
-            <a:spLocks noGrp="1"/>
-          </p:cNvSpPr>
-          <p:nvPr>
-            <p:ph type="body" sz="quarter" idx="14"/>
-          </p:nvPr>
-        </p:nvSpPr>
-        <p:spPr>
-          <a:xfrm>
-            <a:off x="3059832" y="4847158"/>
-            <a:ext cx="4752527" cy="215900"/>
-          </a:xfrm>
-        </p:spPr>
-        <p:txBody>
-          <a:bodyPr/>
-          <a:lstStyle/>
-          <a:p>
-            <a:r>
-              <a:rPr lang="de-DE" dirty="0"/>
-              <a:t>Positionsbestimmung drahtloser mobiler eingebetteter Systeme mittels Time </a:t>
-            </a:r>
-            <a:r>
-              <a:rPr lang="de-DE" dirty="0" err="1"/>
-              <a:t>Difference</a:t>
-            </a:r>
-            <a:r>
-              <a:rPr lang="de-DE" dirty="0"/>
-              <a:t> </a:t>
-            </a:r>
-            <a:r>
-              <a:rPr lang="de-DE" dirty="0" err="1"/>
-              <a:t>of</a:t>
-            </a:r>
-            <a:r>
-              <a:rPr lang="de-DE" dirty="0"/>
-              <a:t> Arrival</a:t>
-            </a:r>
-          </a:p>
-        </p:txBody>
-      </p:sp>
-      <p:sp>
-        <p:nvSpPr>
-          <p:cNvPr id="15" name="Fußzeilenplatzhalter 14"/>
-          <p:cNvSpPr>
-            <a:spLocks noGrp="1"/>
-          </p:cNvSpPr>
-          <p:nvPr>
-            <p:ph type="ftr" sz="quarter" idx="28"/>
-          </p:nvPr>
-        </p:nvSpPr>
-        <p:spPr>
-          <a:xfrm>
-            <a:off x="1965072" y="4812372"/>
-            <a:ext cx="2304256" cy="273844"/>
-          </a:xfrm>
-        </p:spPr>
-        <p:txBody>
-          <a:bodyPr/>
-          <a:lstStyle/>
-          <a:p>
-            <a:r>
-              <a:rPr lang="de-DE" dirty="0" smtClean="0"/>
-              <a:t>Oliver Koepp</a:t>
-            </a:r>
-            <a:endParaRPr lang="de-DE" dirty="0"/>
-          </a:p>
-        </p:txBody>
-      </p:sp>
-      <p:sp>
-        <p:nvSpPr>
           <p:cNvPr id="7" name="Textfeld 6"/>
           <p:cNvSpPr txBox="1"/>
           <p:nvPr/>
@@ -13141,7 +13386,50 @@
       </p:sp>
       <p:sp>
         <p:nvSpPr>
-          <p:cNvPr id="9" name="Datumsplatzhalter 13"/>
+          <p:cNvPr id="10" name="Textplatzhalter 2"/>
+          <p:cNvSpPr>
+            <a:spLocks noGrp="1"/>
+          </p:cNvSpPr>
+          <p:nvPr>
+            <p:ph type="body" sz="quarter" idx="14"/>
+          </p:nvPr>
+        </p:nvSpPr>
+        <p:spPr>
+          <a:xfrm>
+            <a:off x="1619672" y="4818186"/>
+            <a:ext cx="4752527" cy="215900"/>
+          </a:xfrm>
+        </p:spPr>
+        <p:txBody>
+          <a:bodyPr/>
+          <a:lstStyle/>
+          <a:p>
+            <a:r>
+              <a:rPr lang="de-DE" dirty="0"/>
+              <a:t>Positionsbestimmung drahtloser mobiler eingebetteter Systeme mittels Time </a:t>
+            </a:r>
+            <a:r>
+              <a:rPr lang="de-DE" dirty="0" err="1"/>
+              <a:t>Difference</a:t>
+            </a:r>
+            <a:r>
+              <a:rPr lang="de-DE" dirty="0"/>
+              <a:t> </a:t>
+            </a:r>
+            <a:r>
+              <a:rPr lang="de-DE" dirty="0" err="1"/>
+              <a:t>of</a:t>
+            </a:r>
+            <a:r>
+              <a:rPr lang="de-DE" dirty="0"/>
+              <a:t> Arrival</a:t>
+            </a:r>
+          </a:p>
+        </p:txBody>
+      </p:sp>
+      <p:sp>
+        <p:nvSpPr>
+          <p:cNvPr id="11" name="Datumsplatzhalter 13"/>
           <p:cNvSpPr>
             <a:spLocks noGrp="1"/>
           </p:cNvSpPr>
@@ -13162,6 +13450,129 @@
             <a:r>
               <a:rPr lang="de-DE" dirty="0" smtClean="0"/>
               <a:t>24.01.2020</a:t>
+            </a:r>
+            <a:endParaRPr lang="de-DE" dirty="0"/>
+          </a:p>
+        </p:txBody>
+      </p:sp>
+      <p:sp>
+        <p:nvSpPr>
+          <p:cNvPr id="12" name="Datumsplatzhalter 13"/>
+          <p:cNvSpPr txBox="1">
+            <a:spLocks/>
+          </p:cNvSpPr>
+          <p:nvPr/>
+        </p:nvSpPr>
+        <p:spPr>
+          <a:xfrm>
+            <a:off x="7020272" y="4818186"/>
+            <a:ext cx="792088" cy="273844"/>
+          </a:xfrm>
+          <a:prstGeom prst="rect">
+            <a:avLst/>
+          </a:prstGeom>
+        </p:spPr>
+        <p:txBody>
+          <a:bodyPr vert="horz" lIns="0" tIns="0" rIns="0" bIns="0" rtlCol="0" anchor="ctr"/>
+          <a:lstStyle>
+            <a:defPPr>
+              <a:defRPr lang="de-DE"/>
+            </a:defPPr>
+            <a:lvl1pPr marL="0" algn="l" defTabSz="914400" rtl="0" eaLnBrk="1" latinLnBrk="0" hangingPunct="1">
+              <a:defRPr sz="900" kern="1200">
+                <a:solidFill>
+                  <a:schemeClr val="bg1"/>
+                </a:solidFill>
+                <a:latin typeface="+mn-lt"/>
+                <a:ea typeface="+mn-ea"/>
+                <a:cs typeface="+mn-cs"/>
+              </a:defRPr>
+            </a:lvl1pPr>
+            <a:lvl2pPr marL="457200" algn="l" defTabSz="914400" rtl="0" eaLnBrk="1" latinLnBrk="0" hangingPunct="1">
+              <a:defRPr sz="1800" kern="1200">
+                <a:solidFill>
+                  <a:schemeClr val="tx1"/>
+                </a:solidFill>
+                <a:latin typeface="+mn-lt"/>
+                <a:ea typeface="+mn-ea"/>
+                <a:cs typeface="+mn-cs"/>
+              </a:defRPr>
+            </a:lvl2pPr>
+            <a:lvl3pPr marL="914400" algn="l" defTabSz="914400" rtl="0" eaLnBrk="1" latinLnBrk="0" hangingPunct="1">
+              <a:defRPr sz="1800" kern="1200">
+                <a:solidFill>
+                  <a:schemeClr val="tx1"/>
+                </a:solidFill>
+                <a:latin typeface="+mn-lt"/>
+                <a:ea typeface="+mn-ea"/>
+                <a:cs typeface="+mn-cs"/>
+              </a:defRPr>
+            </a:lvl3pPr>
+            <a:lvl4pPr marL="1371600" algn="l" defTabSz="914400" rtl="0" eaLnBrk="1" latinLnBrk="0" hangingPunct="1">
+              <a:defRPr sz="1800" kern="1200">
+                <a:solidFill>
+                  <a:schemeClr val="tx1"/>
+                </a:solidFill>
+                <a:latin typeface="+mn-lt"/>
+                <a:ea typeface="+mn-ea"/>
+                <a:cs typeface="+mn-cs"/>
+              </a:defRPr>
+            </a:lvl4pPr>
+            <a:lvl5pPr marL="1828800" algn="l" defTabSz="914400" rtl="0" eaLnBrk="1" latinLnBrk="0" hangingPunct="1">
+              <a:defRPr sz="1800" kern="1200">
+                <a:solidFill>
+                  <a:schemeClr val="tx1"/>
+                </a:solidFill>
+                <a:latin typeface="+mn-lt"/>
+                <a:ea typeface="+mn-ea"/>
+                <a:cs typeface="+mn-cs"/>
+              </a:defRPr>
+            </a:lvl5pPr>
+            <a:lvl6pPr marL="2286000" algn="l" defTabSz="914400" rtl="0" eaLnBrk="1" latinLnBrk="0" hangingPunct="1">
+              <a:defRPr sz="1800" kern="1200">
+                <a:solidFill>
+                  <a:schemeClr val="tx1"/>
+                </a:solidFill>
+                <a:latin typeface="+mn-lt"/>
+                <a:ea typeface="+mn-ea"/>
+                <a:cs typeface="+mn-cs"/>
+              </a:defRPr>
+            </a:lvl6pPr>
+            <a:lvl7pPr marL="2743200" algn="l" defTabSz="914400" rtl="0" eaLnBrk="1" latinLnBrk="0" hangingPunct="1">
+              <a:defRPr sz="1800" kern="1200">
+                <a:solidFill>
+                  <a:schemeClr val="tx1"/>
+                </a:solidFill>
+                <a:latin typeface="+mn-lt"/>
+                <a:ea typeface="+mn-ea"/>
+                <a:cs typeface="+mn-cs"/>
+              </a:defRPr>
+            </a:lvl7pPr>
+            <a:lvl8pPr marL="3200400" algn="l" defTabSz="914400" rtl="0" eaLnBrk="1" latinLnBrk="0" hangingPunct="1">
+              <a:defRPr sz="1800" kern="1200">
+                <a:solidFill>
+                  <a:schemeClr val="tx1"/>
+                </a:solidFill>
+                <a:latin typeface="+mn-lt"/>
+                <a:ea typeface="+mn-ea"/>
+                <a:cs typeface="+mn-cs"/>
+              </a:defRPr>
+            </a:lvl8pPr>
+            <a:lvl9pPr marL="3657600" algn="l" defTabSz="914400" rtl="0" eaLnBrk="1" latinLnBrk="0" hangingPunct="1">
+              <a:defRPr sz="1800" kern="1200">
+                <a:solidFill>
+                  <a:schemeClr val="tx1"/>
+                </a:solidFill>
+                <a:latin typeface="+mn-lt"/>
+                <a:ea typeface="+mn-ea"/>
+                <a:cs typeface="+mn-cs"/>
+              </a:defRPr>
+            </a:lvl9pPr>
+          </a:lstStyle>
+          <a:p>
+            <a:r>
+              <a:rPr lang="de-DE" dirty="0" smtClean="0"/>
+              <a:t>Seite 5 / 15</a:t>
             </a:r>
             <a:endParaRPr lang="de-DE" dirty="0"/>
           </a:p>
@@ -13177,6 +13588,14 @@
   <p:clrMapOvr>
     <a:masterClrMapping/>
   </p:clrMapOvr>
+  <mc:AlternateContent xmlns:mc="http://schemas.openxmlformats.org/markup-compatibility/2006" xmlns:p14="http://schemas.microsoft.com/office/powerpoint/2010/main">
+    <mc:Choice Requires="p14">
+      <p:transition spd="slow" p14:dur="2000"/>
+    </mc:Choice>
+    <mc:Fallback xmlns="">
+      <p:transition spd="slow"/>
+    </mc:Fallback>
+  </mc:AlternateContent>
   <p:timing>
     <p:tnLst>
       <p:par>
@@ -13204,108 +13623,9 @@
           <a:chExt cx="0" cy="0"/>
         </a:xfrm>
       </p:grpSpPr>
-      <p:sp>
-        <p:nvSpPr>
-          <p:cNvPr id="15" name="Fußzeilenplatzhalter 14"/>
-          <p:cNvSpPr>
-            <a:spLocks noGrp="1"/>
-          </p:cNvSpPr>
-          <p:nvPr>
-            <p:ph type="ftr" sz="quarter" idx="28"/>
-          </p:nvPr>
-        </p:nvSpPr>
-        <p:spPr>
-          <a:xfrm>
-            <a:off x="1965072" y="4812372"/>
-            <a:ext cx="2304256" cy="273844"/>
-          </a:xfrm>
-        </p:spPr>
-        <p:txBody>
-          <a:bodyPr/>
-          <a:lstStyle/>
-          <a:p>
-            <a:r>
-              <a:rPr lang="de-DE" dirty="0" smtClean="0"/>
-              <a:t>Oliver Koepp</a:t>
-            </a:r>
-            <a:endParaRPr lang="de-DE" dirty="0"/>
-          </a:p>
-        </p:txBody>
-      </p:sp>
-      <p:sp>
-        <p:nvSpPr>
-          <p:cNvPr id="7" name="Datumsplatzhalter 13"/>
-          <p:cNvSpPr>
-            <a:spLocks noGrp="1"/>
-          </p:cNvSpPr>
-          <p:nvPr>
-            <p:ph type="dt" sz="half" idx="27"/>
-          </p:nvPr>
-        </p:nvSpPr>
-        <p:spPr>
-          <a:xfrm>
-            <a:off x="881608" y="4818186"/>
-            <a:ext cx="1098104" cy="273844"/>
-          </a:xfrm>
-        </p:spPr>
-        <p:txBody>
-          <a:bodyPr/>
-          <a:lstStyle/>
-          <a:p>
-            <a:r>
-              <a:rPr lang="de-DE" dirty="0" smtClean="0"/>
-              <a:t>24.01.2020</a:t>
-            </a:r>
-            <a:endParaRPr lang="de-DE" dirty="0"/>
-          </a:p>
-        </p:txBody>
-      </p:sp>
-      <p:sp>
-        <p:nvSpPr>
-          <p:cNvPr id="3" name="Textplatzhalter 2"/>
-          <p:cNvSpPr>
-            <a:spLocks noGrp="1"/>
-          </p:cNvSpPr>
-          <p:nvPr>
-            <p:ph type="body" sz="quarter" idx="14"/>
-          </p:nvPr>
-        </p:nvSpPr>
-        <p:spPr>
-          <a:xfrm>
-            <a:off x="3059832" y="4847158"/>
-            <a:ext cx="4752527" cy="215900"/>
-          </a:xfrm>
-        </p:spPr>
-        <p:txBody>
-          <a:bodyPr/>
-          <a:lstStyle/>
-          <a:p>
-            <a:r>
-              <a:rPr lang="de-DE" dirty="0"/>
-              <a:t>Positionsbestimmung drahtloser mobiler eingebetteter Systeme mittels Time </a:t>
-            </a:r>
-            <a:r>
-              <a:rPr lang="de-DE" dirty="0" err="1"/>
-              <a:t>Difference</a:t>
-            </a:r>
-            <a:r>
-              <a:rPr lang="de-DE" dirty="0"/>
-              <a:t> </a:t>
-            </a:r>
-            <a:r>
-              <a:rPr lang="de-DE" dirty="0" err="1"/>
-              <a:t>of</a:t>
-            </a:r>
-            <a:r>
-              <a:rPr lang="de-DE" dirty="0"/>
-              <a:t> Arrival</a:t>
-            </a:r>
-          </a:p>
-        </p:txBody>
-      </p:sp>
       <p:pic>
         <p:nvPicPr>
-          <p:cNvPr id="9" name="Grafik 8"/>
+          <p:cNvPr id="10" name="Grafik 9"/>
           <p:cNvPicPr>
             <a:picLocks noChangeAspect="1"/>
           </p:cNvPicPr>
@@ -13325,7 +13645,7 @@
         </p:blipFill>
         <p:spPr>
           <a:xfrm>
-            <a:off x="1965072" y="3783171"/>
+            <a:off x="1979712" y="3758808"/>
             <a:ext cx="5143500" cy="1047750"/>
           </a:xfrm>
           <a:prstGeom prst="rect">
@@ -13355,18 +13675,212 @@
         </p:blipFill>
         <p:spPr>
           <a:xfrm>
-            <a:off x="2025043" y="0"/>
-            <a:ext cx="5188193" cy="3891145"/>
+            <a:off x="1677040" y="8302"/>
+            <a:ext cx="5184576" cy="3888432"/>
           </a:xfrm>
           <a:prstGeom prst="rect">
             <a:avLst/>
           </a:prstGeom>
         </p:spPr>
       </p:pic>
+      <p:sp>
+        <p:nvSpPr>
+          <p:cNvPr id="8" name="Textplatzhalter 2"/>
+          <p:cNvSpPr>
+            <a:spLocks noGrp="1"/>
+          </p:cNvSpPr>
+          <p:nvPr>
+            <p:ph type="body" sz="quarter" idx="14"/>
+          </p:nvPr>
+        </p:nvSpPr>
+        <p:spPr>
+          <a:xfrm>
+            <a:off x="1619672" y="4818186"/>
+            <a:ext cx="4752527" cy="215900"/>
+          </a:xfrm>
+        </p:spPr>
+        <p:txBody>
+          <a:bodyPr/>
+          <a:lstStyle/>
+          <a:p>
+            <a:r>
+              <a:rPr lang="de-DE" dirty="0"/>
+              <a:t>Positionsbestimmung drahtloser mobiler eingebetteter Systeme mittels Time </a:t>
+            </a:r>
+            <a:r>
+              <a:rPr lang="de-DE" dirty="0" err="1"/>
+              <a:t>Difference</a:t>
+            </a:r>
+            <a:r>
+              <a:rPr lang="de-DE" dirty="0"/>
+              <a:t> </a:t>
+            </a:r>
+            <a:r>
+              <a:rPr lang="de-DE" dirty="0" err="1"/>
+              <a:t>of</a:t>
+            </a:r>
+            <a:r>
+              <a:rPr lang="de-DE" dirty="0"/>
+              <a:t> Arrival</a:t>
+            </a:r>
+          </a:p>
+        </p:txBody>
+      </p:sp>
+      <p:sp>
+        <p:nvSpPr>
+          <p:cNvPr id="11" name="Datumsplatzhalter 13"/>
+          <p:cNvSpPr>
+            <a:spLocks noGrp="1"/>
+          </p:cNvSpPr>
+          <p:nvPr>
+            <p:ph type="dt" sz="half" idx="27"/>
+          </p:nvPr>
+        </p:nvSpPr>
+        <p:spPr>
+          <a:xfrm>
+            <a:off x="881608" y="4818186"/>
+            <a:ext cx="1098104" cy="273844"/>
+          </a:xfrm>
+        </p:spPr>
+        <p:txBody>
+          <a:bodyPr/>
+          <a:lstStyle/>
+          <a:p>
+            <a:r>
+              <a:rPr lang="de-DE" dirty="0" smtClean="0"/>
+              <a:t>24.01.2020</a:t>
+            </a:r>
+            <a:endParaRPr lang="de-DE" dirty="0"/>
+          </a:p>
+        </p:txBody>
+      </p:sp>
+      <p:sp>
+        <p:nvSpPr>
+          <p:cNvPr id="12" name="Datumsplatzhalter 13"/>
+          <p:cNvSpPr txBox="1">
+            <a:spLocks/>
+          </p:cNvSpPr>
+          <p:nvPr/>
+        </p:nvSpPr>
+        <p:spPr>
+          <a:xfrm>
+            <a:off x="7020272" y="4818186"/>
+            <a:ext cx="792088" cy="273844"/>
+          </a:xfrm>
+          <a:prstGeom prst="rect">
+            <a:avLst/>
+          </a:prstGeom>
+        </p:spPr>
+        <p:txBody>
+          <a:bodyPr vert="horz" lIns="0" tIns="0" rIns="0" bIns="0" rtlCol="0" anchor="ctr"/>
+          <a:lstStyle>
+            <a:defPPr>
+              <a:defRPr lang="de-DE"/>
+            </a:defPPr>
+            <a:lvl1pPr marL="0" algn="l" defTabSz="914400" rtl="0" eaLnBrk="1" latinLnBrk="0" hangingPunct="1">
+              <a:defRPr sz="900" kern="1200">
+                <a:solidFill>
+                  <a:schemeClr val="bg1"/>
+                </a:solidFill>
+                <a:latin typeface="+mn-lt"/>
+                <a:ea typeface="+mn-ea"/>
+                <a:cs typeface="+mn-cs"/>
+              </a:defRPr>
+            </a:lvl1pPr>
+            <a:lvl2pPr marL="457200" algn="l" defTabSz="914400" rtl="0" eaLnBrk="1" latinLnBrk="0" hangingPunct="1">
+              <a:defRPr sz="1800" kern="1200">
+                <a:solidFill>
+                  <a:schemeClr val="tx1"/>
+                </a:solidFill>
+                <a:latin typeface="+mn-lt"/>
+                <a:ea typeface="+mn-ea"/>
+                <a:cs typeface="+mn-cs"/>
+              </a:defRPr>
+            </a:lvl2pPr>
+            <a:lvl3pPr marL="914400" algn="l" defTabSz="914400" rtl="0" eaLnBrk="1" latinLnBrk="0" hangingPunct="1">
+              <a:defRPr sz="1800" kern="1200">
+                <a:solidFill>
+                  <a:schemeClr val="tx1"/>
+                </a:solidFill>
+                <a:latin typeface="+mn-lt"/>
+                <a:ea typeface="+mn-ea"/>
+                <a:cs typeface="+mn-cs"/>
+              </a:defRPr>
+            </a:lvl3pPr>
+            <a:lvl4pPr marL="1371600" algn="l" defTabSz="914400" rtl="0" eaLnBrk="1" latinLnBrk="0" hangingPunct="1">
+              <a:defRPr sz="1800" kern="1200">
+                <a:solidFill>
+                  <a:schemeClr val="tx1"/>
+                </a:solidFill>
+                <a:latin typeface="+mn-lt"/>
+                <a:ea typeface="+mn-ea"/>
+                <a:cs typeface="+mn-cs"/>
+              </a:defRPr>
+            </a:lvl4pPr>
+            <a:lvl5pPr marL="1828800" algn="l" defTabSz="914400" rtl="0" eaLnBrk="1" latinLnBrk="0" hangingPunct="1">
+              <a:defRPr sz="1800" kern="1200">
+                <a:solidFill>
+                  <a:schemeClr val="tx1"/>
+                </a:solidFill>
+                <a:latin typeface="+mn-lt"/>
+                <a:ea typeface="+mn-ea"/>
+                <a:cs typeface="+mn-cs"/>
+              </a:defRPr>
+            </a:lvl5pPr>
+            <a:lvl6pPr marL="2286000" algn="l" defTabSz="914400" rtl="0" eaLnBrk="1" latinLnBrk="0" hangingPunct="1">
+              <a:defRPr sz="1800" kern="1200">
+                <a:solidFill>
+                  <a:schemeClr val="tx1"/>
+                </a:solidFill>
+                <a:latin typeface="+mn-lt"/>
+                <a:ea typeface="+mn-ea"/>
+                <a:cs typeface="+mn-cs"/>
+              </a:defRPr>
+            </a:lvl6pPr>
+            <a:lvl7pPr marL="2743200" algn="l" defTabSz="914400" rtl="0" eaLnBrk="1" latinLnBrk="0" hangingPunct="1">
+              <a:defRPr sz="1800" kern="1200">
+                <a:solidFill>
+                  <a:schemeClr val="tx1"/>
+                </a:solidFill>
+                <a:latin typeface="+mn-lt"/>
+                <a:ea typeface="+mn-ea"/>
+                <a:cs typeface="+mn-cs"/>
+              </a:defRPr>
+            </a:lvl7pPr>
+            <a:lvl8pPr marL="3200400" algn="l" defTabSz="914400" rtl="0" eaLnBrk="1" latinLnBrk="0" hangingPunct="1">
+              <a:defRPr sz="1800" kern="1200">
+                <a:solidFill>
+                  <a:schemeClr val="tx1"/>
+                </a:solidFill>
+                <a:latin typeface="+mn-lt"/>
+                <a:ea typeface="+mn-ea"/>
+                <a:cs typeface="+mn-cs"/>
+              </a:defRPr>
+            </a:lvl8pPr>
+            <a:lvl9pPr marL="3657600" algn="l" defTabSz="914400" rtl="0" eaLnBrk="1" latinLnBrk="0" hangingPunct="1">
+              <a:defRPr sz="1800" kern="1200">
+                <a:solidFill>
+                  <a:schemeClr val="tx1"/>
+                </a:solidFill>
+                <a:latin typeface="+mn-lt"/>
+                <a:ea typeface="+mn-ea"/>
+                <a:cs typeface="+mn-cs"/>
+              </a:defRPr>
+            </a:lvl9pPr>
+          </a:lstStyle>
+          <a:p>
+            <a:r>
+              <a:rPr lang="de-DE" dirty="0" smtClean="0"/>
+              <a:t>Seite 6 / 15</a:t>
+            </a:r>
+            <a:endParaRPr lang="de-DE" dirty="0"/>
+          </a:p>
+        </p:txBody>
+      </p:sp>
     </p:spTree>
     <p:extLst>
       <p:ext uri="{BB962C8B-B14F-4D97-AF65-F5344CB8AC3E}">
-        <p14:creationId xmlns:p14="http://schemas.microsoft.com/office/powerpoint/2010/main" val="2269849056"/>
+        <p14:creationId xmlns:p14="http://schemas.microsoft.com/office/powerpoint/2010/main" val="1983302667"/>
       </p:ext>
     </p:extLst>
   </p:cSld>
@@ -13436,77 +13950,6 @@
           </a:p>
         </p:txBody>
       </p:sp>
-      <p:sp>
-        <p:nvSpPr>
-          <p:cNvPr id="3" name="Textplatzhalter 2"/>
-          <p:cNvSpPr>
-            <a:spLocks noGrp="1"/>
-          </p:cNvSpPr>
-          <p:nvPr>
-            <p:ph type="body" sz="quarter" idx="14"/>
-          </p:nvPr>
-        </p:nvSpPr>
-        <p:spPr>
-          <a:xfrm>
-            <a:off x="3059832" y="4847158"/>
-            <a:ext cx="4752527" cy="215900"/>
-          </a:xfrm>
-        </p:spPr>
-        <p:txBody>
-          <a:bodyPr/>
-          <a:lstStyle/>
-          <a:p>
-            <a:r>
-              <a:rPr lang="de-DE" dirty="0"/>
-              <a:t>Positionsbestimmung drahtloser mobiler eingebetteter Systeme mittels Time </a:t>
-            </a:r>
-            <a:r>
-              <a:rPr lang="de-DE" dirty="0" err="1"/>
-              <a:t>Difference</a:t>
-            </a:r>
-            <a:r>
-              <a:rPr lang="de-DE" dirty="0"/>
-              <a:t> </a:t>
-            </a:r>
-            <a:r>
-              <a:rPr lang="de-DE" dirty="0" err="1"/>
-              <a:t>of</a:t>
-            </a:r>
-            <a:r>
-              <a:rPr lang="de-DE" dirty="0"/>
-              <a:t> Arrival</a:t>
-            </a:r>
-          </a:p>
-        </p:txBody>
-      </p:sp>
-      <p:sp>
-        <p:nvSpPr>
-          <p:cNvPr id="15" name="Fußzeilenplatzhalter 14"/>
-          <p:cNvSpPr>
-            <a:spLocks noGrp="1"/>
-          </p:cNvSpPr>
-          <p:nvPr>
-            <p:ph type="ftr" sz="quarter" idx="28"/>
-          </p:nvPr>
-        </p:nvSpPr>
-        <p:spPr>
-          <a:xfrm>
-            <a:off x="1965072" y="4812372"/>
-            <a:ext cx="2304256" cy="273844"/>
-          </a:xfrm>
-        </p:spPr>
-        <p:txBody>
-          <a:bodyPr/>
-          <a:lstStyle/>
-          <a:p>
-            <a:r>
-              <a:rPr lang="de-DE" dirty="0" smtClean="0"/>
-              <a:t>Oliver Koepp</a:t>
-            </a:r>
-            <a:endParaRPr lang="de-DE" dirty="0"/>
-          </a:p>
-        </p:txBody>
-      </p:sp>
       <mc:AlternateContent xmlns:mc="http://schemas.openxmlformats.org/markup-compatibility/2006" xmlns:a14="http://schemas.microsoft.com/office/drawing/2010/main">
         <mc:Choice Requires="a14">
           <p:sp>
@@ -13518,7 +13961,7 @@
             <p:spPr>
               <a:xfrm>
                 <a:off x="683568" y="1273791"/>
-                <a:ext cx="8460432" cy="2308324"/>
+                <a:ext cx="8460432" cy="2862322"/>
               </a:xfrm>
               <a:prstGeom prst="rect">
                 <a:avLst/>
@@ -13565,6 +14008,9 @@
                 </a:r>
               </a:p>
               <a:p>
+                <a:endParaRPr lang="de-DE" dirty="0" smtClean="0"/>
+              </a:p>
+              <a:p>
                 <a:pPr marL="285750" indent="-285750">
                   <a:buFont typeface="Arial" panose="020B0604020202020204" pitchFamily="34" charset="0"/>
                   <a:buChar char="•"/>
@@ -13581,7 +14027,17 @@
                 </a:pPr>
                 <a:r>
                   <a:rPr lang="de-DE" dirty="0" smtClean="0"/>
-                  <a:t>Hierarchielose kleine Sensornetzwerke spezialisiert</a:t>
+                  <a:t>Hierarchielos</a:t>
+                </a:r>
+              </a:p>
+              <a:p>
+                <a:pPr marL="285750" indent="-285750">
+                  <a:buFont typeface="Arial" panose="020B0604020202020204" pitchFamily="34" charset="0"/>
+                  <a:buChar char="•"/>
+                </a:pPr>
+                <a:r>
+                  <a:rPr lang="de-DE" dirty="0" smtClean="0"/>
+                  <a:t>Sensornetzwerke spezialisiert</a:t>
                 </a:r>
               </a:p>
               <a:p>
@@ -13648,7 +14104,7 @@
             <p:spPr>
               <a:xfrm>
                 <a:off x="683568" y="1273791"/>
-                <a:ext cx="8460432" cy="2308324"/>
+                <a:ext cx="8460432" cy="2862322"/>
               </a:xfrm>
               <a:prstGeom prst="rect">
                 <a:avLst/>
@@ -13656,7 +14112,7 @@
               <a:blipFill>
                 <a:blip r:embed="rId2"/>
                 <a:stretch>
-                  <a:fillRect l="-576" t="-1583" b="-3166"/>
+                  <a:fillRect l="-576" t="-1279" b="-2559"/>
                 </a:stretch>
               </a:blipFill>
             </p:spPr>
@@ -13677,7 +14133,50 @@
       </mc:AlternateContent>
       <p:sp>
         <p:nvSpPr>
-          <p:cNvPr id="8" name="Datumsplatzhalter 13"/>
+          <p:cNvPr id="9" name="Textplatzhalter 2"/>
+          <p:cNvSpPr>
+            <a:spLocks noGrp="1"/>
+          </p:cNvSpPr>
+          <p:nvPr>
+            <p:ph type="body" sz="quarter" idx="14"/>
+          </p:nvPr>
+        </p:nvSpPr>
+        <p:spPr>
+          <a:xfrm>
+            <a:off x="1619672" y="4818186"/>
+            <a:ext cx="4752527" cy="215900"/>
+          </a:xfrm>
+        </p:spPr>
+        <p:txBody>
+          <a:bodyPr/>
+          <a:lstStyle/>
+          <a:p>
+            <a:r>
+              <a:rPr lang="de-DE" dirty="0"/>
+              <a:t>Positionsbestimmung drahtloser mobiler eingebetteter Systeme mittels Time </a:t>
+            </a:r>
+            <a:r>
+              <a:rPr lang="de-DE" dirty="0" err="1"/>
+              <a:t>Difference</a:t>
+            </a:r>
+            <a:r>
+              <a:rPr lang="de-DE" dirty="0"/>
+              <a:t> </a:t>
+            </a:r>
+            <a:r>
+              <a:rPr lang="de-DE" dirty="0" err="1"/>
+              <a:t>of</a:t>
+            </a:r>
+            <a:r>
+              <a:rPr lang="de-DE" dirty="0"/>
+              <a:t> Arrival</a:t>
+            </a:r>
+          </a:p>
+        </p:txBody>
+      </p:sp>
+      <p:sp>
+        <p:nvSpPr>
+          <p:cNvPr id="10" name="Datumsplatzhalter 13"/>
           <p:cNvSpPr>
             <a:spLocks noGrp="1"/>
           </p:cNvSpPr>
@@ -13698,6 +14197,129 @@
             <a:r>
               <a:rPr lang="de-DE" dirty="0" smtClean="0"/>
               <a:t>24.01.2020</a:t>
+            </a:r>
+            <a:endParaRPr lang="de-DE" dirty="0"/>
+          </a:p>
+        </p:txBody>
+      </p:sp>
+      <p:sp>
+        <p:nvSpPr>
+          <p:cNvPr id="11" name="Datumsplatzhalter 13"/>
+          <p:cNvSpPr txBox="1">
+            <a:spLocks/>
+          </p:cNvSpPr>
+          <p:nvPr/>
+        </p:nvSpPr>
+        <p:spPr>
+          <a:xfrm>
+            <a:off x="7020272" y="4818186"/>
+            <a:ext cx="792088" cy="273844"/>
+          </a:xfrm>
+          <a:prstGeom prst="rect">
+            <a:avLst/>
+          </a:prstGeom>
+        </p:spPr>
+        <p:txBody>
+          <a:bodyPr vert="horz" lIns="0" tIns="0" rIns="0" bIns="0" rtlCol="0" anchor="ctr"/>
+          <a:lstStyle>
+            <a:defPPr>
+              <a:defRPr lang="de-DE"/>
+            </a:defPPr>
+            <a:lvl1pPr marL="0" algn="l" defTabSz="914400" rtl="0" eaLnBrk="1" latinLnBrk="0" hangingPunct="1">
+              <a:defRPr sz="900" kern="1200">
+                <a:solidFill>
+                  <a:schemeClr val="bg1"/>
+                </a:solidFill>
+                <a:latin typeface="+mn-lt"/>
+                <a:ea typeface="+mn-ea"/>
+                <a:cs typeface="+mn-cs"/>
+              </a:defRPr>
+            </a:lvl1pPr>
+            <a:lvl2pPr marL="457200" algn="l" defTabSz="914400" rtl="0" eaLnBrk="1" latinLnBrk="0" hangingPunct="1">
+              <a:defRPr sz="1800" kern="1200">
+                <a:solidFill>
+                  <a:schemeClr val="tx1"/>
+                </a:solidFill>
+                <a:latin typeface="+mn-lt"/>
+                <a:ea typeface="+mn-ea"/>
+                <a:cs typeface="+mn-cs"/>
+              </a:defRPr>
+            </a:lvl2pPr>
+            <a:lvl3pPr marL="914400" algn="l" defTabSz="914400" rtl="0" eaLnBrk="1" latinLnBrk="0" hangingPunct="1">
+              <a:defRPr sz="1800" kern="1200">
+                <a:solidFill>
+                  <a:schemeClr val="tx1"/>
+                </a:solidFill>
+                <a:latin typeface="+mn-lt"/>
+                <a:ea typeface="+mn-ea"/>
+                <a:cs typeface="+mn-cs"/>
+              </a:defRPr>
+            </a:lvl3pPr>
+            <a:lvl4pPr marL="1371600" algn="l" defTabSz="914400" rtl="0" eaLnBrk="1" latinLnBrk="0" hangingPunct="1">
+              <a:defRPr sz="1800" kern="1200">
+                <a:solidFill>
+                  <a:schemeClr val="tx1"/>
+                </a:solidFill>
+                <a:latin typeface="+mn-lt"/>
+                <a:ea typeface="+mn-ea"/>
+                <a:cs typeface="+mn-cs"/>
+              </a:defRPr>
+            </a:lvl4pPr>
+            <a:lvl5pPr marL="1828800" algn="l" defTabSz="914400" rtl="0" eaLnBrk="1" latinLnBrk="0" hangingPunct="1">
+              <a:defRPr sz="1800" kern="1200">
+                <a:solidFill>
+                  <a:schemeClr val="tx1"/>
+                </a:solidFill>
+                <a:latin typeface="+mn-lt"/>
+                <a:ea typeface="+mn-ea"/>
+                <a:cs typeface="+mn-cs"/>
+              </a:defRPr>
+            </a:lvl5pPr>
+            <a:lvl6pPr marL="2286000" algn="l" defTabSz="914400" rtl="0" eaLnBrk="1" latinLnBrk="0" hangingPunct="1">
+              <a:defRPr sz="1800" kern="1200">
+                <a:solidFill>
+                  <a:schemeClr val="tx1"/>
+                </a:solidFill>
+                <a:latin typeface="+mn-lt"/>
+                <a:ea typeface="+mn-ea"/>
+                <a:cs typeface="+mn-cs"/>
+              </a:defRPr>
+            </a:lvl6pPr>
+            <a:lvl7pPr marL="2743200" algn="l" defTabSz="914400" rtl="0" eaLnBrk="1" latinLnBrk="0" hangingPunct="1">
+              <a:defRPr sz="1800" kern="1200">
+                <a:solidFill>
+                  <a:schemeClr val="tx1"/>
+                </a:solidFill>
+                <a:latin typeface="+mn-lt"/>
+                <a:ea typeface="+mn-ea"/>
+                <a:cs typeface="+mn-cs"/>
+              </a:defRPr>
+            </a:lvl7pPr>
+            <a:lvl8pPr marL="3200400" algn="l" defTabSz="914400" rtl="0" eaLnBrk="1" latinLnBrk="0" hangingPunct="1">
+              <a:defRPr sz="1800" kern="1200">
+                <a:solidFill>
+                  <a:schemeClr val="tx1"/>
+                </a:solidFill>
+                <a:latin typeface="+mn-lt"/>
+                <a:ea typeface="+mn-ea"/>
+                <a:cs typeface="+mn-cs"/>
+              </a:defRPr>
+            </a:lvl8pPr>
+            <a:lvl9pPr marL="3657600" algn="l" defTabSz="914400" rtl="0" eaLnBrk="1" latinLnBrk="0" hangingPunct="1">
+              <a:defRPr sz="1800" kern="1200">
+                <a:solidFill>
+                  <a:schemeClr val="tx1"/>
+                </a:solidFill>
+                <a:latin typeface="+mn-lt"/>
+                <a:ea typeface="+mn-ea"/>
+                <a:cs typeface="+mn-cs"/>
+              </a:defRPr>
+            </a:lvl9pPr>
+          </a:lstStyle>
+          <a:p>
+            <a:r>
+              <a:rPr lang="de-DE" dirty="0" smtClean="0"/>
+              <a:t>Seite 7 / 15</a:t>
             </a:r>
             <a:endParaRPr lang="de-DE" dirty="0"/>
           </a:p>
@@ -13808,77 +14430,6 @@
       </p:sp>
       <p:sp>
         <p:nvSpPr>
-          <p:cNvPr id="3" name="Textplatzhalter 2"/>
-          <p:cNvSpPr>
-            <a:spLocks noGrp="1"/>
-          </p:cNvSpPr>
-          <p:nvPr>
-            <p:ph type="body" sz="quarter" idx="14"/>
-          </p:nvPr>
-        </p:nvSpPr>
-        <p:spPr>
-          <a:xfrm>
-            <a:off x="3059832" y="4847158"/>
-            <a:ext cx="4752527" cy="215900"/>
-          </a:xfrm>
-        </p:spPr>
-        <p:txBody>
-          <a:bodyPr/>
-          <a:lstStyle/>
-          <a:p>
-            <a:r>
-              <a:rPr lang="de-DE" dirty="0"/>
-              <a:t>Positionsbestimmung drahtloser mobiler eingebetteter Systeme mittels Time </a:t>
-            </a:r>
-            <a:r>
-              <a:rPr lang="de-DE" dirty="0" err="1"/>
-              <a:t>Difference</a:t>
-            </a:r>
-            <a:r>
-              <a:rPr lang="de-DE" dirty="0"/>
-              <a:t> </a:t>
-            </a:r>
-            <a:r>
-              <a:rPr lang="de-DE" dirty="0" err="1"/>
-              <a:t>of</a:t>
-            </a:r>
-            <a:r>
-              <a:rPr lang="de-DE" dirty="0"/>
-              <a:t> Arrival</a:t>
-            </a:r>
-          </a:p>
-        </p:txBody>
-      </p:sp>
-      <p:sp>
-        <p:nvSpPr>
-          <p:cNvPr id="15" name="Fußzeilenplatzhalter 14"/>
-          <p:cNvSpPr>
-            <a:spLocks noGrp="1"/>
-          </p:cNvSpPr>
-          <p:nvPr>
-            <p:ph type="ftr" sz="quarter" idx="28"/>
-          </p:nvPr>
-        </p:nvSpPr>
-        <p:spPr>
-          <a:xfrm>
-            <a:off x="1965072" y="4812372"/>
-            <a:ext cx="2304256" cy="273844"/>
-          </a:xfrm>
-        </p:spPr>
-        <p:txBody>
-          <a:bodyPr/>
-          <a:lstStyle/>
-          <a:p>
-            <a:r>
-              <a:rPr lang="de-DE" dirty="0" smtClean="0"/>
-              <a:t>Oliver Koepp</a:t>
-            </a:r>
-            <a:endParaRPr lang="de-DE" dirty="0"/>
-          </a:p>
-        </p:txBody>
-      </p:sp>
-      <p:sp>
-        <p:nvSpPr>
           <p:cNvPr id="26" name="Textfeld 25"/>
           <p:cNvSpPr txBox="1"/>
           <p:nvPr/>
@@ -14017,7 +14568,50 @@
       </p:sp>
       <p:sp>
         <p:nvSpPr>
-          <p:cNvPr id="8" name="Datumsplatzhalter 13"/>
+          <p:cNvPr id="9" name="Textplatzhalter 2"/>
+          <p:cNvSpPr>
+            <a:spLocks noGrp="1"/>
+          </p:cNvSpPr>
+          <p:nvPr>
+            <p:ph type="body" sz="quarter" idx="14"/>
+          </p:nvPr>
+        </p:nvSpPr>
+        <p:spPr>
+          <a:xfrm>
+            <a:off x="1619672" y="4818186"/>
+            <a:ext cx="4752527" cy="215900"/>
+          </a:xfrm>
+        </p:spPr>
+        <p:txBody>
+          <a:bodyPr/>
+          <a:lstStyle/>
+          <a:p>
+            <a:r>
+              <a:rPr lang="de-DE" dirty="0"/>
+              <a:t>Positionsbestimmung drahtloser mobiler eingebetteter Systeme mittels Time </a:t>
+            </a:r>
+            <a:r>
+              <a:rPr lang="de-DE" dirty="0" err="1"/>
+              <a:t>Difference</a:t>
+            </a:r>
+            <a:r>
+              <a:rPr lang="de-DE" dirty="0"/>
+              <a:t> </a:t>
+            </a:r>
+            <a:r>
+              <a:rPr lang="de-DE" dirty="0" err="1"/>
+              <a:t>of</a:t>
+            </a:r>
+            <a:r>
+              <a:rPr lang="de-DE" dirty="0"/>
+              <a:t> Arrival</a:t>
+            </a:r>
+          </a:p>
+        </p:txBody>
+      </p:sp>
+      <p:sp>
+        <p:nvSpPr>
+          <p:cNvPr id="10" name="Datumsplatzhalter 13"/>
           <p:cNvSpPr>
             <a:spLocks noGrp="1"/>
           </p:cNvSpPr>
@@ -14038,6 +14632,129 @@
             <a:r>
               <a:rPr lang="de-DE" dirty="0" smtClean="0"/>
               <a:t>24.01.2020</a:t>
+            </a:r>
+            <a:endParaRPr lang="de-DE" dirty="0"/>
+          </a:p>
+        </p:txBody>
+      </p:sp>
+      <p:sp>
+        <p:nvSpPr>
+          <p:cNvPr id="11" name="Datumsplatzhalter 13"/>
+          <p:cNvSpPr txBox="1">
+            <a:spLocks/>
+          </p:cNvSpPr>
+          <p:nvPr/>
+        </p:nvSpPr>
+        <p:spPr>
+          <a:xfrm>
+            <a:off x="7020272" y="4818186"/>
+            <a:ext cx="792088" cy="273844"/>
+          </a:xfrm>
+          <a:prstGeom prst="rect">
+            <a:avLst/>
+          </a:prstGeom>
+        </p:spPr>
+        <p:txBody>
+          <a:bodyPr vert="horz" lIns="0" tIns="0" rIns="0" bIns="0" rtlCol="0" anchor="ctr"/>
+          <a:lstStyle>
+            <a:defPPr>
+              <a:defRPr lang="de-DE"/>
+            </a:defPPr>
+            <a:lvl1pPr marL="0" algn="l" defTabSz="914400" rtl="0" eaLnBrk="1" latinLnBrk="0" hangingPunct="1">
+              <a:defRPr sz="900" kern="1200">
+                <a:solidFill>
+                  <a:schemeClr val="bg1"/>
+                </a:solidFill>
+                <a:latin typeface="+mn-lt"/>
+                <a:ea typeface="+mn-ea"/>
+                <a:cs typeface="+mn-cs"/>
+              </a:defRPr>
+            </a:lvl1pPr>
+            <a:lvl2pPr marL="457200" algn="l" defTabSz="914400" rtl="0" eaLnBrk="1" latinLnBrk="0" hangingPunct="1">
+              <a:defRPr sz="1800" kern="1200">
+                <a:solidFill>
+                  <a:schemeClr val="tx1"/>
+                </a:solidFill>
+                <a:latin typeface="+mn-lt"/>
+                <a:ea typeface="+mn-ea"/>
+                <a:cs typeface="+mn-cs"/>
+              </a:defRPr>
+            </a:lvl2pPr>
+            <a:lvl3pPr marL="914400" algn="l" defTabSz="914400" rtl="0" eaLnBrk="1" latinLnBrk="0" hangingPunct="1">
+              <a:defRPr sz="1800" kern="1200">
+                <a:solidFill>
+                  <a:schemeClr val="tx1"/>
+                </a:solidFill>
+                <a:latin typeface="+mn-lt"/>
+                <a:ea typeface="+mn-ea"/>
+                <a:cs typeface="+mn-cs"/>
+              </a:defRPr>
+            </a:lvl3pPr>
+            <a:lvl4pPr marL="1371600" algn="l" defTabSz="914400" rtl="0" eaLnBrk="1" latinLnBrk="0" hangingPunct="1">
+              <a:defRPr sz="1800" kern="1200">
+                <a:solidFill>
+                  <a:schemeClr val="tx1"/>
+                </a:solidFill>
+                <a:latin typeface="+mn-lt"/>
+                <a:ea typeface="+mn-ea"/>
+                <a:cs typeface="+mn-cs"/>
+              </a:defRPr>
+            </a:lvl4pPr>
+            <a:lvl5pPr marL="1828800" algn="l" defTabSz="914400" rtl="0" eaLnBrk="1" latinLnBrk="0" hangingPunct="1">
+              <a:defRPr sz="1800" kern="1200">
+                <a:solidFill>
+                  <a:schemeClr val="tx1"/>
+                </a:solidFill>
+                <a:latin typeface="+mn-lt"/>
+                <a:ea typeface="+mn-ea"/>
+                <a:cs typeface="+mn-cs"/>
+              </a:defRPr>
+            </a:lvl5pPr>
+            <a:lvl6pPr marL="2286000" algn="l" defTabSz="914400" rtl="0" eaLnBrk="1" latinLnBrk="0" hangingPunct="1">
+              <a:defRPr sz="1800" kern="1200">
+                <a:solidFill>
+                  <a:schemeClr val="tx1"/>
+                </a:solidFill>
+                <a:latin typeface="+mn-lt"/>
+                <a:ea typeface="+mn-ea"/>
+                <a:cs typeface="+mn-cs"/>
+              </a:defRPr>
+            </a:lvl6pPr>
+            <a:lvl7pPr marL="2743200" algn="l" defTabSz="914400" rtl="0" eaLnBrk="1" latinLnBrk="0" hangingPunct="1">
+              <a:defRPr sz="1800" kern="1200">
+                <a:solidFill>
+                  <a:schemeClr val="tx1"/>
+                </a:solidFill>
+                <a:latin typeface="+mn-lt"/>
+                <a:ea typeface="+mn-ea"/>
+                <a:cs typeface="+mn-cs"/>
+              </a:defRPr>
+            </a:lvl7pPr>
+            <a:lvl8pPr marL="3200400" algn="l" defTabSz="914400" rtl="0" eaLnBrk="1" latinLnBrk="0" hangingPunct="1">
+              <a:defRPr sz="1800" kern="1200">
+                <a:solidFill>
+                  <a:schemeClr val="tx1"/>
+                </a:solidFill>
+                <a:latin typeface="+mn-lt"/>
+                <a:ea typeface="+mn-ea"/>
+                <a:cs typeface="+mn-cs"/>
+              </a:defRPr>
+            </a:lvl8pPr>
+            <a:lvl9pPr marL="3657600" algn="l" defTabSz="914400" rtl="0" eaLnBrk="1" latinLnBrk="0" hangingPunct="1">
+              <a:defRPr sz="1800" kern="1200">
+                <a:solidFill>
+                  <a:schemeClr val="tx1"/>
+                </a:solidFill>
+                <a:latin typeface="+mn-lt"/>
+                <a:ea typeface="+mn-ea"/>
+                <a:cs typeface="+mn-cs"/>
+              </a:defRPr>
+            </a:lvl9pPr>
+          </a:lstStyle>
+          <a:p>
+            <a:r>
+              <a:rPr lang="de-DE" dirty="0" smtClean="0"/>
+              <a:t>Seite 8 / 15</a:t>
             </a:r>
             <a:endParaRPr lang="de-DE" dirty="0"/>
           </a:p>
